--- a/Java-study/107. File Upload (feat) 동빈나/JSP파일업로드.pptx
+++ b/Java-study/107. File Upload (feat) 동빈나/JSP파일업로드.pptx
@@ -23,22 +23,34 @@
     <p:sldId id="295" r:id="rId17"/>
     <p:sldId id="296" r:id="rId18"/>
     <p:sldId id="297" r:id="rId19"/>
-    <p:sldId id="272" r:id="rId20"/>
+    <p:sldId id="298" r:id="rId20"/>
+    <p:sldId id="299" r:id="rId21"/>
+    <p:sldId id="300" r:id="rId22"/>
+    <p:sldId id="301" r:id="rId23"/>
+    <p:sldId id="302" r:id="rId24"/>
+    <p:sldId id="303" r:id="rId25"/>
+    <p:sldId id="304" r:id="rId26"/>
+    <p:sldId id="305" r:id="rId27"/>
+    <p:sldId id="306" r:id="rId28"/>
+    <p:sldId id="307" r:id="rId29"/>
+    <p:sldId id="308" r:id="rId30"/>
+    <p:sldId id="309" r:id="rId31"/>
+    <p:sldId id="272" r:id="rId32"/>
   </p:sldIdLst>
   <p:sldSz cx="12192000" cy="6858000"/>
   <p:notesSz cx="6858000" cy="9144000"/>
   <p:embeddedFontLst>
     <p:embeddedFont>
       <p:font typeface="Consolas" panose="020B0609020204030204" pitchFamily="49" charset="0"/>
-      <p:regular r:id="rId21"/>
-      <p:bold r:id="rId22"/>
-      <p:italic r:id="rId23"/>
-      <p:boldItalic r:id="rId24"/>
+      <p:regular r:id="rId33"/>
+      <p:bold r:id="rId34"/>
+      <p:italic r:id="rId35"/>
+      <p:boldItalic r:id="rId36"/>
     </p:embeddedFont>
     <p:embeddedFont>
       <p:font typeface="맑은 고딕" panose="020B0503020000020004" pitchFamily="50" charset="-127"/>
-      <p:regular r:id="rId25"/>
-      <p:bold r:id="rId26"/>
+      <p:regular r:id="rId37"/>
+      <p:bold r:id="rId38"/>
     </p:embeddedFont>
   </p:embeddedFontLst>
   <p:defaultTextStyle>
@@ -6867,6 +6879,4818 @@
           <a:chExt cx="0" cy="0"/>
         </a:xfrm>
       </p:grpSpPr>
+      <p:pic>
+        <p:nvPicPr>
+          <p:cNvPr id="8" name="그림 7">
+            <a:extLst>
+              <a:ext uri="{FF2B5EF4-FFF2-40B4-BE49-F238E27FC236}">
+                <a16:creationId xmlns:a16="http://schemas.microsoft.com/office/drawing/2014/main" id="{538F6B91-FEF8-4EB5-B611-B3CD1058A20D}"/>
+              </a:ext>
+            </a:extLst>
+          </p:cNvPr>
+          <p:cNvPicPr>
+            <a:picLocks noChangeAspect="1"/>
+          </p:cNvPicPr>
+          <p:nvPr/>
+        </p:nvPicPr>
+        <p:blipFill>
+          <a:blip r:embed="rId2"/>
+          <a:stretch>
+            <a:fillRect/>
+          </a:stretch>
+        </p:blipFill>
+        <p:spPr>
+          <a:xfrm>
+            <a:off x="0" y="-64880"/>
+            <a:ext cx="12191999" cy="1390443"/>
+          </a:xfrm>
+          <a:prstGeom prst="rect">
+            <a:avLst/>
+          </a:prstGeom>
+        </p:spPr>
+      </p:pic>
+      <p:sp>
+        <p:nvSpPr>
+          <p:cNvPr id="2" name="제목 1">
+            <a:extLst>
+              <a:ext uri="{FF2B5EF4-FFF2-40B4-BE49-F238E27FC236}">
+                <a16:creationId xmlns:a16="http://schemas.microsoft.com/office/drawing/2014/main" id="{DA9531EA-EF3E-47A1-A00A-C2553A61D457}"/>
+              </a:ext>
+            </a:extLst>
+          </p:cNvPr>
+          <p:cNvSpPr>
+            <a:spLocks noGrp="1"/>
+          </p:cNvSpPr>
+          <p:nvPr>
+            <p:ph type="title"/>
+          </p:nvPr>
+        </p:nvSpPr>
+        <p:spPr>
+          <a:xfrm>
+            <a:off x="-1" y="0"/>
+            <a:ext cx="12192000" cy="1325563"/>
+          </a:xfrm>
+          <a:noFill/>
+        </p:spPr>
+        <p:txBody>
+          <a:bodyPr/>
+          <a:lstStyle/>
+          <a:p>
+            <a:r>
+              <a:rPr lang="en-US" altLang="ko-KR" dirty="0">
+                <a:solidFill>
+                  <a:schemeClr val="accent2">
+                    <a:lumMod val="60000"/>
+                    <a:lumOff val="40000"/>
+                  </a:schemeClr>
+                </a:solidFill>
+              </a:rPr>
+              <a:t> JSP </a:t>
+            </a:r>
+            <a:r>
+              <a:rPr lang="ko-KR" altLang="en-US" dirty="0">
+                <a:solidFill>
+                  <a:schemeClr val="accent2">
+                    <a:lumMod val="60000"/>
+                    <a:lumOff val="40000"/>
+                  </a:schemeClr>
+                </a:solidFill>
+              </a:rPr>
+              <a:t>파일 업로드</a:t>
+            </a:r>
+          </a:p>
+        </p:txBody>
+      </p:sp>
+      <p:sp>
+        <p:nvSpPr>
+          <p:cNvPr id="4" name="제목 1">
+            <a:extLst>
+              <a:ext uri="{FF2B5EF4-FFF2-40B4-BE49-F238E27FC236}">
+                <a16:creationId xmlns:a16="http://schemas.microsoft.com/office/drawing/2014/main" id="{E5114744-E6CB-484A-A53B-B70C88B866A0}"/>
+              </a:ext>
+            </a:extLst>
+          </p:cNvPr>
+          <p:cNvSpPr txBox="1">
+            <a:spLocks/>
+          </p:cNvSpPr>
+          <p:nvPr/>
+        </p:nvSpPr>
+        <p:spPr>
+          <a:xfrm>
+            <a:off x="582226" y="1958898"/>
+            <a:ext cx="11609773" cy="1799370"/>
+          </a:xfrm>
+          <a:prstGeom prst="rect">
+            <a:avLst/>
+          </a:prstGeom>
+        </p:spPr>
+        <p:txBody>
+          <a:bodyPr vert="horz" lIns="91440" tIns="45720" rIns="91440" bIns="45720" rtlCol="0" anchor="ctr">
+            <a:normAutofit lnSpcReduction="10000"/>
+          </a:bodyPr>
+          <a:lstStyle>
+            <a:lvl1pPr algn="l" defTabSz="914400" rtl="0" eaLnBrk="1" latinLnBrk="1" hangingPunct="1">
+              <a:lnSpc>
+                <a:spcPct val="90000"/>
+              </a:lnSpc>
+              <a:spcBef>
+                <a:spcPct val="0"/>
+              </a:spcBef>
+              <a:buNone/>
+              <a:defRPr sz="4400" kern="1200">
+                <a:solidFill>
+                  <a:schemeClr val="tx1"/>
+                </a:solidFill>
+                <a:latin typeface="+mj-lt"/>
+                <a:ea typeface="+mj-ea"/>
+                <a:cs typeface="+mj-cs"/>
+              </a:defRPr>
+            </a:lvl1pPr>
+          </a:lstStyle>
+          <a:p>
+            <a:r>
+              <a:rPr lang="ko-KR" altLang="en-US" sz="1800" dirty="0">
+                <a:solidFill>
+                  <a:schemeClr val="bg1"/>
+                </a:solidFill>
+              </a:rPr>
+              <a:t>▶ 파일 업로드 취약점으로 대표적인 것은 웹 쉘</a:t>
+            </a:r>
+            <a:r>
+              <a:rPr lang="en-US" altLang="ko-KR" sz="1800" dirty="0">
+                <a:solidFill>
+                  <a:schemeClr val="bg1"/>
+                </a:solidFill>
+              </a:rPr>
+              <a:t>(Web Shell)</a:t>
+            </a:r>
+            <a:r>
+              <a:rPr lang="ko-KR" altLang="en-US" sz="1800" dirty="0">
+                <a:solidFill>
+                  <a:schemeClr val="bg1"/>
+                </a:solidFill>
+              </a:rPr>
+              <a:t>업로드 취약점입니다</a:t>
+            </a:r>
+            <a:r>
+              <a:rPr lang="en-US" altLang="ko-KR" sz="1800" dirty="0">
+                <a:solidFill>
+                  <a:schemeClr val="bg1"/>
+                </a:solidFill>
+              </a:rPr>
+              <a:t>.</a:t>
+            </a:r>
+          </a:p>
+          <a:p>
+            <a:endParaRPr lang="en-US" altLang="ko-KR" sz="1800" dirty="0">
+              <a:solidFill>
+                <a:schemeClr val="bg1"/>
+              </a:solidFill>
+            </a:endParaRPr>
+          </a:p>
+          <a:p>
+            <a:r>
+              <a:rPr lang="ko-KR" altLang="en-US" sz="1800" dirty="0">
+                <a:solidFill>
+                  <a:schemeClr val="bg1"/>
+                </a:solidFill>
+              </a:rPr>
+              <a:t>▶ </a:t>
+            </a:r>
+            <a:r>
+              <a:rPr lang="en-US" altLang="ko-KR" sz="1800" dirty="0">
+                <a:solidFill>
+                  <a:schemeClr val="bg1"/>
+                </a:solidFill>
+              </a:rPr>
+              <a:t>ASP, JSP, PHP </a:t>
+            </a:r>
+            <a:r>
+              <a:rPr lang="ko-KR" altLang="en-US" sz="1800" dirty="0">
+                <a:solidFill>
+                  <a:schemeClr val="bg1"/>
+                </a:solidFill>
+              </a:rPr>
+              <a:t>모든 유형에서 적용이 가능한 기법입니다</a:t>
+            </a:r>
+            <a:r>
+              <a:rPr lang="en-US" altLang="ko-KR" sz="1800" dirty="0">
+                <a:solidFill>
+                  <a:schemeClr val="bg1"/>
+                </a:solidFill>
+              </a:rPr>
+              <a:t>.</a:t>
+            </a:r>
+          </a:p>
+          <a:p>
+            <a:endParaRPr lang="en-US" altLang="ko-KR" sz="1800" dirty="0">
+              <a:solidFill>
+                <a:schemeClr val="bg1"/>
+              </a:solidFill>
+            </a:endParaRPr>
+          </a:p>
+          <a:p>
+            <a:r>
+              <a:rPr lang="ko-KR" altLang="en-US" sz="1800" dirty="0">
+                <a:solidFill>
+                  <a:schemeClr val="bg1"/>
+                </a:solidFill>
+              </a:rPr>
+              <a:t>▶ 공격자는 웹 쉘을 통해 서버의 명령어를 직접 실행시키게 됩니다</a:t>
+            </a:r>
+            <a:r>
+              <a:rPr lang="en-US" altLang="ko-KR" sz="1800" dirty="0">
+                <a:solidFill>
+                  <a:schemeClr val="bg1"/>
+                </a:solidFill>
+              </a:rPr>
+              <a:t>.	</a:t>
+            </a:r>
+          </a:p>
+          <a:p>
+            <a:endParaRPr lang="en-US" altLang="ko-KR" sz="1800" dirty="0">
+              <a:solidFill>
+                <a:schemeClr val="bg1"/>
+              </a:solidFill>
+            </a:endParaRPr>
+          </a:p>
+          <a:p>
+            <a:r>
+              <a:rPr lang="en-US" altLang="ko-KR" sz="1800" dirty="0">
+                <a:solidFill>
+                  <a:schemeClr val="bg1"/>
+                </a:solidFill>
+              </a:rPr>
+              <a:t>	</a:t>
+            </a:r>
+          </a:p>
+        </p:txBody>
+      </p:sp>
+      <p:sp>
+        <p:nvSpPr>
+          <p:cNvPr id="6" name="제목 1">
+            <a:extLst>
+              <a:ext uri="{FF2B5EF4-FFF2-40B4-BE49-F238E27FC236}">
+                <a16:creationId xmlns:a16="http://schemas.microsoft.com/office/drawing/2014/main" id="{4776CCBD-0D1E-4452-A56C-E14F88C8E8F0}"/>
+              </a:ext>
+            </a:extLst>
+          </p:cNvPr>
+          <p:cNvSpPr txBox="1">
+            <a:spLocks/>
+          </p:cNvSpPr>
+          <p:nvPr/>
+        </p:nvSpPr>
+        <p:spPr>
+          <a:xfrm>
+            <a:off x="342530" y="992395"/>
+            <a:ext cx="10515600" cy="1325563"/>
+          </a:xfrm>
+          <a:prstGeom prst="rect">
+            <a:avLst/>
+          </a:prstGeom>
+        </p:spPr>
+        <p:txBody>
+          <a:bodyPr vert="horz" lIns="91440" tIns="45720" rIns="91440" bIns="45720" rtlCol="0" anchor="ctr">
+            <a:normAutofit/>
+          </a:bodyPr>
+          <a:lstStyle>
+            <a:lvl1pPr algn="l" defTabSz="914400" rtl="0" eaLnBrk="1" latinLnBrk="1" hangingPunct="1">
+              <a:lnSpc>
+                <a:spcPct val="90000"/>
+              </a:lnSpc>
+              <a:spcBef>
+                <a:spcPct val="0"/>
+              </a:spcBef>
+              <a:buNone/>
+              <a:defRPr sz="4400" kern="1200">
+                <a:solidFill>
+                  <a:schemeClr val="tx1"/>
+                </a:solidFill>
+                <a:latin typeface="+mj-lt"/>
+                <a:ea typeface="+mj-ea"/>
+                <a:cs typeface="+mj-cs"/>
+              </a:defRPr>
+            </a:lvl1pPr>
+          </a:lstStyle>
+          <a:p>
+            <a:r>
+              <a:rPr lang="en-US" altLang="ko-KR" sz="3200" dirty="0">
+                <a:solidFill>
+                  <a:schemeClr val="bg1"/>
+                </a:solidFill>
+              </a:rPr>
+              <a:t>※ </a:t>
+            </a:r>
+            <a:r>
+              <a:rPr lang="ko-KR" altLang="en-US" sz="3200" dirty="0">
+                <a:solidFill>
+                  <a:schemeClr val="bg1"/>
+                </a:solidFill>
+              </a:rPr>
+              <a:t>보안 코딩</a:t>
+            </a:r>
+            <a:r>
+              <a:rPr lang="en-US" altLang="ko-KR" sz="3200" dirty="0">
+                <a:solidFill>
+                  <a:schemeClr val="bg1"/>
+                </a:solidFill>
+              </a:rPr>
+              <a:t>(Secure Coding) </a:t>
+            </a:r>
+            <a:r>
+              <a:rPr lang="ko-KR" altLang="en-US" sz="3200" dirty="0">
+                <a:solidFill>
+                  <a:schemeClr val="bg1"/>
+                </a:solidFill>
+              </a:rPr>
+              <a:t>적용하기</a:t>
+            </a:r>
+            <a:endParaRPr lang="en-US" altLang="ko-KR" sz="3200" dirty="0">
+              <a:solidFill>
+                <a:schemeClr val="bg1"/>
+              </a:solidFill>
+            </a:endParaRPr>
+          </a:p>
+        </p:txBody>
+      </p:sp>
+    </p:spTree>
+    <p:extLst>
+      <p:ext uri="{BB962C8B-B14F-4D97-AF65-F5344CB8AC3E}">
+        <p14:creationId xmlns:p14="http://schemas.microsoft.com/office/powerpoint/2010/main" val="355729712"/>
+      </p:ext>
+    </p:extLst>
+  </p:cSld>
+  <p:clrMapOvr>
+    <a:masterClrMapping/>
+  </p:clrMapOvr>
+</p:sld>
+</file>
+
+<file path=ppt/slides/slide2.xml><?xml version="1.0" encoding="utf-8"?>
+<p:sld xmlns:a="http://schemas.openxmlformats.org/drawingml/2006/main" xmlns:r="http://schemas.openxmlformats.org/officeDocument/2006/relationships" xmlns:p="http://schemas.openxmlformats.org/presentationml/2006/main">
+  <p:cSld>
+    <p:spTree>
+      <p:nvGrpSpPr>
+        <p:cNvPr id="1" name=""/>
+        <p:cNvGrpSpPr/>
+        <p:nvPr/>
+      </p:nvGrpSpPr>
+      <p:grpSpPr>
+        <a:xfrm>
+          <a:off x="0" y="0"/>
+          <a:ext cx="0" cy="0"/>
+          <a:chOff x="0" y="0"/>
+          <a:chExt cx="0" cy="0"/>
+        </a:xfrm>
+      </p:grpSpPr>
+      <p:pic>
+        <p:nvPicPr>
+          <p:cNvPr id="8" name="그림 7">
+            <a:extLst>
+              <a:ext uri="{FF2B5EF4-FFF2-40B4-BE49-F238E27FC236}">
+                <a16:creationId xmlns:a16="http://schemas.microsoft.com/office/drawing/2014/main" id="{538F6B91-FEF8-4EB5-B611-B3CD1058A20D}"/>
+              </a:ext>
+            </a:extLst>
+          </p:cNvPr>
+          <p:cNvPicPr>
+            <a:picLocks noChangeAspect="1"/>
+          </p:cNvPicPr>
+          <p:nvPr/>
+        </p:nvPicPr>
+        <p:blipFill>
+          <a:blip r:embed="rId2"/>
+          <a:stretch>
+            <a:fillRect/>
+          </a:stretch>
+        </p:blipFill>
+        <p:spPr>
+          <a:xfrm>
+            <a:off x="0" y="-64880"/>
+            <a:ext cx="12191999" cy="1390443"/>
+          </a:xfrm>
+          <a:prstGeom prst="rect">
+            <a:avLst/>
+          </a:prstGeom>
+        </p:spPr>
+      </p:pic>
+      <p:sp>
+        <p:nvSpPr>
+          <p:cNvPr id="2" name="제목 1">
+            <a:extLst>
+              <a:ext uri="{FF2B5EF4-FFF2-40B4-BE49-F238E27FC236}">
+                <a16:creationId xmlns:a16="http://schemas.microsoft.com/office/drawing/2014/main" id="{DA9531EA-EF3E-47A1-A00A-C2553A61D457}"/>
+              </a:ext>
+            </a:extLst>
+          </p:cNvPr>
+          <p:cNvSpPr>
+            <a:spLocks noGrp="1"/>
+          </p:cNvSpPr>
+          <p:nvPr>
+            <p:ph type="title"/>
+          </p:nvPr>
+        </p:nvSpPr>
+        <p:spPr>
+          <a:xfrm>
+            <a:off x="-1" y="0"/>
+            <a:ext cx="12192000" cy="1325563"/>
+          </a:xfrm>
+          <a:noFill/>
+        </p:spPr>
+        <p:txBody>
+          <a:bodyPr/>
+          <a:lstStyle/>
+          <a:p>
+            <a:r>
+              <a:rPr lang="en-US" altLang="ko-KR" dirty="0">
+                <a:solidFill>
+                  <a:schemeClr val="accent2">
+                    <a:lumMod val="60000"/>
+                    <a:lumOff val="40000"/>
+                  </a:schemeClr>
+                </a:solidFill>
+              </a:rPr>
+              <a:t> JSP </a:t>
+            </a:r>
+            <a:r>
+              <a:rPr lang="ko-KR" altLang="en-US" dirty="0">
+                <a:solidFill>
+                  <a:schemeClr val="accent2">
+                    <a:lumMod val="60000"/>
+                    <a:lumOff val="40000"/>
+                  </a:schemeClr>
+                </a:solidFill>
+              </a:rPr>
+              <a:t>파일 업로드</a:t>
+            </a:r>
+          </a:p>
+        </p:txBody>
+      </p:sp>
+      <p:sp>
+        <p:nvSpPr>
+          <p:cNvPr id="4" name="제목 1">
+            <a:extLst>
+              <a:ext uri="{FF2B5EF4-FFF2-40B4-BE49-F238E27FC236}">
+                <a16:creationId xmlns:a16="http://schemas.microsoft.com/office/drawing/2014/main" id="{E5114744-E6CB-484A-A53B-B70C88B866A0}"/>
+              </a:ext>
+            </a:extLst>
+          </p:cNvPr>
+          <p:cNvSpPr txBox="1">
+            <a:spLocks/>
+          </p:cNvSpPr>
+          <p:nvPr/>
+        </p:nvSpPr>
+        <p:spPr>
+          <a:xfrm>
+            <a:off x="582226" y="1950127"/>
+            <a:ext cx="11609773" cy="1920537"/>
+          </a:xfrm>
+          <a:prstGeom prst="rect">
+            <a:avLst/>
+          </a:prstGeom>
+        </p:spPr>
+        <p:txBody>
+          <a:bodyPr vert="horz" lIns="91440" tIns="45720" rIns="91440" bIns="45720" rtlCol="0" anchor="ctr">
+            <a:normAutofit/>
+          </a:bodyPr>
+          <a:lstStyle>
+            <a:lvl1pPr algn="l" defTabSz="914400" rtl="0" eaLnBrk="1" latinLnBrk="1" hangingPunct="1">
+              <a:lnSpc>
+                <a:spcPct val="90000"/>
+              </a:lnSpc>
+              <a:spcBef>
+                <a:spcPct val="0"/>
+              </a:spcBef>
+              <a:buNone/>
+              <a:defRPr sz="4400" kern="1200">
+                <a:solidFill>
+                  <a:schemeClr val="tx1"/>
+                </a:solidFill>
+                <a:latin typeface="+mj-lt"/>
+                <a:ea typeface="+mj-ea"/>
+                <a:cs typeface="+mj-cs"/>
+              </a:defRPr>
+            </a:lvl1pPr>
+          </a:lstStyle>
+          <a:p>
+            <a:r>
+              <a:rPr lang="ko-KR" altLang="en-US" sz="1800" dirty="0">
+                <a:solidFill>
+                  <a:schemeClr val="bg1"/>
+                </a:solidFill>
+              </a:rPr>
+              <a:t>▶ 파일 업로드 기능이란 게시판</a:t>
+            </a:r>
+            <a:r>
+              <a:rPr lang="en-US" altLang="ko-KR" sz="1800" dirty="0">
+                <a:solidFill>
+                  <a:schemeClr val="bg1"/>
+                </a:solidFill>
+              </a:rPr>
+              <a:t>, </a:t>
+            </a:r>
+            <a:r>
+              <a:rPr lang="ko-KR" altLang="en-US" sz="1800" dirty="0">
+                <a:solidFill>
+                  <a:schemeClr val="bg1"/>
+                </a:solidFill>
+              </a:rPr>
+              <a:t>프로필 사진 설정 등으로 웹 서버에 파일을 업로드 하는 기능입니다</a:t>
+            </a:r>
+            <a:r>
+              <a:rPr lang="en-US" altLang="ko-KR" sz="1800" dirty="0">
+                <a:solidFill>
+                  <a:schemeClr val="bg1"/>
+                </a:solidFill>
+              </a:rPr>
+              <a:t>.</a:t>
+            </a:r>
+          </a:p>
+          <a:p>
+            <a:endParaRPr lang="en-US" altLang="ko-KR" sz="1800" dirty="0">
+              <a:solidFill>
+                <a:schemeClr val="bg1"/>
+              </a:solidFill>
+            </a:endParaRPr>
+          </a:p>
+          <a:p>
+            <a:r>
+              <a:rPr lang="ko-KR" altLang="en-US" sz="1800" dirty="0">
+                <a:solidFill>
+                  <a:schemeClr val="bg1"/>
+                </a:solidFill>
+              </a:rPr>
+              <a:t>▶ </a:t>
+            </a:r>
+            <a:r>
+              <a:rPr lang="en-US" altLang="ko-KR" sz="1800" dirty="0">
+                <a:solidFill>
+                  <a:schemeClr val="bg1"/>
+                </a:solidFill>
+              </a:rPr>
+              <a:t>DB </a:t>
+            </a:r>
+            <a:r>
+              <a:rPr lang="ko-KR" altLang="en-US" sz="1800" dirty="0">
+                <a:solidFill>
+                  <a:schemeClr val="bg1"/>
+                </a:solidFill>
+              </a:rPr>
+              <a:t>연동</a:t>
+            </a:r>
+            <a:r>
+              <a:rPr lang="en-US" altLang="ko-KR" sz="1800" dirty="0">
+                <a:solidFill>
+                  <a:schemeClr val="bg1"/>
+                </a:solidFill>
+              </a:rPr>
+              <a:t>, </a:t>
+            </a:r>
+            <a:r>
+              <a:rPr lang="ko-KR" altLang="en-US" sz="1800" dirty="0">
+                <a:solidFill>
+                  <a:schemeClr val="bg1"/>
+                </a:solidFill>
+              </a:rPr>
+              <a:t>웹 서버의 디스크 차지 등 다양한 기능이 수행됩니다</a:t>
+            </a:r>
+            <a:r>
+              <a:rPr lang="en-US" altLang="ko-KR" sz="1800" dirty="0">
+                <a:solidFill>
+                  <a:schemeClr val="bg1"/>
+                </a:solidFill>
+              </a:rPr>
+              <a:t>.</a:t>
+            </a:r>
+          </a:p>
+          <a:p>
+            <a:endParaRPr lang="en-US" altLang="ko-KR" sz="1800" dirty="0">
+              <a:solidFill>
+                <a:schemeClr val="bg1"/>
+              </a:solidFill>
+            </a:endParaRPr>
+          </a:p>
+          <a:p>
+            <a:r>
+              <a:rPr lang="ko-KR" altLang="en-US" sz="1800" dirty="0">
+                <a:solidFill>
+                  <a:schemeClr val="bg1"/>
+                </a:solidFill>
+              </a:rPr>
+              <a:t>▶</a:t>
+            </a:r>
+            <a:r>
+              <a:rPr lang="en-US" altLang="ko-KR" sz="1800" dirty="0">
+                <a:solidFill>
+                  <a:schemeClr val="bg1"/>
+                </a:solidFill>
+              </a:rPr>
+              <a:t> </a:t>
+            </a:r>
+            <a:r>
+              <a:rPr lang="ko-KR" altLang="en-US" sz="1800" dirty="0">
+                <a:solidFill>
+                  <a:schemeClr val="bg1"/>
+                </a:solidFill>
+              </a:rPr>
+              <a:t>파일 업로드는 실제로 취약점이나 오류가 제일 많이 발생하는 부분입니다</a:t>
+            </a:r>
+            <a:r>
+              <a:rPr lang="en-US" altLang="ko-KR" sz="1800" dirty="0">
+                <a:solidFill>
+                  <a:schemeClr val="bg1"/>
+                </a:solidFill>
+              </a:rPr>
+              <a:t>.</a:t>
+            </a:r>
+          </a:p>
+        </p:txBody>
+      </p:sp>
+      <p:sp>
+        <p:nvSpPr>
+          <p:cNvPr id="6" name="제목 1">
+            <a:extLst>
+              <a:ext uri="{FF2B5EF4-FFF2-40B4-BE49-F238E27FC236}">
+                <a16:creationId xmlns:a16="http://schemas.microsoft.com/office/drawing/2014/main" id="{4776CCBD-0D1E-4452-A56C-E14F88C8E8F0}"/>
+              </a:ext>
+            </a:extLst>
+          </p:cNvPr>
+          <p:cNvSpPr txBox="1">
+            <a:spLocks/>
+          </p:cNvSpPr>
+          <p:nvPr/>
+        </p:nvSpPr>
+        <p:spPr>
+          <a:xfrm>
+            <a:off x="342530" y="992395"/>
+            <a:ext cx="10515600" cy="1325563"/>
+          </a:xfrm>
+          <a:prstGeom prst="rect">
+            <a:avLst/>
+          </a:prstGeom>
+        </p:spPr>
+        <p:txBody>
+          <a:bodyPr vert="horz" lIns="91440" tIns="45720" rIns="91440" bIns="45720" rtlCol="0" anchor="ctr">
+            <a:normAutofit/>
+          </a:bodyPr>
+          <a:lstStyle>
+            <a:lvl1pPr algn="l" defTabSz="914400" rtl="0" eaLnBrk="1" latinLnBrk="1" hangingPunct="1">
+              <a:lnSpc>
+                <a:spcPct val="90000"/>
+              </a:lnSpc>
+              <a:spcBef>
+                <a:spcPct val="0"/>
+              </a:spcBef>
+              <a:buNone/>
+              <a:defRPr sz="4400" kern="1200">
+                <a:solidFill>
+                  <a:schemeClr val="tx1"/>
+                </a:solidFill>
+                <a:latin typeface="+mj-lt"/>
+                <a:ea typeface="+mj-ea"/>
+                <a:cs typeface="+mj-cs"/>
+              </a:defRPr>
+            </a:lvl1pPr>
+          </a:lstStyle>
+          <a:p>
+            <a:r>
+              <a:rPr lang="en-US" altLang="ko-KR" sz="3200" dirty="0">
+                <a:solidFill>
+                  <a:schemeClr val="bg1"/>
+                </a:solidFill>
+              </a:rPr>
+              <a:t>※ JSP </a:t>
+            </a:r>
+            <a:r>
+              <a:rPr lang="ko-KR" altLang="en-US" sz="3200" dirty="0">
+                <a:solidFill>
+                  <a:schemeClr val="bg1"/>
+                </a:solidFill>
+              </a:rPr>
+              <a:t>파일 업로드</a:t>
+            </a:r>
+            <a:endParaRPr lang="en-US" altLang="ko-KR" sz="3200" dirty="0">
+              <a:solidFill>
+                <a:schemeClr val="bg1"/>
+              </a:solidFill>
+            </a:endParaRPr>
+          </a:p>
+        </p:txBody>
+      </p:sp>
+    </p:spTree>
+    <p:extLst>
+      <p:ext uri="{BB962C8B-B14F-4D97-AF65-F5344CB8AC3E}">
+        <p14:creationId xmlns:p14="http://schemas.microsoft.com/office/powerpoint/2010/main" val="3595903108"/>
+      </p:ext>
+    </p:extLst>
+  </p:cSld>
+  <p:clrMapOvr>
+    <a:masterClrMapping/>
+  </p:clrMapOvr>
+</p:sld>
+</file>
+
+<file path=ppt/slides/slide20.xml><?xml version="1.0" encoding="utf-8"?>
+<p:sld xmlns:a="http://schemas.openxmlformats.org/drawingml/2006/main" xmlns:r="http://schemas.openxmlformats.org/officeDocument/2006/relationships" xmlns:p="http://schemas.openxmlformats.org/presentationml/2006/main">
+  <p:cSld>
+    <p:spTree>
+      <p:nvGrpSpPr>
+        <p:cNvPr id="1" name=""/>
+        <p:cNvGrpSpPr/>
+        <p:nvPr/>
+      </p:nvGrpSpPr>
+      <p:grpSpPr>
+        <a:xfrm>
+          <a:off x="0" y="0"/>
+          <a:ext cx="0" cy="0"/>
+          <a:chOff x="0" y="0"/>
+          <a:chExt cx="0" cy="0"/>
+        </a:xfrm>
+      </p:grpSpPr>
+      <p:pic>
+        <p:nvPicPr>
+          <p:cNvPr id="8" name="그림 7">
+            <a:extLst>
+              <a:ext uri="{FF2B5EF4-FFF2-40B4-BE49-F238E27FC236}">
+                <a16:creationId xmlns:a16="http://schemas.microsoft.com/office/drawing/2014/main" id="{538F6B91-FEF8-4EB5-B611-B3CD1058A20D}"/>
+              </a:ext>
+            </a:extLst>
+          </p:cNvPr>
+          <p:cNvPicPr>
+            <a:picLocks noChangeAspect="1"/>
+          </p:cNvPicPr>
+          <p:nvPr/>
+        </p:nvPicPr>
+        <p:blipFill>
+          <a:blip r:embed="rId2"/>
+          <a:stretch>
+            <a:fillRect/>
+          </a:stretch>
+        </p:blipFill>
+        <p:spPr>
+          <a:xfrm>
+            <a:off x="0" y="-64880"/>
+            <a:ext cx="12191999" cy="1390443"/>
+          </a:xfrm>
+          <a:prstGeom prst="rect">
+            <a:avLst/>
+          </a:prstGeom>
+        </p:spPr>
+      </p:pic>
+      <p:sp>
+        <p:nvSpPr>
+          <p:cNvPr id="2" name="제목 1">
+            <a:extLst>
+              <a:ext uri="{FF2B5EF4-FFF2-40B4-BE49-F238E27FC236}">
+                <a16:creationId xmlns:a16="http://schemas.microsoft.com/office/drawing/2014/main" id="{DA9531EA-EF3E-47A1-A00A-C2553A61D457}"/>
+              </a:ext>
+            </a:extLst>
+          </p:cNvPr>
+          <p:cNvSpPr>
+            <a:spLocks noGrp="1"/>
+          </p:cNvSpPr>
+          <p:nvPr>
+            <p:ph type="title"/>
+          </p:nvPr>
+        </p:nvSpPr>
+        <p:spPr>
+          <a:xfrm>
+            <a:off x="-1" y="0"/>
+            <a:ext cx="12192000" cy="1325563"/>
+          </a:xfrm>
+          <a:noFill/>
+        </p:spPr>
+        <p:txBody>
+          <a:bodyPr/>
+          <a:lstStyle/>
+          <a:p>
+            <a:r>
+              <a:rPr lang="en-US" altLang="ko-KR" dirty="0">
+                <a:solidFill>
+                  <a:schemeClr val="accent2">
+                    <a:lumMod val="60000"/>
+                    <a:lumOff val="40000"/>
+                  </a:schemeClr>
+                </a:solidFill>
+              </a:rPr>
+              <a:t> JSP </a:t>
+            </a:r>
+            <a:r>
+              <a:rPr lang="ko-KR" altLang="en-US" dirty="0">
+                <a:solidFill>
+                  <a:schemeClr val="accent2">
+                    <a:lumMod val="60000"/>
+                    <a:lumOff val="40000"/>
+                  </a:schemeClr>
+                </a:solidFill>
+              </a:rPr>
+              <a:t>파일 업로드</a:t>
+            </a:r>
+          </a:p>
+        </p:txBody>
+      </p:sp>
+      <p:sp>
+        <p:nvSpPr>
+          <p:cNvPr id="4" name="제목 1">
+            <a:extLst>
+              <a:ext uri="{FF2B5EF4-FFF2-40B4-BE49-F238E27FC236}">
+                <a16:creationId xmlns:a16="http://schemas.microsoft.com/office/drawing/2014/main" id="{E5114744-E6CB-484A-A53B-B70C88B866A0}"/>
+              </a:ext>
+            </a:extLst>
+          </p:cNvPr>
+          <p:cNvSpPr txBox="1">
+            <a:spLocks/>
+          </p:cNvSpPr>
+          <p:nvPr/>
+        </p:nvSpPr>
+        <p:spPr>
+          <a:xfrm>
+            <a:off x="582226" y="1958898"/>
+            <a:ext cx="11609773" cy="1606423"/>
+          </a:xfrm>
+          <a:prstGeom prst="rect">
+            <a:avLst/>
+          </a:prstGeom>
+        </p:spPr>
+        <p:txBody>
+          <a:bodyPr vert="horz" lIns="91440" tIns="45720" rIns="91440" bIns="45720" rtlCol="0" anchor="ctr">
+            <a:normAutofit/>
+          </a:bodyPr>
+          <a:lstStyle>
+            <a:lvl1pPr algn="l" defTabSz="914400" rtl="0" eaLnBrk="1" latinLnBrk="1" hangingPunct="1">
+              <a:lnSpc>
+                <a:spcPct val="90000"/>
+              </a:lnSpc>
+              <a:spcBef>
+                <a:spcPct val="0"/>
+              </a:spcBef>
+              <a:buNone/>
+              <a:defRPr sz="4400" kern="1200">
+                <a:solidFill>
+                  <a:schemeClr val="tx1"/>
+                </a:solidFill>
+                <a:latin typeface="+mj-lt"/>
+                <a:ea typeface="+mj-ea"/>
+                <a:cs typeface="+mj-cs"/>
+              </a:defRPr>
+            </a:lvl1pPr>
+          </a:lstStyle>
+          <a:p>
+            <a:r>
+              <a:rPr lang="ko-KR" altLang="en-US" sz="1800" dirty="0">
+                <a:solidFill>
+                  <a:schemeClr val="bg1"/>
+                </a:solidFill>
+              </a:rPr>
+              <a:t>▶ 아래 예제는 업로드 가능한 확장자를 명확히 제시하는 가장 간단한 방법입니다</a:t>
+            </a:r>
+            <a:r>
+              <a:rPr lang="en-US" altLang="ko-KR" sz="1800" dirty="0">
+                <a:solidFill>
+                  <a:schemeClr val="bg1"/>
+                </a:solidFill>
+              </a:rPr>
+              <a:t>.</a:t>
+            </a:r>
+          </a:p>
+          <a:p>
+            <a:endParaRPr lang="en-US" altLang="ko-KR" sz="1800" dirty="0">
+              <a:solidFill>
+                <a:schemeClr val="bg1"/>
+              </a:solidFill>
+            </a:endParaRPr>
+          </a:p>
+          <a:p>
+            <a:r>
+              <a:rPr lang="ko-KR" altLang="en-US" sz="1800" dirty="0">
+                <a:solidFill>
+                  <a:schemeClr val="bg1"/>
+                </a:solidFill>
+              </a:rPr>
+              <a:t>▶ 다만 아래의 경우 어떤 취약점이 존재할 수 있을까요</a:t>
+            </a:r>
+            <a:r>
+              <a:rPr lang="en-US" altLang="ko-KR" sz="1800" dirty="0">
+                <a:solidFill>
+                  <a:schemeClr val="bg1"/>
+                </a:solidFill>
+              </a:rPr>
+              <a:t>? 	</a:t>
+            </a:r>
+          </a:p>
+          <a:p>
+            <a:endParaRPr lang="en-US" altLang="ko-KR" sz="1800" dirty="0">
+              <a:solidFill>
+                <a:schemeClr val="bg1"/>
+              </a:solidFill>
+            </a:endParaRPr>
+          </a:p>
+          <a:p>
+            <a:r>
+              <a:rPr lang="en-US" altLang="ko-KR" sz="1800" dirty="0">
+                <a:solidFill>
+                  <a:schemeClr val="bg1"/>
+                </a:solidFill>
+              </a:rPr>
+              <a:t>	</a:t>
+            </a:r>
+          </a:p>
+        </p:txBody>
+      </p:sp>
+      <p:sp>
+        <p:nvSpPr>
+          <p:cNvPr id="6" name="제목 1">
+            <a:extLst>
+              <a:ext uri="{FF2B5EF4-FFF2-40B4-BE49-F238E27FC236}">
+                <a16:creationId xmlns:a16="http://schemas.microsoft.com/office/drawing/2014/main" id="{4776CCBD-0D1E-4452-A56C-E14F88C8E8F0}"/>
+              </a:ext>
+            </a:extLst>
+          </p:cNvPr>
+          <p:cNvSpPr txBox="1">
+            <a:spLocks/>
+          </p:cNvSpPr>
+          <p:nvPr/>
+        </p:nvSpPr>
+        <p:spPr>
+          <a:xfrm>
+            <a:off x="342530" y="992395"/>
+            <a:ext cx="10515600" cy="1325563"/>
+          </a:xfrm>
+          <a:prstGeom prst="rect">
+            <a:avLst/>
+          </a:prstGeom>
+        </p:spPr>
+        <p:txBody>
+          <a:bodyPr vert="horz" lIns="91440" tIns="45720" rIns="91440" bIns="45720" rtlCol="0" anchor="ctr">
+            <a:normAutofit/>
+          </a:bodyPr>
+          <a:lstStyle>
+            <a:lvl1pPr algn="l" defTabSz="914400" rtl="0" eaLnBrk="1" latinLnBrk="1" hangingPunct="1">
+              <a:lnSpc>
+                <a:spcPct val="90000"/>
+              </a:lnSpc>
+              <a:spcBef>
+                <a:spcPct val="0"/>
+              </a:spcBef>
+              <a:buNone/>
+              <a:defRPr sz="4400" kern="1200">
+                <a:solidFill>
+                  <a:schemeClr val="tx1"/>
+                </a:solidFill>
+                <a:latin typeface="+mj-lt"/>
+                <a:ea typeface="+mj-ea"/>
+                <a:cs typeface="+mj-cs"/>
+              </a:defRPr>
+            </a:lvl1pPr>
+          </a:lstStyle>
+          <a:p>
+            <a:r>
+              <a:rPr lang="en-US" altLang="ko-KR" sz="3200" dirty="0">
+                <a:solidFill>
+                  <a:schemeClr val="bg1"/>
+                </a:solidFill>
+              </a:rPr>
+              <a:t>※ </a:t>
+            </a:r>
+            <a:r>
+              <a:rPr lang="ko-KR" altLang="en-US" sz="3200" dirty="0">
+                <a:solidFill>
+                  <a:schemeClr val="bg1"/>
+                </a:solidFill>
+              </a:rPr>
+              <a:t>보안 코딩</a:t>
+            </a:r>
+            <a:r>
+              <a:rPr lang="en-US" altLang="ko-KR" sz="3200" dirty="0">
+                <a:solidFill>
+                  <a:schemeClr val="bg1"/>
+                </a:solidFill>
+              </a:rPr>
+              <a:t>(Secure Coding) </a:t>
+            </a:r>
+            <a:r>
+              <a:rPr lang="ko-KR" altLang="en-US" sz="3200" dirty="0">
+                <a:solidFill>
+                  <a:schemeClr val="bg1"/>
+                </a:solidFill>
+              </a:rPr>
+              <a:t>적용하기</a:t>
+            </a:r>
+            <a:endParaRPr lang="en-US" altLang="ko-KR" sz="3200" dirty="0">
+              <a:solidFill>
+                <a:schemeClr val="bg1"/>
+              </a:solidFill>
+            </a:endParaRPr>
+          </a:p>
+        </p:txBody>
+      </p:sp>
+      <p:pic>
+        <p:nvPicPr>
+          <p:cNvPr id="9" name="그림 8">
+            <a:extLst>
+              <a:ext uri="{FF2B5EF4-FFF2-40B4-BE49-F238E27FC236}">
+                <a16:creationId xmlns:a16="http://schemas.microsoft.com/office/drawing/2014/main" id="{105701E1-9637-4825-8CAB-E45DCB1242AF}"/>
+              </a:ext>
+            </a:extLst>
+          </p:cNvPr>
+          <p:cNvPicPr>
+            <a:picLocks noChangeAspect="1"/>
+          </p:cNvPicPr>
+          <p:nvPr/>
+        </p:nvPicPr>
+        <p:blipFill>
+          <a:blip r:embed="rId3">
+            <a:extLst>
+              <a:ext uri="{28A0092B-C50C-407E-A947-70E740481C1C}">
+                <a14:useLocalDpi xmlns:a14="http://schemas.microsoft.com/office/drawing/2010/main" val="0"/>
+              </a:ext>
+            </a:extLst>
+          </a:blip>
+          <a:stretch>
+            <a:fillRect/>
+          </a:stretch>
+        </p:blipFill>
+        <p:spPr>
+          <a:xfrm>
+            <a:off x="4239711" y="2951293"/>
+            <a:ext cx="3712578" cy="3737295"/>
+          </a:xfrm>
+          <a:prstGeom prst="rect">
+            <a:avLst/>
+          </a:prstGeom>
+        </p:spPr>
+      </p:pic>
+    </p:spTree>
+    <p:extLst>
+      <p:ext uri="{BB962C8B-B14F-4D97-AF65-F5344CB8AC3E}">
+        <p14:creationId xmlns:p14="http://schemas.microsoft.com/office/powerpoint/2010/main" val="744811952"/>
+      </p:ext>
+    </p:extLst>
+  </p:cSld>
+  <p:clrMapOvr>
+    <a:masterClrMapping/>
+  </p:clrMapOvr>
+</p:sld>
+</file>
+
+<file path=ppt/slides/slide21.xml><?xml version="1.0" encoding="utf-8"?>
+<p:sld xmlns:a="http://schemas.openxmlformats.org/drawingml/2006/main" xmlns:r="http://schemas.openxmlformats.org/officeDocument/2006/relationships" xmlns:p="http://schemas.openxmlformats.org/presentationml/2006/main">
+  <p:cSld>
+    <p:spTree>
+      <p:nvGrpSpPr>
+        <p:cNvPr id="1" name=""/>
+        <p:cNvGrpSpPr/>
+        <p:nvPr/>
+      </p:nvGrpSpPr>
+      <p:grpSpPr>
+        <a:xfrm>
+          <a:off x="0" y="0"/>
+          <a:ext cx="0" cy="0"/>
+          <a:chOff x="0" y="0"/>
+          <a:chExt cx="0" cy="0"/>
+        </a:xfrm>
+      </p:grpSpPr>
+      <p:pic>
+        <p:nvPicPr>
+          <p:cNvPr id="8" name="그림 7">
+            <a:extLst>
+              <a:ext uri="{FF2B5EF4-FFF2-40B4-BE49-F238E27FC236}">
+                <a16:creationId xmlns:a16="http://schemas.microsoft.com/office/drawing/2014/main" id="{538F6B91-FEF8-4EB5-B611-B3CD1058A20D}"/>
+              </a:ext>
+            </a:extLst>
+          </p:cNvPr>
+          <p:cNvPicPr>
+            <a:picLocks noChangeAspect="1"/>
+          </p:cNvPicPr>
+          <p:nvPr/>
+        </p:nvPicPr>
+        <p:blipFill>
+          <a:blip r:embed="rId2"/>
+          <a:stretch>
+            <a:fillRect/>
+          </a:stretch>
+        </p:blipFill>
+        <p:spPr>
+          <a:xfrm>
+            <a:off x="0" y="-64880"/>
+            <a:ext cx="12191999" cy="1390443"/>
+          </a:xfrm>
+          <a:prstGeom prst="rect">
+            <a:avLst/>
+          </a:prstGeom>
+        </p:spPr>
+      </p:pic>
+      <p:sp>
+        <p:nvSpPr>
+          <p:cNvPr id="2" name="제목 1">
+            <a:extLst>
+              <a:ext uri="{FF2B5EF4-FFF2-40B4-BE49-F238E27FC236}">
+                <a16:creationId xmlns:a16="http://schemas.microsoft.com/office/drawing/2014/main" id="{DA9531EA-EF3E-47A1-A00A-C2553A61D457}"/>
+              </a:ext>
+            </a:extLst>
+          </p:cNvPr>
+          <p:cNvSpPr>
+            <a:spLocks noGrp="1"/>
+          </p:cNvSpPr>
+          <p:nvPr>
+            <p:ph type="title"/>
+          </p:nvPr>
+        </p:nvSpPr>
+        <p:spPr>
+          <a:xfrm>
+            <a:off x="-1" y="0"/>
+            <a:ext cx="12192000" cy="1325563"/>
+          </a:xfrm>
+          <a:noFill/>
+        </p:spPr>
+        <p:txBody>
+          <a:bodyPr/>
+          <a:lstStyle/>
+          <a:p>
+            <a:r>
+              <a:rPr lang="en-US" altLang="ko-KR" dirty="0">
+                <a:solidFill>
+                  <a:schemeClr val="accent2">
+                    <a:lumMod val="60000"/>
+                    <a:lumOff val="40000"/>
+                  </a:schemeClr>
+                </a:solidFill>
+              </a:rPr>
+              <a:t> JSP </a:t>
+            </a:r>
+            <a:r>
+              <a:rPr lang="ko-KR" altLang="en-US" dirty="0">
+                <a:solidFill>
+                  <a:schemeClr val="accent2">
+                    <a:lumMod val="60000"/>
+                    <a:lumOff val="40000"/>
+                  </a:schemeClr>
+                </a:solidFill>
+              </a:rPr>
+              <a:t>파일 업로드</a:t>
+            </a:r>
+          </a:p>
+        </p:txBody>
+      </p:sp>
+      <p:sp>
+        <p:nvSpPr>
+          <p:cNvPr id="4" name="제목 1">
+            <a:extLst>
+              <a:ext uri="{FF2B5EF4-FFF2-40B4-BE49-F238E27FC236}">
+                <a16:creationId xmlns:a16="http://schemas.microsoft.com/office/drawing/2014/main" id="{E5114744-E6CB-484A-A53B-B70C88B866A0}"/>
+              </a:ext>
+            </a:extLst>
+          </p:cNvPr>
+          <p:cNvSpPr txBox="1">
+            <a:spLocks/>
+          </p:cNvSpPr>
+          <p:nvPr/>
+        </p:nvSpPr>
+        <p:spPr>
+          <a:xfrm>
+            <a:off x="582226" y="1958898"/>
+            <a:ext cx="11609773" cy="1606423"/>
+          </a:xfrm>
+          <a:prstGeom prst="rect">
+            <a:avLst/>
+          </a:prstGeom>
+        </p:spPr>
+        <p:txBody>
+          <a:bodyPr vert="horz" lIns="91440" tIns="45720" rIns="91440" bIns="45720" rtlCol="0" anchor="ctr">
+            <a:normAutofit/>
+          </a:bodyPr>
+          <a:lstStyle>
+            <a:lvl1pPr algn="l" defTabSz="914400" rtl="0" eaLnBrk="1" latinLnBrk="1" hangingPunct="1">
+              <a:lnSpc>
+                <a:spcPct val="90000"/>
+              </a:lnSpc>
+              <a:spcBef>
+                <a:spcPct val="0"/>
+              </a:spcBef>
+              <a:buNone/>
+              <a:defRPr sz="4400" kern="1200">
+                <a:solidFill>
+                  <a:schemeClr val="tx1"/>
+                </a:solidFill>
+                <a:latin typeface="+mj-lt"/>
+                <a:ea typeface="+mj-ea"/>
+                <a:cs typeface="+mj-cs"/>
+              </a:defRPr>
+            </a:lvl1pPr>
+          </a:lstStyle>
+          <a:p>
+            <a:r>
+              <a:rPr lang="ko-KR" altLang="en-US" sz="1800" dirty="0">
+                <a:solidFill>
+                  <a:schemeClr val="bg1"/>
+                </a:solidFill>
+              </a:rPr>
+              <a:t>▶ 일종의 레이스 컨디션</a:t>
+            </a:r>
+            <a:r>
+              <a:rPr lang="en-US" altLang="ko-KR" sz="1800" dirty="0">
+                <a:solidFill>
+                  <a:schemeClr val="bg1"/>
+                </a:solidFill>
+              </a:rPr>
+              <a:t>(Race Condition) </a:t>
+            </a:r>
+            <a:r>
+              <a:rPr lang="ko-KR" altLang="en-US" sz="1800" dirty="0">
+                <a:solidFill>
+                  <a:schemeClr val="bg1"/>
+                </a:solidFill>
+              </a:rPr>
+              <a:t>취약점 입니다</a:t>
+            </a:r>
+            <a:r>
+              <a:rPr lang="en-US" altLang="ko-KR" sz="1800" dirty="0">
+                <a:solidFill>
+                  <a:schemeClr val="bg1"/>
+                </a:solidFill>
+              </a:rPr>
+              <a:t>.</a:t>
+            </a:r>
+          </a:p>
+          <a:p>
+            <a:endParaRPr lang="en-US" altLang="ko-KR" sz="1800" dirty="0">
+              <a:solidFill>
+                <a:schemeClr val="bg1"/>
+              </a:solidFill>
+            </a:endParaRPr>
+          </a:p>
+          <a:p>
+            <a:r>
+              <a:rPr lang="ko-KR" altLang="en-US" sz="1800" dirty="0">
+                <a:solidFill>
+                  <a:schemeClr val="bg1"/>
+                </a:solidFill>
+              </a:rPr>
+              <a:t>▶ 이를 원천적으로 봉쇄하는 방법은 파일의 루트 디렉터리 밖에 업로드 폴더를 위치시키는 것입니다</a:t>
+            </a:r>
+            <a:r>
+              <a:rPr lang="en-US" altLang="ko-KR" sz="1800" dirty="0">
+                <a:solidFill>
+                  <a:schemeClr val="bg1"/>
+                </a:solidFill>
+              </a:rPr>
+              <a:t>. 	</a:t>
+            </a:r>
+          </a:p>
+          <a:p>
+            <a:endParaRPr lang="en-US" altLang="ko-KR" sz="1800" dirty="0">
+              <a:solidFill>
+                <a:schemeClr val="bg1"/>
+              </a:solidFill>
+            </a:endParaRPr>
+          </a:p>
+          <a:p>
+            <a:r>
+              <a:rPr lang="en-US" altLang="ko-KR" sz="1800" dirty="0">
+                <a:solidFill>
+                  <a:schemeClr val="bg1"/>
+                </a:solidFill>
+              </a:rPr>
+              <a:t>	</a:t>
+            </a:r>
+          </a:p>
+        </p:txBody>
+      </p:sp>
+      <p:sp>
+        <p:nvSpPr>
+          <p:cNvPr id="6" name="제목 1">
+            <a:extLst>
+              <a:ext uri="{FF2B5EF4-FFF2-40B4-BE49-F238E27FC236}">
+                <a16:creationId xmlns:a16="http://schemas.microsoft.com/office/drawing/2014/main" id="{4776CCBD-0D1E-4452-A56C-E14F88C8E8F0}"/>
+              </a:ext>
+            </a:extLst>
+          </p:cNvPr>
+          <p:cNvSpPr txBox="1">
+            <a:spLocks/>
+          </p:cNvSpPr>
+          <p:nvPr/>
+        </p:nvSpPr>
+        <p:spPr>
+          <a:xfrm>
+            <a:off x="342530" y="992395"/>
+            <a:ext cx="10515600" cy="1325563"/>
+          </a:xfrm>
+          <a:prstGeom prst="rect">
+            <a:avLst/>
+          </a:prstGeom>
+        </p:spPr>
+        <p:txBody>
+          <a:bodyPr vert="horz" lIns="91440" tIns="45720" rIns="91440" bIns="45720" rtlCol="0" anchor="ctr">
+            <a:normAutofit/>
+          </a:bodyPr>
+          <a:lstStyle>
+            <a:lvl1pPr algn="l" defTabSz="914400" rtl="0" eaLnBrk="1" latinLnBrk="1" hangingPunct="1">
+              <a:lnSpc>
+                <a:spcPct val="90000"/>
+              </a:lnSpc>
+              <a:spcBef>
+                <a:spcPct val="0"/>
+              </a:spcBef>
+              <a:buNone/>
+              <a:defRPr sz="4400" kern="1200">
+                <a:solidFill>
+                  <a:schemeClr val="tx1"/>
+                </a:solidFill>
+                <a:latin typeface="+mj-lt"/>
+                <a:ea typeface="+mj-ea"/>
+                <a:cs typeface="+mj-cs"/>
+              </a:defRPr>
+            </a:lvl1pPr>
+          </a:lstStyle>
+          <a:p>
+            <a:r>
+              <a:rPr lang="en-US" altLang="ko-KR" sz="3200" dirty="0">
+                <a:solidFill>
+                  <a:schemeClr val="bg1"/>
+                </a:solidFill>
+              </a:rPr>
+              <a:t>※ </a:t>
+            </a:r>
+            <a:r>
+              <a:rPr lang="ko-KR" altLang="en-US" sz="3200" dirty="0">
+                <a:solidFill>
+                  <a:schemeClr val="bg1"/>
+                </a:solidFill>
+              </a:rPr>
+              <a:t>보안 코딩</a:t>
+            </a:r>
+            <a:r>
+              <a:rPr lang="en-US" altLang="ko-KR" sz="3200" dirty="0">
+                <a:solidFill>
+                  <a:schemeClr val="bg1"/>
+                </a:solidFill>
+              </a:rPr>
+              <a:t>(Secure Coding) </a:t>
+            </a:r>
+            <a:r>
+              <a:rPr lang="ko-KR" altLang="en-US" sz="3200" dirty="0">
+                <a:solidFill>
+                  <a:schemeClr val="bg1"/>
+                </a:solidFill>
+              </a:rPr>
+              <a:t>적용하기</a:t>
+            </a:r>
+            <a:endParaRPr lang="en-US" altLang="ko-KR" sz="3200" dirty="0">
+              <a:solidFill>
+                <a:schemeClr val="bg1"/>
+              </a:solidFill>
+            </a:endParaRPr>
+          </a:p>
+        </p:txBody>
+      </p:sp>
+      <p:pic>
+        <p:nvPicPr>
+          <p:cNvPr id="5" name="그림 4">
+            <a:extLst>
+              <a:ext uri="{FF2B5EF4-FFF2-40B4-BE49-F238E27FC236}">
+                <a16:creationId xmlns:a16="http://schemas.microsoft.com/office/drawing/2014/main" id="{37D32C03-FA67-4CC3-897B-1F20AD6FBE05}"/>
+              </a:ext>
+            </a:extLst>
+          </p:cNvPr>
+          <p:cNvPicPr>
+            <a:picLocks noChangeAspect="1"/>
+          </p:cNvPicPr>
+          <p:nvPr/>
+        </p:nvPicPr>
+        <p:blipFill>
+          <a:blip r:embed="rId3">
+            <a:extLst>
+              <a:ext uri="{28A0092B-C50C-407E-A947-70E740481C1C}">
+                <a14:useLocalDpi xmlns:a14="http://schemas.microsoft.com/office/drawing/2010/main" val="0"/>
+              </a:ext>
+            </a:extLst>
+          </a:blip>
+          <a:stretch>
+            <a:fillRect/>
+          </a:stretch>
+        </p:blipFill>
+        <p:spPr>
+          <a:xfrm>
+            <a:off x="4208465" y="2951293"/>
+            <a:ext cx="3775070" cy="3822583"/>
+          </a:xfrm>
+          <a:prstGeom prst="rect">
+            <a:avLst/>
+          </a:prstGeom>
+        </p:spPr>
+      </p:pic>
+    </p:spTree>
+    <p:extLst>
+      <p:ext uri="{BB962C8B-B14F-4D97-AF65-F5344CB8AC3E}">
+        <p14:creationId xmlns:p14="http://schemas.microsoft.com/office/powerpoint/2010/main" val="630437146"/>
+      </p:ext>
+    </p:extLst>
+  </p:cSld>
+  <p:clrMapOvr>
+    <a:masterClrMapping/>
+  </p:clrMapOvr>
+</p:sld>
+</file>
+
+<file path=ppt/slides/slide22.xml><?xml version="1.0" encoding="utf-8"?>
+<p:sld xmlns:a="http://schemas.openxmlformats.org/drawingml/2006/main" xmlns:r="http://schemas.openxmlformats.org/officeDocument/2006/relationships" xmlns:p="http://schemas.openxmlformats.org/presentationml/2006/main">
+  <p:cSld>
+    <p:spTree>
+      <p:nvGrpSpPr>
+        <p:cNvPr id="1" name=""/>
+        <p:cNvGrpSpPr/>
+        <p:nvPr/>
+      </p:nvGrpSpPr>
+      <p:grpSpPr>
+        <a:xfrm>
+          <a:off x="0" y="0"/>
+          <a:ext cx="0" cy="0"/>
+          <a:chOff x="0" y="0"/>
+          <a:chExt cx="0" cy="0"/>
+        </a:xfrm>
+      </p:grpSpPr>
+      <p:pic>
+        <p:nvPicPr>
+          <p:cNvPr id="8" name="그림 7">
+            <a:extLst>
+              <a:ext uri="{FF2B5EF4-FFF2-40B4-BE49-F238E27FC236}">
+                <a16:creationId xmlns:a16="http://schemas.microsoft.com/office/drawing/2014/main" id="{538F6B91-FEF8-4EB5-B611-B3CD1058A20D}"/>
+              </a:ext>
+            </a:extLst>
+          </p:cNvPr>
+          <p:cNvPicPr>
+            <a:picLocks noChangeAspect="1"/>
+          </p:cNvPicPr>
+          <p:nvPr/>
+        </p:nvPicPr>
+        <p:blipFill>
+          <a:blip r:embed="rId2"/>
+          <a:stretch>
+            <a:fillRect/>
+          </a:stretch>
+        </p:blipFill>
+        <p:spPr>
+          <a:xfrm>
+            <a:off x="0" y="-64880"/>
+            <a:ext cx="12191999" cy="1390443"/>
+          </a:xfrm>
+          <a:prstGeom prst="rect">
+            <a:avLst/>
+          </a:prstGeom>
+        </p:spPr>
+      </p:pic>
+      <p:sp>
+        <p:nvSpPr>
+          <p:cNvPr id="2" name="제목 1">
+            <a:extLst>
+              <a:ext uri="{FF2B5EF4-FFF2-40B4-BE49-F238E27FC236}">
+                <a16:creationId xmlns:a16="http://schemas.microsoft.com/office/drawing/2014/main" id="{DA9531EA-EF3E-47A1-A00A-C2553A61D457}"/>
+              </a:ext>
+            </a:extLst>
+          </p:cNvPr>
+          <p:cNvSpPr>
+            <a:spLocks noGrp="1"/>
+          </p:cNvSpPr>
+          <p:nvPr>
+            <p:ph type="title"/>
+          </p:nvPr>
+        </p:nvSpPr>
+        <p:spPr>
+          <a:xfrm>
+            <a:off x="-1" y="0"/>
+            <a:ext cx="12192000" cy="1325563"/>
+          </a:xfrm>
+          <a:noFill/>
+        </p:spPr>
+        <p:txBody>
+          <a:bodyPr/>
+          <a:lstStyle/>
+          <a:p>
+            <a:r>
+              <a:rPr lang="en-US" altLang="ko-KR" dirty="0">
+                <a:solidFill>
+                  <a:schemeClr val="accent2">
+                    <a:lumMod val="60000"/>
+                    <a:lumOff val="40000"/>
+                  </a:schemeClr>
+                </a:solidFill>
+              </a:rPr>
+              <a:t> JSP </a:t>
+            </a:r>
+            <a:r>
+              <a:rPr lang="ko-KR" altLang="en-US" dirty="0">
+                <a:solidFill>
+                  <a:schemeClr val="accent2">
+                    <a:lumMod val="60000"/>
+                    <a:lumOff val="40000"/>
+                  </a:schemeClr>
+                </a:solidFill>
+              </a:rPr>
+              <a:t>파일 업로드</a:t>
+            </a:r>
+          </a:p>
+        </p:txBody>
+      </p:sp>
+      <p:sp>
+        <p:nvSpPr>
+          <p:cNvPr id="4" name="제목 1">
+            <a:extLst>
+              <a:ext uri="{FF2B5EF4-FFF2-40B4-BE49-F238E27FC236}">
+                <a16:creationId xmlns:a16="http://schemas.microsoft.com/office/drawing/2014/main" id="{E5114744-E6CB-484A-A53B-B70C88B866A0}"/>
+              </a:ext>
+            </a:extLst>
+          </p:cNvPr>
+          <p:cNvSpPr txBox="1">
+            <a:spLocks/>
+          </p:cNvSpPr>
+          <p:nvPr/>
+        </p:nvSpPr>
+        <p:spPr>
+          <a:xfrm>
+            <a:off x="582226" y="1958898"/>
+            <a:ext cx="11609773" cy="1052750"/>
+          </a:xfrm>
+          <a:prstGeom prst="rect">
+            <a:avLst/>
+          </a:prstGeom>
+        </p:spPr>
+        <p:txBody>
+          <a:bodyPr vert="horz" lIns="91440" tIns="45720" rIns="91440" bIns="45720" rtlCol="0" anchor="ctr">
+            <a:normAutofit fontScale="92500" lnSpcReduction="20000"/>
+          </a:bodyPr>
+          <a:lstStyle>
+            <a:lvl1pPr algn="l" defTabSz="914400" rtl="0" eaLnBrk="1" latinLnBrk="1" hangingPunct="1">
+              <a:lnSpc>
+                <a:spcPct val="90000"/>
+              </a:lnSpc>
+              <a:spcBef>
+                <a:spcPct val="0"/>
+              </a:spcBef>
+              <a:buNone/>
+              <a:defRPr sz="4400" kern="1200">
+                <a:solidFill>
+                  <a:schemeClr val="tx1"/>
+                </a:solidFill>
+                <a:latin typeface="+mj-lt"/>
+                <a:ea typeface="+mj-ea"/>
+                <a:cs typeface="+mj-cs"/>
+              </a:defRPr>
+            </a:lvl1pPr>
+          </a:lstStyle>
+          <a:p>
+            <a:r>
+              <a:rPr lang="ko-KR" altLang="en-US" sz="1800" dirty="0">
+                <a:solidFill>
+                  <a:schemeClr val="bg1"/>
+                </a:solidFill>
+              </a:rPr>
+              <a:t>▶ 더 자세한 내용은 </a:t>
+            </a:r>
+            <a:r>
+              <a:rPr lang="en-US" altLang="ko-KR" sz="1800" dirty="0">
+                <a:solidFill>
+                  <a:schemeClr val="bg1"/>
+                </a:solidFill>
+              </a:rPr>
+              <a:t>KISA</a:t>
+            </a:r>
+            <a:r>
+              <a:rPr lang="ko-KR" altLang="en-US" sz="1800" dirty="0">
+                <a:solidFill>
+                  <a:schemeClr val="bg1"/>
+                </a:solidFill>
+              </a:rPr>
+              <a:t> 기술안내서 가이드를 참고할 수 있습니다</a:t>
+            </a:r>
+            <a:r>
+              <a:rPr lang="en-US" altLang="ko-KR" sz="1800" dirty="0">
+                <a:solidFill>
+                  <a:schemeClr val="bg1"/>
+                </a:solidFill>
+              </a:rPr>
+              <a:t>. (</a:t>
+            </a:r>
+            <a:r>
+              <a:rPr lang="en-US" altLang="ko-KR" sz="1800" dirty="0">
+                <a:hlinkClick r:id="rId3"/>
+              </a:rPr>
+              <a:t>https://www.kisa.or.kr/public/laws/laws3_View.jsp?cPage=1&amp;mode=view&amp;p_No=259&amp;b_No=259&amp;d_No=55&amp;ST=T&amp;SV=JAVA/%3E</a:t>
+            </a:r>
+            <a:r>
+              <a:rPr lang="en-US" altLang="ko-KR" sz="1800" dirty="0">
+                <a:solidFill>
+                  <a:schemeClr val="bg1"/>
+                </a:solidFill>
+              </a:rPr>
+              <a:t>)	</a:t>
+            </a:r>
+          </a:p>
+          <a:p>
+            <a:endParaRPr lang="en-US" altLang="ko-KR" sz="1800" dirty="0">
+              <a:solidFill>
+                <a:schemeClr val="bg1"/>
+              </a:solidFill>
+            </a:endParaRPr>
+          </a:p>
+          <a:p>
+            <a:r>
+              <a:rPr lang="en-US" altLang="ko-KR" sz="1800" dirty="0">
+                <a:solidFill>
+                  <a:schemeClr val="bg1"/>
+                </a:solidFill>
+              </a:rPr>
+              <a:t>	</a:t>
+            </a:r>
+          </a:p>
+        </p:txBody>
+      </p:sp>
+      <p:sp>
+        <p:nvSpPr>
+          <p:cNvPr id="6" name="제목 1">
+            <a:extLst>
+              <a:ext uri="{FF2B5EF4-FFF2-40B4-BE49-F238E27FC236}">
+                <a16:creationId xmlns:a16="http://schemas.microsoft.com/office/drawing/2014/main" id="{4776CCBD-0D1E-4452-A56C-E14F88C8E8F0}"/>
+              </a:ext>
+            </a:extLst>
+          </p:cNvPr>
+          <p:cNvSpPr txBox="1">
+            <a:spLocks/>
+          </p:cNvSpPr>
+          <p:nvPr/>
+        </p:nvSpPr>
+        <p:spPr>
+          <a:xfrm>
+            <a:off x="342530" y="992395"/>
+            <a:ext cx="10515600" cy="1325563"/>
+          </a:xfrm>
+          <a:prstGeom prst="rect">
+            <a:avLst/>
+          </a:prstGeom>
+        </p:spPr>
+        <p:txBody>
+          <a:bodyPr vert="horz" lIns="91440" tIns="45720" rIns="91440" bIns="45720" rtlCol="0" anchor="ctr">
+            <a:normAutofit/>
+          </a:bodyPr>
+          <a:lstStyle>
+            <a:lvl1pPr algn="l" defTabSz="914400" rtl="0" eaLnBrk="1" latinLnBrk="1" hangingPunct="1">
+              <a:lnSpc>
+                <a:spcPct val="90000"/>
+              </a:lnSpc>
+              <a:spcBef>
+                <a:spcPct val="0"/>
+              </a:spcBef>
+              <a:buNone/>
+              <a:defRPr sz="4400" kern="1200">
+                <a:solidFill>
+                  <a:schemeClr val="tx1"/>
+                </a:solidFill>
+                <a:latin typeface="+mj-lt"/>
+                <a:ea typeface="+mj-ea"/>
+                <a:cs typeface="+mj-cs"/>
+              </a:defRPr>
+            </a:lvl1pPr>
+          </a:lstStyle>
+          <a:p>
+            <a:r>
+              <a:rPr lang="en-US" altLang="ko-KR" sz="3200" dirty="0">
+                <a:solidFill>
+                  <a:schemeClr val="bg1"/>
+                </a:solidFill>
+              </a:rPr>
+              <a:t>※ </a:t>
+            </a:r>
+            <a:r>
+              <a:rPr lang="ko-KR" altLang="en-US" sz="3200" dirty="0">
+                <a:solidFill>
+                  <a:schemeClr val="bg1"/>
+                </a:solidFill>
+              </a:rPr>
+              <a:t>보안 코딩</a:t>
+            </a:r>
+            <a:r>
+              <a:rPr lang="en-US" altLang="ko-KR" sz="3200" dirty="0">
+                <a:solidFill>
+                  <a:schemeClr val="bg1"/>
+                </a:solidFill>
+              </a:rPr>
+              <a:t>(Secure Coding) </a:t>
+            </a:r>
+            <a:r>
+              <a:rPr lang="ko-KR" altLang="en-US" sz="3200" dirty="0">
+                <a:solidFill>
+                  <a:schemeClr val="bg1"/>
+                </a:solidFill>
+              </a:rPr>
+              <a:t>적용하기</a:t>
+            </a:r>
+            <a:endParaRPr lang="en-US" altLang="ko-KR" sz="3200" dirty="0">
+              <a:solidFill>
+                <a:schemeClr val="bg1"/>
+              </a:solidFill>
+            </a:endParaRPr>
+          </a:p>
+        </p:txBody>
+      </p:sp>
+      <p:pic>
+        <p:nvPicPr>
+          <p:cNvPr id="7" name="그림 6">
+            <a:extLst>
+              <a:ext uri="{FF2B5EF4-FFF2-40B4-BE49-F238E27FC236}">
+                <a16:creationId xmlns:a16="http://schemas.microsoft.com/office/drawing/2014/main" id="{3FC50AEE-C353-4AA0-B3AA-7998097E7C5E}"/>
+              </a:ext>
+            </a:extLst>
+          </p:cNvPr>
+          <p:cNvPicPr>
+            <a:picLocks noChangeAspect="1"/>
+          </p:cNvPicPr>
+          <p:nvPr/>
+        </p:nvPicPr>
+        <p:blipFill>
+          <a:blip r:embed="rId4">
+            <a:extLst>
+              <a:ext uri="{28A0092B-C50C-407E-A947-70E740481C1C}">
+                <a14:useLocalDpi xmlns:a14="http://schemas.microsoft.com/office/drawing/2010/main" val="0"/>
+              </a:ext>
+            </a:extLst>
+          </a:blip>
+          <a:stretch>
+            <a:fillRect/>
+          </a:stretch>
+        </p:blipFill>
+        <p:spPr>
+          <a:xfrm>
+            <a:off x="3617243" y="2548733"/>
+            <a:ext cx="4713025" cy="4200521"/>
+          </a:xfrm>
+          <a:prstGeom prst="rect">
+            <a:avLst/>
+          </a:prstGeom>
+        </p:spPr>
+      </p:pic>
+    </p:spTree>
+    <p:extLst>
+      <p:ext uri="{BB962C8B-B14F-4D97-AF65-F5344CB8AC3E}">
+        <p14:creationId xmlns:p14="http://schemas.microsoft.com/office/powerpoint/2010/main" val="2507820680"/>
+      </p:ext>
+    </p:extLst>
+  </p:cSld>
+  <p:clrMapOvr>
+    <a:masterClrMapping/>
+  </p:clrMapOvr>
+</p:sld>
+</file>
+
+<file path=ppt/slides/slide23.xml><?xml version="1.0" encoding="utf-8"?>
+<p:sld xmlns:a="http://schemas.openxmlformats.org/drawingml/2006/main" xmlns:r="http://schemas.openxmlformats.org/officeDocument/2006/relationships" xmlns:p="http://schemas.openxmlformats.org/presentationml/2006/main">
+  <p:cSld>
+    <p:spTree>
+      <p:nvGrpSpPr>
+        <p:cNvPr id="1" name=""/>
+        <p:cNvGrpSpPr/>
+        <p:nvPr/>
+      </p:nvGrpSpPr>
+      <p:grpSpPr>
+        <a:xfrm>
+          <a:off x="0" y="0"/>
+          <a:ext cx="0" cy="0"/>
+          <a:chOff x="0" y="0"/>
+          <a:chExt cx="0" cy="0"/>
+        </a:xfrm>
+      </p:grpSpPr>
+      <p:pic>
+        <p:nvPicPr>
+          <p:cNvPr id="8" name="그림 7">
+            <a:extLst>
+              <a:ext uri="{FF2B5EF4-FFF2-40B4-BE49-F238E27FC236}">
+                <a16:creationId xmlns:a16="http://schemas.microsoft.com/office/drawing/2014/main" id="{538F6B91-FEF8-4EB5-B611-B3CD1058A20D}"/>
+              </a:ext>
+            </a:extLst>
+          </p:cNvPr>
+          <p:cNvPicPr>
+            <a:picLocks noChangeAspect="1"/>
+          </p:cNvPicPr>
+          <p:nvPr/>
+        </p:nvPicPr>
+        <p:blipFill>
+          <a:blip r:embed="rId2"/>
+          <a:stretch>
+            <a:fillRect/>
+          </a:stretch>
+        </p:blipFill>
+        <p:spPr>
+          <a:xfrm>
+            <a:off x="0" y="-64880"/>
+            <a:ext cx="12191999" cy="1390443"/>
+          </a:xfrm>
+          <a:prstGeom prst="rect">
+            <a:avLst/>
+          </a:prstGeom>
+        </p:spPr>
+      </p:pic>
+      <p:sp>
+        <p:nvSpPr>
+          <p:cNvPr id="2" name="제목 1">
+            <a:extLst>
+              <a:ext uri="{FF2B5EF4-FFF2-40B4-BE49-F238E27FC236}">
+                <a16:creationId xmlns:a16="http://schemas.microsoft.com/office/drawing/2014/main" id="{DA9531EA-EF3E-47A1-A00A-C2553A61D457}"/>
+              </a:ext>
+            </a:extLst>
+          </p:cNvPr>
+          <p:cNvSpPr>
+            <a:spLocks noGrp="1"/>
+          </p:cNvSpPr>
+          <p:nvPr>
+            <p:ph type="title"/>
+          </p:nvPr>
+        </p:nvSpPr>
+        <p:spPr>
+          <a:xfrm>
+            <a:off x="-1" y="0"/>
+            <a:ext cx="12192000" cy="1325563"/>
+          </a:xfrm>
+          <a:noFill/>
+        </p:spPr>
+        <p:txBody>
+          <a:bodyPr/>
+          <a:lstStyle/>
+          <a:p>
+            <a:r>
+              <a:rPr lang="en-US" altLang="ko-KR" dirty="0">
+                <a:solidFill>
+                  <a:schemeClr val="accent2">
+                    <a:lumMod val="60000"/>
+                    <a:lumOff val="40000"/>
+                  </a:schemeClr>
+                </a:solidFill>
+              </a:rPr>
+              <a:t> JSP </a:t>
+            </a:r>
+            <a:r>
+              <a:rPr lang="ko-KR" altLang="en-US" dirty="0">
+                <a:solidFill>
+                  <a:schemeClr val="accent2">
+                    <a:lumMod val="60000"/>
+                    <a:lumOff val="40000"/>
+                  </a:schemeClr>
+                </a:solidFill>
+              </a:rPr>
+              <a:t>파일 업로드</a:t>
+            </a:r>
+          </a:p>
+        </p:txBody>
+      </p:sp>
+      <p:sp>
+        <p:nvSpPr>
+          <p:cNvPr id="4" name="제목 1">
+            <a:extLst>
+              <a:ext uri="{FF2B5EF4-FFF2-40B4-BE49-F238E27FC236}">
+                <a16:creationId xmlns:a16="http://schemas.microsoft.com/office/drawing/2014/main" id="{E5114744-E6CB-484A-A53B-B70C88B866A0}"/>
+              </a:ext>
+            </a:extLst>
+          </p:cNvPr>
+          <p:cNvSpPr txBox="1">
+            <a:spLocks/>
+          </p:cNvSpPr>
+          <p:nvPr/>
+        </p:nvSpPr>
+        <p:spPr>
+          <a:xfrm>
+            <a:off x="582226" y="1958898"/>
+            <a:ext cx="11609773" cy="1052750"/>
+          </a:xfrm>
+          <a:prstGeom prst="rect">
+            <a:avLst/>
+          </a:prstGeom>
+        </p:spPr>
+        <p:txBody>
+          <a:bodyPr vert="horz" lIns="91440" tIns="45720" rIns="91440" bIns="45720" rtlCol="0" anchor="ctr">
+            <a:normAutofit/>
+          </a:bodyPr>
+          <a:lstStyle>
+            <a:lvl1pPr algn="l" defTabSz="914400" rtl="0" eaLnBrk="1" latinLnBrk="1" hangingPunct="1">
+              <a:lnSpc>
+                <a:spcPct val="90000"/>
+              </a:lnSpc>
+              <a:spcBef>
+                <a:spcPct val="0"/>
+              </a:spcBef>
+              <a:buNone/>
+              <a:defRPr sz="4400" kern="1200">
+                <a:solidFill>
+                  <a:schemeClr val="tx1"/>
+                </a:solidFill>
+                <a:latin typeface="+mj-lt"/>
+                <a:ea typeface="+mj-ea"/>
+                <a:cs typeface="+mj-cs"/>
+              </a:defRPr>
+            </a:lvl1pPr>
+          </a:lstStyle>
+          <a:p>
+            <a:r>
+              <a:rPr lang="ko-KR" altLang="en-US" sz="1800" dirty="0">
+                <a:solidFill>
+                  <a:schemeClr val="bg1"/>
+                </a:solidFill>
+              </a:rPr>
+              <a:t>▶ 현재까지 작성했던 프로젝트를 배경으로 파일을 다운로드 한 횟수도 저장하도록 유지보수 해봅시다</a:t>
+            </a:r>
+            <a:r>
+              <a:rPr lang="en-US" altLang="ko-KR" sz="1800" dirty="0">
+                <a:solidFill>
+                  <a:schemeClr val="bg1"/>
+                </a:solidFill>
+              </a:rPr>
+              <a:t>.	</a:t>
+            </a:r>
+          </a:p>
+          <a:p>
+            <a:endParaRPr lang="en-US" altLang="ko-KR" sz="1800" dirty="0">
+              <a:solidFill>
+                <a:schemeClr val="bg1"/>
+              </a:solidFill>
+            </a:endParaRPr>
+          </a:p>
+          <a:p>
+            <a:r>
+              <a:rPr lang="en-US" altLang="ko-KR" sz="1800" dirty="0">
+                <a:solidFill>
+                  <a:schemeClr val="bg1"/>
+                </a:solidFill>
+              </a:rPr>
+              <a:t>	</a:t>
+            </a:r>
+          </a:p>
+        </p:txBody>
+      </p:sp>
+      <p:sp>
+        <p:nvSpPr>
+          <p:cNvPr id="6" name="제목 1">
+            <a:extLst>
+              <a:ext uri="{FF2B5EF4-FFF2-40B4-BE49-F238E27FC236}">
+                <a16:creationId xmlns:a16="http://schemas.microsoft.com/office/drawing/2014/main" id="{4776CCBD-0D1E-4452-A56C-E14F88C8E8F0}"/>
+              </a:ext>
+            </a:extLst>
+          </p:cNvPr>
+          <p:cNvSpPr txBox="1">
+            <a:spLocks/>
+          </p:cNvSpPr>
+          <p:nvPr/>
+        </p:nvSpPr>
+        <p:spPr>
+          <a:xfrm>
+            <a:off x="342530" y="992395"/>
+            <a:ext cx="10515600" cy="1325563"/>
+          </a:xfrm>
+          <a:prstGeom prst="rect">
+            <a:avLst/>
+          </a:prstGeom>
+        </p:spPr>
+        <p:txBody>
+          <a:bodyPr vert="horz" lIns="91440" tIns="45720" rIns="91440" bIns="45720" rtlCol="0" anchor="ctr">
+            <a:normAutofit/>
+          </a:bodyPr>
+          <a:lstStyle>
+            <a:lvl1pPr algn="l" defTabSz="914400" rtl="0" eaLnBrk="1" latinLnBrk="1" hangingPunct="1">
+              <a:lnSpc>
+                <a:spcPct val="90000"/>
+              </a:lnSpc>
+              <a:spcBef>
+                <a:spcPct val="0"/>
+              </a:spcBef>
+              <a:buNone/>
+              <a:defRPr sz="4400" kern="1200">
+                <a:solidFill>
+                  <a:schemeClr val="tx1"/>
+                </a:solidFill>
+                <a:latin typeface="+mj-lt"/>
+                <a:ea typeface="+mj-ea"/>
+                <a:cs typeface="+mj-cs"/>
+              </a:defRPr>
+            </a:lvl1pPr>
+          </a:lstStyle>
+          <a:p>
+            <a:r>
+              <a:rPr lang="en-US" altLang="ko-KR" sz="3200" dirty="0">
+                <a:solidFill>
+                  <a:schemeClr val="bg1"/>
+                </a:solidFill>
+              </a:rPr>
+              <a:t>※ </a:t>
+            </a:r>
+            <a:r>
+              <a:rPr lang="ko-KR" altLang="en-US" sz="3200" dirty="0">
+                <a:solidFill>
+                  <a:schemeClr val="bg1"/>
+                </a:solidFill>
+              </a:rPr>
+              <a:t>파일을 다운로드 한 횟수 저장하기</a:t>
+            </a:r>
+            <a:r>
+              <a:rPr lang="en-US" altLang="ko-KR" sz="3200" dirty="0">
+                <a:solidFill>
+                  <a:schemeClr val="bg1"/>
+                </a:solidFill>
+              </a:rPr>
+              <a:t>	</a:t>
+            </a:r>
+          </a:p>
+        </p:txBody>
+      </p:sp>
+    </p:spTree>
+    <p:extLst>
+      <p:ext uri="{BB962C8B-B14F-4D97-AF65-F5344CB8AC3E}">
+        <p14:creationId xmlns:p14="http://schemas.microsoft.com/office/powerpoint/2010/main" val="3016219708"/>
+      </p:ext>
+    </p:extLst>
+  </p:cSld>
+  <p:clrMapOvr>
+    <a:masterClrMapping/>
+  </p:clrMapOvr>
+</p:sld>
+</file>
+
+<file path=ppt/slides/slide24.xml><?xml version="1.0" encoding="utf-8"?>
+<p:sld xmlns:a="http://schemas.openxmlformats.org/drawingml/2006/main" xmlns:r="http://schemas.openxmlformats.org/officeDocument/2006/relationships" xmlns:p="http://schemas.openxmlformats.org/presentationml/2006/main">
+  <p:cSld>
+    <p:spTree>
+      <p:nvGrpSpPr>
+        <p:cNvPr id="1" name=""/>
+        <p:cNvGrpSpPr/>
+        <p:nvPr/>
+      </p:nvGrpSpPr>
+      <p:grpSpPr>
+        <a:xfrm>
+          <a:off x="0" y="0"/>
+          <a:ext cx="0" cy="0"/>
+          <a:chOff x="0" y="0"/>
+          <a:chExt cx="0" cy="0"/>
+        </a:xfrm>
+      </p:grpSpPr>
+      <p:pic>
+        <p:nvPicPr>
+          <p:cNvPr id="8" name="그림 7">
+            <a:extLst>
+              <a:ext uri="{FF2B5EF4-FFF2-40B4-BE49-F238E27FC236}">
+                <a16:creationId xmlns:a16="http://schemas.microsoft.com/office/drawing/2014/main" id="{538F6B91-FEF8-4EB5-B611-B3CD1058A20D}"/>
+              </a:ext>
+            </a:extLst>
+          </p:cNvPr>
+          <p:cNvPicPr>
+            <a:picLocks noChangeAspect="1"/>
+          </p:cNvPicPr>
+          <p:nvPr/>
+        </p:nvPicPr>
+        <p:blipFill>
+          <a:blip r:embed="rId2"/>
+          <a:stretch>
+            <a:fillRect/>
+          </a:stretch>
+        </p:blipFill>
+        <p:spPr>
+          <a:xfrm>
+            <a:off x="0" y="-64880"/>
+            <a:ext cx="12191999" cy="1390443"/>
+          </a:xfrm>
+          <a:prstGeom prst="rect">
+            <a:avLst/>
+          </a:prstGeom>
+        </p:spPr>
+      </p:pic>
+      <p:sp>
+        <p:nvSpPr>
+          <p:cNvPr id="2" name="제목 1">
+            <a:extLst>
+              <a:ext uri="{FF2B5EF4-FFF2-40B4-BE49-F238E27FC236}">
+                <a16:creationId xmlns:a16="http://schemas.microsoft.com/office/drawing/2014/main" id="{DA9531EA-EF3E-47A1-A00A-C2553A61D457}"/>
+              </a:ext>
+            </a:extLst>
+          </p:cNvPr>
+          <p:cNvSpPr>
+            <a:spLocks noGrp="1"/>
+          </p:cNvSpPr>
+          <p:nvPr>
+            <p:ph type="title"/>
+          </p:nvPr>
+        </p:nvSpPr>
+        <p:spPr>
+          <a:xfrm>
+            <a:off x="-1" y="0"/>
+            <a:ext cx="12192000" cy="1325563"/>
+          </a:xfrm>
+          <a:noFill/>
+        </p:spPr>
+        <p:txBody>
+          <a:bodyPr/>
+          <a:lstStyle/>
+          <a:p>
+            <a:r>
+              <a:rPr lang="en-US" altLang="ko-KR" dirty="0">
+                <a:solidFill>
+                  <a:schemeClr val="accent2">
+                    <a:lumMod val="60000"/>
+                    <a:lumOff val="40000"/>
+                  </a:schemeClr>
+                </a:solidFill>
+              </a:rPr>
+              <a:t> JSP </a:t>
+            </a:r>
+            <a:r>
+              <a:rPr lang="ko-KR" altLang="en-US" dirty="0">
+                <a:solidFill>
+                  <a:schemeClr val="accent2">
+                    <a:lumMod val="60000"/>
+                    <a:lumOff val="40000"/>
+                  </a:schemeClr>
+                </a:solidFill>
+              </a:rPr>
+              <a:t>파일 업로드</a:t>
+            </a:r>
+          </a:p>
+        </p:txBody>
+      </p:sp>
+      <p:sp>
+        <p:nvSpPr>
+          <p:cNvPr id="4" name="제목 1">
+            <a:extLst>
+              <a:ext uri="{FF2B5EF4-FFF2-40B4-BE49-F238E27FC236}">
+                <a16:creationId xmlns:a16="http://schemas.microsoft.com/office/drawing/2014/main" id="{E5114744-E6CB-484A-A53B-B70C88B866A0}"/>
+              </a:ext>
+            </a:extLst>
+          </p:cNvPr>
+          <p:cNvSpPr txBox="1">
+            <a:spLocks/>
+          </p:cNvSpPr>
+          <p:nvPr/>
+        </p:nvSpPr>
+        <p:spPr>
+          <a:xfrm>
+            <a:off x="582226" y="1958898"/>
+            <a:ext cx="11609773" cy="1052750"/>
+          </a:xfrm>
+          <a:prstGeom prst="rect">
+            <a:avLst/>
+          </a:prstGeom>
+        </p:spPr>
+        <p:txBody>
+          <a:bodyPr vert="horz" lIns="91440" tIns="45720" rIns="91440" bIns="45720" rtlCol="0" anchor="ctr">
+            <a:normAutofit fontScale="92500" lnSpcReduction="20000"/>
+          </a:bodyPr>
+          <a:lstStyle>
+            <a:lvl1pPr algn="l" defTabSz="914400" rtl="0" eaLnBrk="1" latinLnBrk="1" hangingPunct="1">
+              <a:lnSpc>
+                <a:spcPct val="90000"/>
+              </a:lnSpc>
+              <a:spcBef>
+                <a:spcPct val="0"/>
+              </a:spcBef>
+              <a:buNone/>
+              <a:defRPr sz="4400" kern="1200">
+                <a:solidFill>
+                  <a:schemeClr val="tx1"/>
+                </a:solidFill>
+                <a:latin typeface="+mj-lt"/>
+                <a:ea typeface="+mj-ea"/>
+                <a:cs typeface="+mj-cs"/>
+              </a:defRPr>
+            </a:lvl1pPr>
+          </a:lstStyle>
+          <a:p>
+            <a:r>
+              <a:rPr lang="ko-KR" altLang="en-US" sz="1800" dirty="0">
+                <a:solidFill>
+                  <a:schemeClr val="bg1"/>
+                </a:solidFill>
+              </a:rPr>
+              <a:t>▶ 테이블에 새로운 속성을 추가합니다</a:t>
+            </a:r>
+            <a:r>
+              <a:rPr lang="en-US" altLang="ko-KR" sz="1800" dirty="0">
+                <a:solidFill>
+                  <a:schemeClr val="bg1"/>
+                </a:solidFill>
+              </a:rPr>
+              <a:t>.</a:t>
+            </a:r>
+          </a:p>
+          <a:p>
+            <a:endParaRPr lang="en-US" altLang="ko-KR" sz="1800" dirty="0">
+              <a:solidFill>
+                <a:schemeClr val="bg1"/>
+              </a:solidFill>
+            </a:endParaRPr>
+          </a:p>
+          <a:p>
+            <a:r>
+              <a:rPr lang="en-US" altLang="ko-KR" sz="1800" dirty="0">
+                <a:solidFill>
+                  <a:schemeClr val="bg1"/>
+                </a:solidFill>
+              </a:rPr>
+              <a:t>ALTER TABLE FILE (</a:t>
+            </a:r>
+            <a:r>
+              <a:rPr lang="en-US" altLang="ko-KR" sz="1800" dirty="0" err="1">
+                <a:solidFill>
+                  <a:schemeClr val="bg1"/>
+                </a:solidFill>
+              </a:rPr>
+              <a:t>downloadCount</a:t>
+            </a:r>
+            <a:r>
+              <a:rPr lang="en-US" altLang="ko-KR" sz="1800" dirty="0">
+                <a:solidFill>
+                  <a:schemeClr val="bg1"/>
+                </a:solidFill>
+              </a:rPr>
+              <a:t> INT);	</a:t>
+            </a:r>
+          </a:p>
+          <a:p>
+            <a:endParaRPr lang="en-US" altLang="ko-KR" sz="1800" dirty="0">
+              <a:solidFill>
+                <a:schemeClr val="bg1"/>
+              </a:solidFill>
+            </a:endParaRPr>
+          </a:p>
+          <a:p>
+            <a:r>
+              <a:rPr lang="en-US" altLang="ko-KR" sz="1800" dirty="0">
+                <a:solidFill>
+                  <a:schemeClr val="bg1"/>
+                </a:solidFill>
+              </a:rPr>
+              <a:t>	</a:t>
+            </a:r>
+          </a:p>
+        </p:txBody>
+      </p:sp>
+      <p:sp>
+        <p:nvSpPr>
+          <p:cNvPr id="6" name="제목 1">
+            <a:extLst>
+              <a:ext uri="{FF2B5EF4-FFF2-40B4-BE49-F238E27FC236}">
+                <a16:creationId xmlns:a16="http://schemas.microsoft.com/office/drawing/2014/main" id="{4776CCBD-0D1E-4452-A56C-E14F88C8E8F0}"/>
+              </a:ext>
+            </a:extLst>
+          </p:cNvPr>
+          <p:cNvSpPr txBox="1">
+            <a:spLocks/>
+          </p:cNvSpPr>
+          <p:nvPr/>
+        </p:nvSpPr>
+        <p:spPr>
+          <a:xfrm>
+            <a:off x="342530" y="992395"/>
+            <a:ext cx="10515600" cy="1325563"/>
+          </a:xfrm>
+          <a:prstGeom prst="rect">
+            <a:avLst/>
+          </a:prstGeom>
+        </p:spPr>
+        <p:txBody>
+          <a:bodyPr vert="horz" lIns="91440" tIns="45720" rIns="91440" bIns="45720" rtlCol="0" anchor="ctr">
+            <a:normAutofit/>
+          </a:bodyPr>
+          <a:lstStyle>
+            <a:lvl1pPr algn="l" defTabSz="914400" rtl="0" eaLnBrk="1" latinLnBrk="1" hangingPunct="1">
+              <a:lnSpc>
+                <a:spcPct val="90000"/>
+              </a:lnSpc>
+              <a:spcBef>
+                <a:spcPct val="0"/>
+              </a:spcBef>
+              <a:buNone/>
+              <a:defRPr sz="4400" kern="1200">
+                <a:solidFill>
+                  <a:schemeClr val="tx1"/>
+                </a:solidFill>
+                <a:latin typeface="+mj-lt"/>
+                <a:ea typeface="+mj-ea"/>
+                <a:cs typeface="+mj-cs"/>
+              </a:defRPr>
+            </a:lvl1pPr>
+          </a:lstStyle>
+          <a:p>
+            <a:r>
+              <a:rPr lang="en-US" altLang="ko-KR" sz="3200" dirty="0">
+                <a:solidFill>
+                  <a:schemeClr val="bg1"/>
+                </a:solidFill>
+              </a:rPr>
+              <a:t>※ </a:t>
+            </a:r>
+            <a:r>
+              <a:rPr lang="ko-KR" altLang="en-US" sz="3200" dirty="0">
+                <a:solidFill>
+                  <a:schemeClr val="bg1"/>
+                </a:solidFill>
+              </a:rPr>
+              <a:t>파일을 다운로드 한 횟수 저장하기</a:t>
+            </a:r>
+            <a:r>
+              <a:rPr lang="en-US" altLang="ko-KR" sz="3200" dirty="0">
+                <a:solidFill>
+                  <a:schemeClr val="bg1"/>
+                </a:solidFill>
+              </a:rPr>
+              <a:t>	</a:t>
+            </a:r>
+          </a:p>
+        </p:txBody>
+      </p:sp>
+    </p:spTree>
+    <p:extLst>
+      <p:ext uri="{BB962C8B-B14F-4D97-AF65-F5344CB8AC3E}">
+        <p14:creationId xmlns:p14="http://schemas.microsoft.com/office/powerpoint/2010/main" val="1293161180"/>
+      </p:ext>
+    </p:extLst>
+  </p:cSld>
+  <p:clrMapOvr>
+    <a:masterClrMapping/>
+  </p:clrMapOvr>
+</p:sld>
+</file>
+
+<file path=ppt/slides/slide25.xml><?xml version="1.0" encoding="utf-8"?>
+<p:sld xmlns:a="http://schemas.openxmlformats.org/drawingml/2006/main" xmlns:r="http://schemas.openxmlformats.org/officeDocument/2006/relationships" xmlns:p="http://schemas.openxmlformats.org/presentationml/2006/main">
+  <p:cSld>
+    <p:spTree>
+      <p:nvGrpSpPr>
+        <p:cNvPr id="1" name=""/>
+        <p:cNvGrpSpPr/>
+        <p:nvPr/>
+      </p:nvGrpSpPr>
+      <p:grpSpPr>
+        <a:xfrm>
+          <a:off x="0" y="0"/>
+          <a:ext cx="0" cy="0"/>
+          <a:chOff x="0" y="0"/>
+          <a:chExt cx="0" cy="0"/>
+        </a:xfrm>
+      </p:grpSpPr>
+      <p:pic>
+        <p:nvPicPr>
+          <p:cNvPr id="8" name="그림 7">
+            <a:extLst>
+              <a:ext uri="{FF2B5EF4-FFF2-40B4-BE49-F238E27FC236}">
+                <a16:creationId xmlns:a16="http://schemas.microsoft.com/office/drawing/2014/main" id="{538F6B91-FEF8-4EB5-B611-B3CD1058A20D}"/>
+              </a:ext>
+            </a:extLst>
+          </p:cNvPr>
+          <p:cNvPicPr>
+            <a:picLocks noChangeAspect="1"/>
+          </p:cNvPicPr>
+          <p:nvPr/>
+        </p:nvPicPr>
+        <p:blipFill>
+          <a:blip r:embed="rId2"/>
+          <a:stretch>
+            <a:fillRect/>
+          </a:stretch>
+        </p:blipFill>
+        <p:spPr>
+          <a:xfrm>
+            <a:off x="0" y="-64880"/>
+            <a:ext cx="12191999" cy="1390443"/>
+          </a:xfrm>
+          <a:prstGeom prst="rect">
+            <a:avLst/>
+          </a:prstGeom>
+        </p:spPr>
+      </p:pic>
+      <p:sp>
+        <p:nvSpPr>
+          <p:cNvPr id="2" name="제목 1">
+            <a:extLst>
+              <a:ext uri="{FF2B5EF4-FFF2-40B4-BE49-F238E27FC236}">
+                <a16:creationId xmlns:a16="http://schemas.microsoft.com/office/drawing/2014/main" id="{DA9531EA-EF3E-47A1-A00A-C2553A61D457}"/>
+              </a:ext>
+            </a:extLst>
+          </p:cNvPr>
+          <p:cNvSpPr>
+            <a:spLocks noGrp="1"/>
+          </p:cNvSpPr>
+          <p:nvPr>
+            <p:ph type="title"/>
+          </p:nvPr>
+        </p:nvSpPr>
+        <p:spPr>
+          <a:xfrm>
+            <a:off x="-1" y="0"/>
+            <a:ext cx="12192000" cy="1325563"/>
+          </a:xfrm>
+          <a:noFill/>
+        </p:spPr>
+        <p:txBody>
+          <a:bodyPr/>
+          <a:lstStyle/>
+          <a:p>
+            <a:r>
+              <a:rPr lang="en-US" altLang="ko-KR" dirty="0">
+                <a:solidFill>
+                  <a:schemeClr val="accent2">
+                    <a:lumMod val="60000"/>
+                    <a:lumOff val="40000"/>
+                  </a:schemeClr>
+                </a:solidFill>
+              </a:rPr>
+              <a:t> JSP </a:t>
+            </a:r>
+            <a:r>
+              <a:rPr lang="ko-KR" altLang="en-US" dirty="0">
+                <a:solidFill>
+                  <a:schemeClr val="accent2">
+                    <a:lumMod val="60000"/>
+                    <a:lumOff val="40000"/>
+                  </a:schemeClr>
+                </a:solidFill>
+              </a:rPr>
+              <a:t>파일 업로드</a:t>
+            </a:r>
+          </a:p>
+        </p:txBody>
+      </p:sp>
+      <p:sp>
+        <p:nvSpPr>
+          <p:cNvPr id="4" name="제목 1">
+            <a:extLst>
+              <a:ext uri="{FF2B5EF4-FFF2-40B4-BE49-F238E27FC236}">
+                <a16:creationId xmlns:a16="http://schemas.microsoft.com/office/drawing/2014/main" id="{E5114744-E6CB-484A-A53B-B70C88B866A0}"/>
+              </a:ext>
+            </a:extLst>
+          </p:cNvPr>
+          <p:cNvSpPr txBox="1">
+            <a:spLocks/>
+          </p:cNvSpPr>
+          <p:nvPr/>
+        </p:nvSpPr>
+        <p:spPr>
+          <a:xfrm>
+            <a:off x="582226" y="1958898"/>
+            <a:ext cx="11609773" cy="1052750"/>
+          </a:xfrm>
+          <a:prstGeom prst="rect">
+            <a:avLst/>
+          </a:prstGeom>
+        </p:spPr>
+        <p:txBody>
+          <a:bodyPr vert="horz" lIns="91440" tIns="45720" rIns="91440" bIns="45720" rtlCol="0" anchor="ctr">
+            <a:normAutofit/>
+          </a:bodyPr>
+          <a:lstStyle>
+            <a:lvl1pPr algn="l" defTabSz="914400" rtl="0" eaLnBrk="1" latinLnBrk="1" hangingPunct="1">
+              <a:lnSpc>
+                <a:spcPct val="90000"/>
+              </a:lnSpc>
+              <a:spcBef>
+                <a:spcPct val="0"/>
+              </a:spcBef>
+              <a:buNone/>
+              <a:defRPr sz="4400" kern="1200">
+                <a:solidFill>
+                  <a:schemeClr val="tx1"/>
+                </a:solidFill>
+                <a:latin typeface="+mj-lt"/>
+                <a:ea typeface="+mj-ea"/>
+                <a:cs typeface="+mj-cs"/>
+              </a:defRPr>
+            </a:lvl1pPr>
+          </a:lstStyle>
+          <a:p>
+            <a:r>
+              <a:rPr lang="ko-KR" altLang="en-US" sz="1800" dirty="0">
+                <a:solidFill>
+                  <a:schemeClr val="bg1"/>
+                </a:solidFill>
+              </a:rPr>
+              <a:t>▶ </a:t>
+            </a:r>
+            <a:r>
+              <a:rPr lang="en-US" altLang="ko-KR" sz="1800" dirty="0">
+                <a:solidFill>
+                  <a:schemeClr val="bg1"/>
+                </a:solidFill>
+              </a:rPr>
+              <a:t>DTO(Database Transfer Object)</a:t>
+            </a:r>
+            <a:r>
+              <a:rPr lang="ko-KR" altLang="en-US" sz="1800" dirty="0">
+                <a:solidFill>
+                  <a:schemeClr val="bg1"/>
+                </a:solidFill>
+              </a:rPr>
+              <a:t>를 수정합니다</a:t>
+            </a:r>
+            <a:r>
+              <a:rPr lang="en-US" altLang="ko-KR" sz="1800" dirty="0">
+                <a:solidFill>
+                  <a:schemeClr val="bg1"/>
+                </a:solidFill>
+              </a:rPr>
+              <a:t>.	</a:t>
+            </a:r>
+          </a:p>
+          <a:p>
+            <a:endParaRPr lang="en-US" altLang="ko-KR" sz="1800" dirty="0">
+              <a:solidFill>
+                <a:schemeClr val="bg1"/>
+              </a:solidFill>
+            </a:endParaRPr>
+          </a:p>
+          <a:p>
+            <a:r>
+              <a:rPr lang="en-US" altLang="ko-KR" sz="1800" dirty="0">
+                <a:solidFill>
+                  <a:schemeClr val="bg1"/>
+                </a:solidFill>
+              </a:rPr>
+              <a:t>	</a:t>
+            </a:r>
+          </a:p>
+        </p:txBody>
+      </p:sp>
+      <p:sp>
+        <p:nvSpPr>
+          <p:cNvPr id="6" name="제목 1">
+            <a:extLst>
+              <a:ext uri="{FF2B5EF4-FFF2-40B4-BE49-F238E27FC236}">
+                <a16:creationId xmlns:a16="http://schemas.microsoft.com/office/drawing/2014/main" id="{4776CCBD-0D1E-4452-A56C-E14F88C8E8F0}"/>
+              </a:ext>
+            </a:extLst>
+          </p:cNvPr>
+          <p:cNvSpPr txBox="1">
+            <a:spLocks/>
+          </p:cNvSpPr>
+          <p:nvPr/>
+        </p:nvSpPr>
+        <p:spPr>
+          <a:xfrm>
+            <a:off x="342530" y="992395"/>
+            <a:ext cx="10515600" cy="1325563"/>
+          </a:xfrm>
+          <a:prstGeom prst="rect">
+            <a:avLst/>
+          </a:prstGeom>
+        </p:spPr>
+        <p:txBody>
+          <a:bodyPr vert="horz" lIns="91440" tIns="45720" rIns="91440" bIns="45720" rtlCol="0" anchor="ctr">
+            <a:normAutofit/>
+          </a:bodyPr>
+          <a:lstStyle>
+            <a:lvl1pPr algn="l" defTabSz="914400" rtl="0" eaLnBrk="1" latinLnBrk="1" hangingPunct="1">
+              <a:lnSpc>
+                <a:spcPct val="90000"/>
+              </a:lnSpc>
+              <a:spcBef>
+                <a:spcPct val="0"/>
+              </a:spcBef>
+              <a:buNone/>
+              <a:defRPr sz="4400" kern="1200">
+                <a:solidFill>
+                  <a:schemeClr val="tx1"/>
+                </a:solidFill>
+                <a:latin typeface="+mj-lt"/>
+                <a:ea typeface="+mj-ea"/>
+                <a:cs typeface="+mj-cs"/>
+              </a:defRPr>
+            </a:lvl1pPr>
+          </a:lstStyle>
+          <a:p>
+            <a:r>
+              <a:rPr lang="en-US" altLang="ko-KR" sz="3200" dirty="0">
+                <a:solidFill>
+                  <a:schemeClr val="bg1"/>
+                </a:solidFill>
+              </a:rPr>
+              <a:t>※ </a:t>
+            </a:r>
+            <a:r>
+              <a:rPr lang="ko-KR" altLang="en-US" sz="3200" dirty="0">
+                <a:solidFill>
+                  <a:schemeClr val="bg1"/>
+                </a:solidFill>
+              </a:rPr>
+              <a:t>파일을 다운로드 한 횟수 저장하기</a:t>
+            </a:r>
+            <a:r>
+              <a:rPr lang="en-US" altLang="ko-KR" sz="3200" dirty="0">
+                <a:solidFill>
+                  <a:schemeClr val="bg1"/>
+                </a:solidFill>
+              </a:rPr>
+              <a:t>	</a:t>
+            </a:r>
+          </a:p>
+        </p:txBody>
+      </p:sp>
+    </p:spTree>
+    <p:extLst>
+      <p:ext uri="{BB962C8B-B14F-4D97-AF65-F5344CB8AC3E}">
+        <p14:creationId xmlns:p14="http://schemas.microsoft.com/office/powerpoint/2010/main" val="1728444673"/>
+      </p:ext>
+    </p:extLst>
+  </p:cSld>
+  <p:clrMapOvr>
+    <a:masterClrMapping/>
+  </p:clrMapOvr>
+</p:sld>
+</file>
+
+<file path=ppt/slides/slide26.xml><?xml version="1.0" encoding="utf-8"?>
+<p:sld xmlns:a="http://schemas.openxmlformats.org/drawingml/2006/main" xmlns:r="http://schemas.openxmlformats.org/officeDocument/2006/relationships" xmlns:p="http://schemas.openxmlformats.org/presentationml/2006/main">
+  <p:cSld>
+    <p:spTree>
+      <p:nvGrpSpPr>
+        <p:cNvPr id="1" name=""/>
+        <p:cNvGrpSpPr/>
+        <p:nvPr/>
+      </p:nvGrpSpPr>
+      <p:grpSpPr>
+        <a:xfrm>
+          <a:off x="0" y="0"/>
+          <a:ext cx="0" cy="0"/>
+          <a:chOff x="0" y="0"/>
+          <a:chExt cx="0" cy="0"/>
+        </a:xfrm>
+      </p:grpSpPr>
+      <p:pic>
+        <p:nvPicPr>
+          <p:cNvPr id="8" name="그림 7">
+            <a:extLst>
+              <a:ext uri="{FF2B5EF4-FFF2-40B4-BE49-F238E27FC236}">
+                <a16:creationId xmlns:a16="http://schemas.microsoft.com/office/drawing/2014/main" id="{538F6B91-FEF8-4EB5-B611-B3CD1058A20D}"/>
+              </a:ext>
+            </a:extLst>
+          </p:cNvPr>
+          <p:cNvPicPr>
+            <a:picLocks noChangeAspect="1"/>
+          </p:cNvPicPr>
+          <p:nvPr/>
+        </p:nvPicPr>
+        <p:blipFill>
+          <a:blip r:embed="rId2"/>
+          <a:stretch>
+            <a:fillRect/>
+          </a:stretch>
+        </p:blipFill>
+        <p:spPr>
+          <a:xfrm>
+            <a:off x="0" y="-64880"/>
+            <a:ext cx="12191999" cy="1390443"/>
+          </a:xfrm>
+          <a:prstGeom prst="rect">
+            <a:avLst/>
+          </a:prstGeom>
+        </p:spPr>
+      </p:pic>
+      <p:sp>
+        <p:nvSpPr>
+          <p:cNvPr id="2" name="제목 1">
+            <a:extLst>
+              <a:ext uri="{FF2B5EF4-FFF2-40B4-BE49-F238E27FC236}">
+                <a16:creationId xmlns:a16="http://schemas.microsoft.com/office/drawing/2014/main" id="{DA9531EA-EF3E-47A1-A00A-C2553A61D457}"/>
+              </a:ext>
+            </a:extLst>
+          </p:cNvPr>
+          <p:cNvSpPr>
+            <a:spLocks noGrp="1"/>
+          </p:cNvSpPr>
+          <p:nvPr>
+            <p:ph type="title"/>
+          </p:nvPr>
+        </p:nvSpPr>
+        <p:spPr>
+          <a:xfrm>
+            <a:off x="-1" y="0"/>
+            <a:ext cx="12192000" cy="1325563"/>
+          </a:xfrm>
+          <a:noFill/>
+        </p:spPr>
+        <p:txBody>
+          <a:bodyPr/>
+          <a:lstStyle/>
+          <a:p>
+            <a:r>
+              <a:rPr lang="en-US" altLang="ko-KR" dirty="0">
+                <a:solidFill>
+                  <a:schemeClr val="accent2">
+                    <a:lumMod val="60000"/>
+                    <a:lumOff val="40000"/>
+                  </a:schemeClr>
+                </a:solidFill>
+              </a:rPr>
+              <a:t> JSP </a:t>
+            </a:r>
+            <a:r>
+              <a:rPr lang="ko-KR" altLang="en-US" dirty="0">
+                <a:solidFill>
+                  <a:schemeClr val="accent2">
+                    <a:lumMod val="60000"/>
+                    <a:lumOff val="40000"/>
+                  </a:schemeClr>
+                </a:solidFill>
+              </a:rPr>
+              <a:t>파일 업로드</a:t>
+            </a:r>
+          </a:p>
+        </p:txBody>
+      </p:sp>
+      <p:sp>
+        <p:nvSpPr>
+          <p:cNvPr id="4" name="제목 1">
+            <a:extLst>
+              <a:ext uri="{FF2B5EF4-FFF2-40B4-BE49-F238E27FC236}">
+                <a16:creationId xmlns:a16="http://schemas.microsoft.com/office/drawing/2014/main" id="{E5114744-E6CB-484A-A53B-B70C88B866A0}"/>
+              </a:ext>
+            </a:extLst>
+          </p:cNvPr>
+          <p:cNvSpPr txBox="1">
+            <a:spLocks/>
+          </p:cNvSpPr>
+          <p:nvPr/>
+        </p:nvSpPr>
+        <p:spPr>
+          <a:xfrm>
+            <a:off x="582226" y="1958898"/>
+            <a:ext cx="11609773" cy="1052750"/>
+          </a:xfrm>
+          <a:prstGeom prst="rect">
+            <a:avLst/>
+          </a:prstGeom>
+        </p:spPr>
+        <p:txBody>
+          <a:bodyPr vert="horz" lIns="91440" tIns="45720" rIns="91440" bIns="45720" rtlCol="0" anchor="ctr">
+            <a:normAutofit/>
+          </a:bodyPr>
+          <a:lstStyle>
+            <a:lvl1pPr algn="l" defTabSz="914400" rtl="0" eaLnBrk="1" latinLnBrk="1" hangingPunct="1">
+              <a:lnSpc>
+                <a:spcPct val="90000"/>
+              </a:lnSpc>
+              <a:spcBef>
+                <a:spcPct val="0"/>
+              </a:spcBef>
+              <a:buNone/>
+              <a:defRPr sz="4400" kern="1200">
+                <a:solidFill>
+                  <a:schemeClr val="tx1"/>
+                </a:solidFill>
+                <a:latin typeface="+mj-lt"/>
+                <a:ea typeface="+mj-ea"/>
+                <a:cs typeface="+mj-cs"/>
+              </a:defRPr>
+            </a:lvl1pPr>
+          </a:lstStyle>
+          <a:p>
+            <a:r>
+              <a:rPr lang="ko-KR" altLang="en-US" sz="1800" dirty="0">
+                <a:solidFill>
+                  <a:schemeClr val="bg1"/>
+                </a:solidFill>
+              </a:rPr>
+              <a:t>▶ </a:t>
+            </a:r>
+            <a:r>
+              <a:rPr lang="en-US" altLang="ko-KR" sz="1800" dirty="0">
+                <a:solidFill>
+                  <a:schemeClr val="bg1"/>
+                </a:solidFill>
+              </a:rPr>
+              <a:t>DAO(Database Access Object)</a:t>
+            </a:r>
+            <a:r>
+              <a:rPr lang="ko-KR" altLang="en-US" sz="1800" dirty="0">
+                <a:solidFill>
+                  <a:schemeClr val="bg1"/>
+                </a:solidFill>
+              </a:rPr>
+              <a:t>를 수정합니다</a:t>
+            </a:r>
+            <a:r>
+              <a:rPr lang="en-US" altLang="ko-KR" sz="1800" dirty="0">
+                <a:solidFill>
+                  <a:schemeClr val="bg1"/>
+                </a:solidFill>
+              </a:rPr>
+              <a:t>.	</a:t>
+            </a:r>
+          </a:p>
+          <a:p>
+            <a:endParaRPr lang="en-US" altLang="ko-KR" sz="1800" dirty="0">
+              <a:solidFill>
+                <a:schemeClr val="bg1"/>
+              </a:solidFill>
+            </a:endParaRPr>
+          </a:p>
+          <a:p>
+            <a:r>
+              <a:rPr lang="en-US" altLang="ko-KR" sz="1800" dirty="0">
+                <a:solidFill>
+                  <a:schemeClr val="bg1"/>
+                </a:solidFill>
+              </a:rPr>
+              <a:t>	</a:t>
+            </a:r>
+          </a:p>
+        </p:txBody>
+      </p:sp>
+      <p:sp>
+        <p:nvSpPr>
+          <p:cNvPr id="6" name="제목 1">
+            <a:extLst>
+              <a:ext uri="{FF2B5EF4-FFF2-40B4-BE49-F238E27FC236}">
+                <a16:creationId xmlns:a16="http://schemas.microsoft.com/office/drawing/2014/main" id="{4776CCBD-0D1E-4452-A56C-E14F88C8E8F0}"/>
+              </a:ext>
+            </a:extLst>
+          </p:cNvPr>
+          <p:cNvSpPr txBox="1">
+            <a:spLocks/>
+          </p:cNvSpPr>
+          <p:nvPr/>
+        </p:nvSpPr>
+        <p:spPr>
+          <a:xfrm>
+            <a:off x="342530" y="992395"/>
+            <a:ext cx="10515600" cy="1325563"/>
+          </a:xfrm>
+          <a:prstGeom prst="rect">
+            <a:avLst/>
+          </a:prstGeom>
+        </p:spPr>
+        <p:txBody>
+          <a:bodyPr vert="horz" lIns="91440" tIns="45720" rIns="91440" bIns="45720" rtlCol="0" anchor="ctr">
+            <a:normAutofit/>
+          </a:bodyPr>
+          <a:lstStyle>
+            <a:lvl1pPr algn="l" defTabSz="914400" rtl="0" eaLnBrk="1" latinLnBrk="1" hangingPunct="1">
+              <a:lnSpc>
+                <a:spcPct val="90000"/>
+              </a:lnSpc>
+              <a:spcBef>
+                <a:spcPct val="0"/>
+              </a:spcBef>
+              <a:buNone/>
+              <a:defRPr sz="4400" kern="1200">
+                <a:solidFill>
+                  <a:schemeClr val="tx1"/>
+                </a:solidFill>
+                <a:latin typeface="+mj-lt"/>
+                <a:ea typeface="+mj-ea"/>
+                <a:cs typeface="+mj-cs"/>
+              </a:defRPr>
+            </a:lvl1pPr>
+          </a:lstStyle>
+          <a:p>
+            <a:r>
+              <a:rPr lang="en-US" altLang="ko-KR" sz="3200" dirty="0">
+                <a:solidFill>
+                  <a:schemeClr val="bg1"/>
+                </a:solidFill>
+              </a:rPr>
+              <a:t>※ </a:t>
+            </a:r>
+            <a:r>
+              <a:rPr lang="ko-KR" altLang="en-US" sz="3200" dirty="0">
+                <a:solidFill>
+                  <a:schemeClr val="bg1"/>
+                </a:solidFill>
+              </a:rPr>
+              <a:t>파일을 다운로드 한 횟수 저장하기</a:t>
+            </a:r>
+            <a:r>
+              <a:rPr lang="en-US" altLang="ko-KR" sz="3200" dirty="0">
+                <a:solidFill>
+                  <a:schemeClr val="bg1"/>
+                </a:solidFill>
+              </a:rPr>
+              <a:t>	</a:t>
+            </a:r>
+          </a:p>
+        </p:txBody>
+      </p:sp>
+      <p:pic>
+        <p:nvPicPr>
+          <p:cNvPr id="5" name="그림 4">
+            <a:extLst>
+              <a:ext uri="{FF2B5EF4-FFF2-40B4-BE49-F238E27FC236}">
+                <a16:creationId xmlns:a16="http://schemas.microsoft.com/office/drawing/2014/main" id="{0FF468A1-7CD4-43DC-AE26-B46EAFA8F65C}"/>
+              </a:ext>
+            </a:extLst>
+          </p:cNvPr>
+          <p:cNvPicPr>
+            <a:picLocks noChangeAspect="1"/>
+          </p:cNvPicPr>
+          <p:nvPr/>
+        </p:nvPicPr>
+        <p:blipFill>
+          <a:blip r:embed="rId3">
+            <a:extLst>
+              <a:ext uri="{28A0092B-C50C-407E-A947-70E740481C1C}">
+                <a14:useLocalDpi xmlns:a14="http://schemas.microsoft.com/office/drawing/2010/main" val="0"/>
+              </a:ext>
+            </a:extLst>
+          </a:blip>
+          <a:stretch>
+            <a:fillRect/>
+          </a:stretch>
+        </p:blipFill>
+        <p:spPr>
+          <a:xfrm>
+            <a:off x="3206221" y="2486013"/>
+            <a:ext cx="5779558" cy="4108060"/>
+          </a:xfrm>
+          <a:prstGeom prst="rect">
+            <a:avLst/>
+          </a:prstGeom>
+        </p:spPr>
+      </p:pic>
+    </p:spTree>
+    <p:extLst>
+      <p:ext uri="{BB962C8B-B14F-4D97-AF65-F5344CB8AC3E}">
+        <p14:creationId xmlns:p14="http://schemas.microsoft.com/office/powerpoint/2010/main" val="3446782739"/>
+      </p:ext>
+    </p:extLst>
+  </p:cSld>
+  <p:clrMapOvr>
+    <a:masterClrMapping/>
+  </p:clrMapOvr>
+</p:sld>
+</file>
+
+<file path=ppt/slides/slide27.xml><?xml version="1.0" encoding="utf-8"?>
+<p:sld xmlns:a="http://schemas.openxmlformats.org/drawingml/2006/main" xmlns:r="http://schemas.openxmlformats.org/officeDocument/2006/relationships" xmlns:p="http://schemas.openxmlformats.org/presentationml/2006/main">
+  <p:cSld>
+    <p:spTree>
+      <p:nvGrpSpPr>
+        <p:cNvPr id="1" name=""/>
+        <p:cNvGrpSpPr/>
+        <p:nvPr/>
+      </p:nvGrpSpPr>
+      <p:grpSpPr>
+        <a:xfrm>
+          <a:off x="0" y="0"/>
+          <a:ext cx="0" cy="0"/>
+          <a:chOff x="0" y="0"/>
+          <a:chExt cx="0" cy="0"/>
+        </a:xfrm>
+      </p:grpSpPr>
+      <p:pic>
+        <p:nvPicPr>
+          <p:cNvPr id="8" name="그림 7">
+            <a:extLst>
+              <a:ext uri="{FF2B5EF4-FFF2-40B4-BE49-F238E27FC236}">
+                <a16:creationId xmlns:a16="http://schemas.microsoft.com/office/drawing/2014/main" id="{538F6B91-FEF8-4EB5-B611-B3CD1058A20D}"/>
+              </a:ext>
+            </a:extLst>
+          </p:cNvPr>
+          <p:cNvPicPr>
+            <a:picLocks noChangeAspect="1"/>
+          </p:cNvPicPr>
+          <p:nvPr/>
+        </p:nvPicPr>
+        <p:blipFill>
+          <a:blip r:embed="rId2"/>
+          <a:stretch>
+            <a:fillRect/>
+          </a:stretch>
+        </p:blipFill>
+        <p:spPr>
+          <a:xfrm>
+            <a:off x="0" y="-64880"/>
+            <a:ext cx="12191999" cy="1390443"/>
+          </a:xfrm>
+          <a:prstGeom prst="rect">
+            <a:avLst/>
+          </a:prstGeom>
+        </p:spPr>
+      </p:pic>
+      <p:sp>
+        <p:nvSpPr>
+          <p:cNvPr id="2" name="제목 1">
+            <a:extLst>
+              <a:ext uri="{FF2B5EF4-FFF2-40B4-BE49-F238E27FC236}">
+                <a16:creationId xmlns:a16="http://schemas.microsoft.com/office/drawing/2014/main" id="{DA9531EA-EF3E-47A1-A00A-C2553A61D457}"/>
+              </a:ext>
+            </a:extLst>
+          </p:cNvPr>
+          <p:cNvSpPr>
+            <a:spLocks noGrp="1"/>
+          </p:cNvSpPr>
+          <p:nvPr>
+            <p:ph type="title"/>
+          </p:nvPr>
+        </p:nvSpPr>
+        <p:spPr>
+          <a:xfrm>
+            <a:off x="-1" y="0"/>
+            <a:ext cx="12192000" cy="1325563"/>
+          </a:xfrm>
+          <a:noFill/>
+        </p:spPr>
+        <p:txBody>
+          <a:bodyPr/>
+          <a:lstStyle/>
+          <a:p>
+            <a:r>
+              <a:rPr lang="en-US" altLang="ko-KR" dirty="0">
+                <a:solidFill>
+                  <a:schemeClr val="accent2">
+                    <a:lumMod val="60000"/>
+                    <a:lumOff val="40000"/>
+                  </a:schemeClr>
+                </a:solidFill>
+              </a:rPr>
+              <a:t> JSP </a:t>
+            </a:r>
+            <a:r>
+              <a:rPr lang="ko-KR" altLang="en-US" dirty="0">
+                <a:solidFill>
+                  <a:schemeClr val="accent2">
+                    <a:lumMod val="60000"/>
+                    <a:lumOff val="40000"/>
+                  </a:schemeClr>
+                </a:solidFill>
+              </a:rPr>
+              <a:t>파일 업로드</a:t>
+            </a:r>
+          </a:p>
+        </p:txBody>
+      </p:sp>
+      <p:sp>
+        <p:nvSpPr>
+          <p:cNvPr id="4" name="제목 1">
+            <a:extLst>
+              <a:ext uri="{FF2B5EF4-FFF2-40B4-BE49-F238E27FC236}">
+                <a16:creationId xmlns:a16="http://schemas.microsoft.com/office/drawing/2014/main" id="{E5114744-E6CB-484A-A53B-B70C88B866A0}"/>
+              </a:ext>
+            </a:extLst>
+          </p:cNvPr>
+          <p:cNvSpPr txBox="1">
+            <a:spLocks/>
+          </p:cNvSpPr>
+          <p:nvPr/>
+        </p:nvSpPr>
+        <p:spPr>
+          <a:xfrm>
+            <a:off x="582226" y="1958898"/>
+            <a:ext cx="11609773" cy="1052750"/>
+          </a:xfrm>
+          <a:prstGeom prst="rect">
+            <a:avLst/>
+          </a:prstGeom>
+        </p:spPr>
+        <p:txBody>
+          <a:bodyPr vert="horz" lIns="91440" tIns="45720" rIns="91440" bIns="45720" rtlCol="0" anchor="ctr">
+            <a:normAutofit/>
+          </a:bodyPr>
+          <a:lstStyle>
+            <a:lvl1pPr algn="l" defTabSz="914400" rtl="0" eaLnBrk="1" latinLnBrk="1" hangingPunct="1">
+              <a:lnSpc>
+                <a:spcPct val="90000"/>
+              </a:lnSpc>
+              <a:spcBef>
+                <a:spcPct val="0"/>
+              </a:spcBef>
+              <a:buNone/>
+              <a:defRPr sz="4400" kern="1200">
+                <a:solidFill>
+                  <a:schemeClr val="tx1"/>
+                </a:solidFill>
+                <a:latin typeface="+mj-lt"/>
+                <a:ea typeface="+mj-ea"/>
+                <a:cs typeface="+mj-cs"/>
+              </a:defRPr>
+            </a:lvl1pPr>
+          </a:lstStyle>
+          <a:p>
+            <a:r>
+              <a:rPr lang="ko-KR" altLang="en-US" sz="1800" dirty="0">
+                <a:solidFill>
+                  <a:schemeClr val="bg1"/>
+                </a:solidFill>
+              </a:rPr>
+              <a:t>▶ 파일 업로드 페이지 수정하기</a:t>
+            </a:r>
+            <a:r>
+              <a:rPr lang="en-US" altLang="ko-KR" sz="1800" dirty="0">
+                <a:solidFill>
+                  <a:schemeClr val="bg1"/>
+                </a:solidFill>
+              </a:rPr>
+              <a:t>	</a:t>
+            </a:r>
+          </a:p>
+          <a:p>
+            <a:endParaRPr lang="en-US" altLang="ko-KR" sz="1800" dirty="0">
+              <a:solidFill>
+                <a:schemeClr val="bg1"/>
+              </a:solidFill>
+            </a:endParaRPr>
+          </a:p>
+          <a:p>
+            <a:r>
+              <a:rPr lang="en-US" altLang="ko-KR" sz="1800" dirty="0">
+                <a:solidFill>
+                  <a:schemeClr val="bg1"/>
+                </a:solidFill>
+              </a:rPr>
+              <a:t>	</a:t>
+            </a:r>
+          </a:p>
+        </p:txBody>
+      </p:sp>
+      <p:sp>
+        <p:nvSpPr>
+          <p:cNvPr id="6" name="제목 1">
+            <a:extLst>
+              <a:ext uri="{FF2B5EF4-FFF2-40B4-BE49-F238E27FC236}">
+                <a16:creationId xmlns:a16="http://schemas.microsoft.com/office/drawing/2014/main" id="{4776CCBD-0D1E-4452-A56C-E14F88C8E8F0}"/>
+              </a:ext>
+            </a:extLst>
+          </p:cNvPr>
+          <p:cNvSpPr txBox="1">
+            <a:spLocks/>
+          </p:cNvSpPr>
+          <p:nvPr/>
+        </p:nvSpPr>
+        <p:spPr>
+          <a:xfrm>
+            <a:off x="342530" y="992395"/>
+            <a:ext cx="10515600" cy="1325563"/>
+          </a:xfrm>
+          <a:prstGeom prst="rect">
+            <a:avLst/>
+          </a:prstGeom>
+        </p:spPr>
+        <p:txBody>
+          <a:bodyPr vert="horz" lIns="91440" tIns="45720" rIns="91440" bIns="45720" rtlCol="0" anchor="ctr">
+            <a:normAutofit/>
+          </a:bodyPr>
+          <a:lstStyle>
+            <a:lvl1pPr algn="l" defTabSz="914400" rtl="0" eaLnBrk="1" latinLnBrk="1" hangingPunct="1">
+              <a:lnSpc>
+                <a:spcPct val="90000"/>
+              </a:lnSpc>
+              <a:spcBef>
+                <a:spcPct val="0"/>
+              </a:spcBef>
+              <a:buNone/>
+              <a:defRPr sz="4400" kern="1200">
+                <a:solidFill>
+                  <a:schemeClr val="tx1"/>
+                </a:solidFill>
+                <a:latin typeface="+mj-lt"/>
+                <a:ea typeface="+mj-ea"/>
+                <a:cs typeface="+mj-cs"/>
+              </a:defRPr>
+            </a:lvl1pPr>
+          </a:lstStyle>
+          <a:p>
+            <a:r>
+              <a:rPr lang="en-US" altLang="ko-KR" sz="3200" dirty="0">
+                <a:solidFill>
+                  <a:schemeClr val="bg1"/>
+                </a:solidFill>
+              </a:rPr>
+              <a:t>※ </a:t>
+            </a:r>
+            <a:r>
+              <a:rPr lang="ko-KR" altLang="en-US" sz="3200" dirty="0">
+                <a:solidFill>
+                  <a:schemeClr val="bg1"/>
+                </a:solidFill>
+              </a:rPr>
+              <a:t>다중 파일 업로드 구현하기</a:t>
+            </a:r>
+            <a:r>
+              <a:rPr lang="en-US" altLang="ko-KR" sz="3200" dirty="0">
+                <a:solidFill>
+                  <a:schemeClr val="bg1"/>
+                </a:solidFill>
+              </a:rPr>
+              <a:t>	</a:t>
+            </a:r>
+          </a:p>
+        </p:txBody>
+      </p:sp>
+      <p:pic>
+        <p:nvPicPr>
+          <p:cNvPr id="7" name="그림 6">
+            <a:extLst>
+              <a:ext uri="{FF2B5EF4-FFF2-40B4-BE49-F238E27FC236}">
+                <a16:creationId xmlns:a16="http://schemas.microsoft.com/office/drawing/2014/main" id="{FDA97189-6602-470D-AEF5-AF47D9DD4DD2}"/>
+              </a:ext>
+            </a:extLst>
+          </p:cNvPr>
+          <p:cNvPicPr>
+            <a:picLocks noChangeAspect="1"/>
+          </p:cNvPicPr>
+          <p:nvPr/>
+        </p:nvPicPr>
+        <p:blipFill>
+          <a:blip r:embed="rId3">
+            <a:extLst>
+              <a:ext uri="{28A0092B-C50C-407E-A947-70E740481C1C}">
+                <a14:useLocalDpi xmlns:a14="http://schemas.microsoft.com/office/drawing/2010/main" val="0"/>
+              </a:ext>
+            </a:extLst>
+          </a:blip>
+          <a:stretch>
+            <a:fillRect/>
+          </a:stretch>
+        </p:blipFill>
+        <p:spPr>
+          <a:xfrm>
+            <a:off x="2498386" y="2628419"/>
+            <a:ext cx="7195228" cy="3823248"/>
+          </a:xfrm>
+          <a:prstGeom prst="rect">
+            <a:avLst/>
+          </a:prstGeom>
+        </p:spPr>
+      </p:pic>
+    </p:spTree>
+    <p:extLst>
+      <p:ext uri="{BB962C8B-B14F-4D97-AF65-F5344CB8AC3E}">
+        <p14:creationId xmlns:p14="http://schemas.microsoft.com/office/powerpoint/2010/main" val="2686109584"/>
+      </p:ext>
+    </p:extLst>
+  </p:cSld>
+  <p:clrMapOvr>
+    <a:masterClrMapping/>
+  </p:clrMapOvr>
+</p:sld>
+</file>
+
+<file path=ppt/slides/slide28.xml><?xml version="1.0" encoding="utf-8"?>
+<p:sld xmlns:a="http://schemas.openxmlformats.org/drawingml/2006/main" xmlns:r="http://schemas.openxmlformats.org/officeDocument/2006/relationships" xmlns:p="http://schemas.openxmlformats.org/presentationml/2006/main">
+  <p:cSld>
+    <p:spTree>
+      <p:nvGrpSpPr>
+        <p:cNvPr id="1" name=""/>
+        <p:cNvGrpSpPr/>
+        <p:nvPr/>
+      </p:nvGrpSpPr>
+      <p:grpSpPr>
+        <a:xfrm>
+          <a:off x="0" y="0"/>
+          <a:ext cx="0" cy="0"/>
+          <a:chOff x="0" y="0"/>
+          <a:chExt cx="0" cy="0"/>
+        </a:xfrm>
+      </p:grpSpPr>
+      <p:pic>
+        <p:nvPicPr>
+          <p:cNvPr id="8" name="그림 7">
+            <a:extLst>
+              <a:ext uri="{FF2B5EF4-FFF2-40B4-BE49-F238E27FC236}">
+                <a16:creationId xmlns:a16="http://schemas.microsoft.com/office/drawing/2014/main" id="{538F6B91-FEF8-4EB5-B611-B3CD1058A20D}"/>
+              </a:ext>
+            </a:extLst>
+          </p:cNvPr>
+          <p:cNvPicPr>
+            <a:picLocks noChangeAspect="1"/>
+          </p:cNvPicPr>
+          <p:nvPr/>
+        </p:nvPicPr>
+        <p:blipFill>
+          <a:blip r:embed="rId2"/>
+          <a:stretch>
+            <a:fillRect/>
+          </a:stretch>
+        </p:blipFill>
+        <p:spPr>
+          <a:xfrm>
+            <a:off x="0" y="-64880"/>
+            <a:ext cx="12191999" cy="1390443"/>
+          </a:xfrm>
+          <a:prstGeom prst="rect">
+            <a:avLst/>
+          </a:prstGeom>
+        </p:spPr>
+      </p:pic>
+      <p:sp>
+        <p:nvSpPr>
+          <p:cNvPr id="2" name="제목 1">
+            <a:extLst>
+              <a:ext uri="{FF2B5EF4-FFF2-40B4-BE49-F238E27FC236}">
+                <a16:creationId xmlns:a16="http://schemas.microsoft.com/office/drawing/2014/main" id="{DA9531EA-EF3E-47A1-A00A-C2553A61D457}"/>
+              </a:ext>
+            </a:extLst>
+          </p:cNvPr>
+          <p:cNvSpPr>
+            <a:spLocks noGrp="1"/>
+          </p:cNvSpPr>
+          <p:nvPr>
+            <p:ph type="title"/>
+          </p:nvPr>
+        </p:nvSpPr>
+        <p:spPr>
+          <a:xfrm>
+            <a:off x="-1" y="0"/>
+            <a:ext cx="12192000" cy="1325563"/>
+          </a:xfrm>
+          <a:noFill/>
+        </p:spPr>
+        <p:txBody>
+          <a:bodyPr/>
+          <a:lstStyle/>
+          <a:p>
+            <a:r>
+              <a:rPr lang="en-US" altLang="ko-KR" dirty="0">
+                <a:solidFill>
+                  <a:schemeClr val="accent2">
+                    <a:lumMod val="60000"/>
+                    <a:lumOff val="40000"/>
+                  </a:schemeClr>
+                </a:solidFill>
+              </a:rPr>
+              <a:t> JSP </a:t>
+            </a:r>
+            <a:r>
+              <a:rPr lang="ko-KR" altLang="en-US" dirty="0">
+                <a:solidFill>
+                  <a:schemeClr val="accent2">
+                    <a:lumMod val="60000"/>
+                    <a:lumOff val="40000"/>
+                  </a:schemeClr>
+                </a:solidFill>
+              </a:rPr>
+              <a:t>파일 업로드</a:t>
+            </a:r>
+          </a:p>
+        </p:txBody>
+      </p:sp>
+      <p:sp>
+        <p:nvSpPr>
+          <p:cNvPr id="4" name="제목 1">
+            <a:extLst>
+              <a:ext uri="{FF2B5EF4-FFF2-40B4-BE49-F238E27FC236}">
+                <a16:creationId xmlns:a16="http://schemas.microsoft.com/office/drawing/2014/main" id="{E5114744-E6CB-484A-A53B-B70C88B866A0}"/>
+              </a:ext>
+            </a:extLst>
+          </p:cNvPr>
+          <p:cNvSpPr txBox="1">
+            <a:spLocks/>
+          </p:cNvSpPr>
+          <p:nvPr/>
+        </p:nvSpPr>
+        <p:spPr>
+          <a:xfrm>
+            <a:off x="582226" y="1958898"/>
+            <a:ext cx="11609773" cy="1052750"/>
+          </a:xfrm>
+          <a:prstGeom prst="rect">
+            <a:avLst/>
+          </a:prstGeom>
+        </p:spPr>
+        <p:txBody>
+          <a:bodyPr vert="horz" lIns="91440" tIns="45720" rIns="91440" bIns="45720" rtlCol="0" anchor="ctr">
+            <a:normAutofit/>
+          </a:bodyPr>
+          <a:lstStyle>
+            <a:lvl1pPr algn="l" defTabSz="914400" rtl="0" eaLnBrk="1" latinLnBrk="1" hangingPunct="1">
+              <a:lnSpc>
+                <a:spcPct val="90000"/>
+              </a:lnSpc>
+              <a:spcBef>
+                <a:spcPct val="0"/>
+              </a:spcBef>
+              <a:buNone/>
+              <a:defRPr sz="4400" kern="1200">
+                <a:solidFill>
+                  <a:schemeClr val="tx1"/>
+                </a:solidFill>
+                <a:latin typeface="+mj-lt"/>
+                <a:ea typeface="+mj-ea"/>
+                <a:cs typeface="+mj-cs"/>
+              </a:defRPr>
+            </a:lvl1pPr>
+          </a:lstStyle>
+          <a:p>
+            <a:r>
+              <a:rPr lang="ko-KR" altLang="en-US" sz="1800" dirty="0">
+                <a:solidFill>
+                  <a:schemeClr val="bg1"/>
+                </a:solidFill>
+              </a:rPr>
+              <a:t>▶ 파일 업로드 처리 페이지 수정하기</a:t>
+            </a:r>
+            <a:r>
+              <a:rPr lang="en-US" altLang="ko-KR" sz="1800" dirty="0">
+                <a:solidFill>
+                  <a:schemeClr val="bg1"/>
+                </a:solidFill>
+              </a:rPr>
+              <a:t>	</a:t>
+            </a:r>
+          </a:p>
+          <a:p>
+            <a:endParaRPr lang="en-US" altLang="ko-KR" sz="1800" dirty="0">
+              <a:solidFill>
+                <a:schemeClr val="bg1"/>
+              </a:solidFill>
+            </a:endParaRPr>
+          </a:p>
+          <a:p>
+            <a:r>
+              <a:rPr lang="en-US" altLang="ko-KR" sz="1800" dirty="0">
+                <a:solidFill>
+                  <a:schemeClr val="bg1"/>
+                </a:solidFill>
+              </a:rPr>
+              <a:t>	</a:t>
+            </a:r>
+          </a:p>
+        </p:txBody>
+      </p:sp>
+      <p:sp>
+        <p:nvSpPr>
+          <p:cNvPr id="6" name="제목 1">
+            <a:extLst>
+              <a:ext uri="{FF2B5EF4-FFF2-40B4-BE49-F238E27FC236}">
+                <a16:creationId xmlns:a16="http://schemas.microsoft.com/office/drawing/2014/main" id="{4776CCBD-0D1E-4452-A56C-E14F88C8E8F0}"/>
+              </a:ext>
+            </a:extLst>
+          </p:cNvPr>
+          <p:cNvSpPr txBox="1">
+            <a:spLocks/>
+          </p:cNvSpPr>
+          <p:nvPr/>
+        </p:nvSpPr>
+        <p:spPr>
+          <a:xfrm>
+            <a:off x="342530" y="992395"/>
+            <a:ext cx="10515600" cy="1325563"/>
+          </a:xfrm>
+          <a:prstGeom prst="rect">
+            <a:avLst/>
+          </a:prstGeom>
+        </p:spPr>
+        <p:txBody>
+          <a:bodyPr vert="horz" lIns="91440" tIns="45720" rIns="91440" bIns="45720" rtlCol="0" anchor="ctr">
+            <a:normAutofit/>
+          </a:bodyPr>
+          <a:lstStyle>
+            <a:lvl1pPr algn="l" defTabSz="914400" rtl="0" eaLnBrk="1" latinLnBrk="1" hangingPunct="1">
+              <a:lnSpc>
+                <a:spcPct val="90000"/>
+              </a:lnSpc>
+              <a:spcBef>
+                <a:spcPct val="0"/>
+              </a:spcBef>
+              <a:buNone/>
+              <a:defRPr sz="4400" kern="1200">
+                <a:solidFill>
+                  <a:schemeClr val="tx1"/>
+                </a:solidFill>
+                <a:latin typeface="+mj-lt"/>
+                <a:ea typeface="+mj-ea"/>
+                <a:cs typeface="+mj-cs"/>
+              </a:defRPr>
+            </a:lvl1pPr>
+          </a:lstStyle>
+          <a:p>
+            <a:r>
+              <a:rPr lang="en-US" altLang="ko-KR" sz="3200" dirty="0">
+                <a:solidFill>
+                  <a:schemeClr val="bg1"/>
+                </a:solidFill>
+              </a:rPr>
+              <a:t>※ </a:t>
+            </a:r>
+            <a:r>
+              <a:rPr lang="ko-KR" altLang="en-US" sz="3200" dirty="0">
+                <a:solidFill>
+                  <a:schemeClr val="bg1"/>
+                </a:solidFill>
+              </a:rPr>
+              <a:t>다중 파일 업로드 구현하기</a:t>
+            </a:r>
+            <a:r>
+              <a:rPr lang="en-US" altLang="ko-KR" sz="3200" dirty="0">
+                <a:solidFill>
+                  <a:schemeClr val="bg1"/>
+                </a:solidFill>
+              </a:rPr>
+              <a:t>	</a:t>
+            </a:r>
+          </a:p>
+        </p:txBody>
+      </p:sp>
+      <p:pic>
+        <p:nvPicPr>
+          <p:cNvPr id="3" name="그림 2">
+            <a:extLst>
+              <a:ext uri="{FF2B5EF4-FFF2-40B4-BE49-F238E27FC236}">
+                <a16:creationId xmlns:a16="http://schemas.microsoft.com/office/drawing/2014/main" id="{91230BA7-320E-46F4-B2CA-70D8FE003432}"/>
+              </a:ext>
+            </a:extLst>
+          </p:cNvPr>
+          <p:cNvPicPr>
+            <a:picLocks noChangeAspect="1"/>
+          </p:cNvPicPr>
+          <p:nvPr/>
+        </p:nvPicPr>
+        <p:blipFill>
+          <a:blip r:embed="rId3">
+            <a:extLst>
+              <a:ext uri="{28A0092B-C50C-407E-A947-70E740481C1C}">
+                <a14:useLocalDpi xmlns:a14="http://schemas.microsoft.com/office/drawing/2010/main" val="0"/>
+              </a:ext>
+            </a:extLst>
+          </a:blip>
+          <a:stretch>
+            <a:fillRect/>
+          </a:stretch>
+        </p:blipFill>
+        <p:spPr>
+          <a:xfrm>
+            <a:off x="3657451" y="2499460"/>
+            <a:ext cx="4877098" cy="4081165"/>
+          </a:xfrm>
+          <a:prstGeom prst="rect">
+            <a:avLst/>
+          </a:prstGeom>
+        </p:spPr>
+      </p:pic>
+    </p:spTree>
+    <p:extLst>
+      <p:ext uri="{BB962C8B-B14F-4D97-AF65-F5344CB8AC3E}">
+        <p14:creationId xmlns:p14="http://schemas.microsoft.com/office/powerpoint/2010/main" val="3849130295"/>
+      </p:ext>
+    </p:extLst>
+  </p:cSld>
+  <p:clrMapOvr>
+    <a:masterClrMapping/>
+  </p:clrMapOvr>
+</p:sld>
+</file>
+
+<file path=ppt/slides/slide29.xml><?xml version="1.0" encoding="utf-8"?>
+<p:sld xmlns:a="http://schemas.openxmlformats.org/drawingml/2006/main" xmlns:r="http://schemas.openxmlformats.org/officeDocument/2006/relationships" xmlns:p="http://schemas.openxmlformats.org/presentationml/2006/main">
+  <p:cSld>
+    <p:spTree>
+      <p:nvGrpSpPr>
+        <p:cNvPr id="1" name=""/>
+        <p:cNvGrpSpPr/>
+        <p:nvPr/>
+      </p:nvGrpSpPr>
+      <p:grpSpPr>
+        <a:xfrm>
+          <a:off x="0" y="0"/>
+          <a:ext cx="0" cy="0"/>
+          <a:chOff x="0" y="0"/>
+          <a:chExt cx="0" cy="0"/>
+        </a:xfrm>
+      </p:grpSpPr>
+      <p:pic>
+        <p:nvPicPr>
+          <p:cNvPr id="8" name="그림 7">
+            <a:extLst>
+              <a:ext uri="{FF2B5EF4-FFF2-40B4-BE49-F238E27FC236}">
+                <a16:creationId xmlns:a16="http://schemas.microsoft.com/office/drawing/2014/main" id="{538F6B91-FEF8-4EB5-B611-B3CD1058A20D}"/>
+              </a:ext>
+            </a:extLst>
+          </p:cNvPr>
+          <p:cNvPicPr>
+            <a:picLocks noChangeAspect="1"/>
+          </p:cNvPicPr>
+          <p:nvPr/>
+        </p:nvPicPr>
+        <p:blipFill>
+          <a:blip r:embed="rId2"/>
+          <a:stretch>
+            <a:fillRect/>
+          </a:stretch>
+        </p:blipFill>
+        <p:spPr>
+          <a:xfrm>
+            <a:off x="0" y="-64880"/>
+            <a:ext cx="12191999" cy="1390443"/>
+          </a:xfrm>
+          <a:prstGeom prst="rect">
+            <a:avLst/>
+          </a:prstGeom>
+        </p:spPr>
+      </p:pic>
+      <p:sp>
+        <p:nvSpPr>
+          <p:cNvPr id="2" name="제목 1">
+            <a:extLst>
+              <a:ext uri="{FF2B5EF4-FFF2-40B4-BE49-F238E27FC236}">
+                <a16:creationId xmlns:a16="http://schemas.microsoft.com/office/drawing/2014/main" id="{DA9531EA-EF3E-47A1-A00A-C2553A61D457}"/>
+              </a:ext>
+            </a:extLst>
+          </p:cNvPr>
+          <p:cNvSpPr>
+            <a:spLocks noGrp="1"/>
+          </p:cNvSpPr>
+          <p:nvPr>
+            <p:ph type="title"/>
+          </p:nvPr>
+        </p:nvSpPr>
+        <p:spPr>
+          <a:xfrm>
+            <a:off x="-1" y="0"/>
+            <a:ext cx="12192000" cy="1325563"/>
+          </a:xfrm>
+          <a:noFill/>
+        </p:spPr>
+        <p:txBody>
+          <a:bodyPr/>
+          <a:lstStyle/>
+          <a:p>
+            <a:r>
+              <a:rPr lang="en-US" altLang="ko-KR" dirty="0">
+                <a:solidFill>
+                  <a:schemeClr val="accent2">
+                    <a:lumMod val="60000"/>
+                    <a:lumOff val="40000"/>
+                  </a:schemeClr>
+                </a:solidFill>
+              </a:rPr>
+              <a:t> JSP </a:t>
+            </a:r>
+            <a:r>
+              <a:rPr lang="ko-KR" altLang="en-US" dirty="0">
+                <a:solidFill>
+                  <a:schemeClr val="accent2">
+                    <a:lumMod val="60000"/>
+                    <a:lumOff val="40000"/>
+                  </a:schemeClr>
+                </a:solidFill>
+              </a:rPr>
+              <a:t>파일 업로드</a:t>
+            </a:r>
+          </a:p>
+        </p:txBody>
+      </p:sp>
+      <p:sp>
+        <p:nvSpPr>
+          <p:cNvPr id="4" name="제목 1">
+            <a:extLst>
+              <a:ext uri="{FF2B5EF4-FFF2-40B4-BE49-F238E27FC236}">
+                <a16:creationId xmlns:a16="http://schemas.microsoft.com/office/drawing/2014/main" id="{E5114744-E6CB-484A-A53B-B70C88B866A0}"/>
+              </a:ext>
+            </a:extLst>
+          </p:cNvPr>
+          <p:cNvSpPr txBox="1">
+            <a:spLocks/>
+          </p:cNvSpPr>
+          <p:nvPr/>
+        </p:nvSpPr>
+        <p:spPr>
+          <a:xfrm>
+            <a:off x="582226" y="1958898"/>
+            <a:ext cx="11609773" cy="1052750"/>
+          </a:xfrm>
+          <a:prstGeom prst="rect">
+            <a:avLst/>
+          </a:prstGeom>
+        </p:spPr>
+        <p:txBody>
+          <a:bodyPr vert="horz" lIns="91440" tIns="45720" rIns="91440" bIns="45720" rtlCol="0" anchor="ctr">
+            <a:normAutofit/>
+          </a:bodyPr>
+          <a:lstStyle>
+            <a:lvl1pPr algn="l" defTabSz="914400" rtl="0" eaLnBrk="1" latinLnBrk="1" hangingPunct="1">
+              <a:lnSpc>
+                <a:spcPct val="90000"/>
+              </a:lnSpc>
+              <a:spcBef>
+                <a:spcPct val="0"/>
+              </a:spcBef>
+              <a:buNone/>
+              <a:defRPr sz="4400" kern="1200">
+                <a:solidFill>
+                  <a:schemeClr val="tx1"/>
+                </a:solidFill>
+                <a:latin typeface="+mj-lt"/>
+                <a:ea typeface="+mj-ea"/>
+                <a:cs typeface="+mj-cs"/>
+              </a:defRPr>
+            </a:lvl1pPr>
+          </a:lstStyle>
+          <a:p>
+            <a:r>
+              <a:rPr lang="ko-KR" altLang="en-US" sz="1800" dirty="0">
+                <a:solidFill>
+                  <a:schemeClr val="bg1"/>
+                </a:solidFill>
+              </a:rPr>
+              <a:t>▶ 사용자가 임의대로 업로드 할 파일의 개수를 정하도록 하고 싶다면</a:t>
+            </a:r>
+            <a:r>
+              <a:rPr lang="en-US" altLang="ko-KR" sz="1800" dirty="0">
+                <a:solidFill>
+                  <a:schemeClr val="bg1"/>
+                </a:solidFill>
+              </a:rPr>
+              <a:t>?	</a:t>
+            </a:r>
+          </a:p>
+          <a:p>
+            <a:endParaRPr lang="en-US" altLang="ko-KR" sz="1800" dirty="0">
+              <a:solidFill>
+                <a:schemeClr val="bg1"/>
+              </a:solidFill>
+            </a:endParaRPr>
+          </a:p>
+          <a:p>
+            <a:r>
+              <a:rPr lang="ko-KR" altLang="en-US" sz="1800" dirty="0">
+                <a:solidFill>
+                  <a:schemeClr val="bg1"/>
+                </a:solidFill>
+              </a:rPr>
+              <a:t>▶ 자바스크립트를 이용한 클라이언트 개발이 수반되어야 합니다</a:t>
+            </a:r>
+            <a:r>
+              <a:rPr lang="en-US" altLang="ko-KR" sz="1800" dirty="0">
+                <a:solidFill>
+                  <a:schemeClr val="bg1"/>
+                </a:solidFill>
+              </a:rPr>
+              <a:t>.	</a:t>
+            </a:r>
+          </a:p>
+        </p:txBody>
+      </p:sp>
+      <p:sp>
+        <p:nvSpPr>
+          <p:cNvPr id="6" name="제목 1">
+            <a:extLst>
+              <a:ext uri="{FF2B5EF4-FFF2-40B4-BE49-F238E27FC236}">
+                <a16:creationId xmlns:a16="http://schemas.microsoft.com/office/drawing/2014/main" id="{4776CCBD-0D1E-4452-A56C-E14F88C8E8F0}"/>
+              </a:ext>
+            </a:extLst>
+          </p:cNvPr>
+          <p:cNvSpPr txBox="1">
+            <a:spLocks/>
+          </p:cNvSpPr>
+          <p:nvPr/>
+        </p:nvSpPr>
+        <p:spPr>
+          <a:xfrm>
+            <a:off x="342530" y="992395"/>
+            <a:ext cx="10515600" cy="1325563"/>
+          </a:xfrm>
+          <a:prstGeom prst="rect">
+            <a:avLst/>
+          </a:prstGeom>
+        </p:spPr>
+        <p:txBody>
+          <a:bodyPr vert="horz" lIns="91440" tIns="45720" rIns="91440" bIns="45720" rtlCol="0" anchor="ctr">
+            <a:normAutofit/>
+          </a:bodyPr>
+          <a:lstStyle>
+            <a:lvl1pPr algn="l" defTabSz="914400" rtl="0" eaLnBrk="1" latinLnBrk="1" hangingPunct="1">
+              <a:lnSpc>
+                <a:spcPct val="90000"/>
+              </a:lnSpc>
+              <a:spcBef>
+                <a:spcPct val="0"/>
+              </a:spcBef>
+              <a:buNone/>
+              <a:defRPr sz="4400" kern="1200">
+                <a:solidFill>
+                  <a:schemeClr val="tx1"/>
+                </a:solidFill>
+                <a:latin typeface="+mj-lt"/>
+                <a:ea typeface="+mj-ea"/>
+                <a:cs typeface="+mj-cs"/>
+              </a:defRPr>
+            </a:lvl1pPr>
+          </a:lstStyle>
+          <a:p>
+            <a:r>
+              <a:rPr lang="en-US" altLang="ko-KR" sz="3200" dirty="0">
+                <a:solidFill>
+                  <a:schemeClr val="bg1"/>
+                </a:solidFill>
+              </a:rPr>
+              <a:t>※ </a:t>
+            </a:r>
+            <a:r>
+              <a:rPr lang="ko-KR" altLang="en-US" sz="3200" dirty="0">
+                <a:solidFill>
+                  <a:schemeClr val="bg1"/>
+                </a:solidFill>
+              </a:rPr>
+              <a:t>다중 파일 업로드 구현하기</a:t>
+            </a:r>
+            <a:r>
+              <a:rPr lang="en-US" altLang="ko-KR" sz="3200" dirty="0">
+                <a:solidFill>
+                  <a:schemeClr val="bg1"/>
+                </a:solidFill>
+              </a:rPr>
+              <a:t>	</a:t>
+            </a:r>
+          </a:p>
+        </p:txBody>
+      </p:sp>
+    </p:spTree>
+    <p:extLst>
+      <p:ext uri="{BB962C8B-B14F-4D97-AF65-F5344CB8AC3E}">
+        <p14:creationId xmlns:p14="http://schemas.microsoft.com/office/powerpoint/2010/main" val="3375860990"/>
+      </p:ext>
+    </p:extLst>
+  </p:cSld>
+  <p:clrMapOvr>
+    <a:masterClrMapping/>
+  </p:clrMapOvr>
+</p:sld>
+</file>
+
+<file path=ppt/slides/slide3.xml><?xml version="1.0" encoding="utf-8"?>
+<p:sld xmlns:a="http://schemas.openxmlformats.org/drawingml/2006/main" xmlns:r="http://schemas.openxmlformats.org/officeDocument/2006/relationships" xmlns:p="http://schemas.openxmlformats.org/presentationml/2006/main">
+  <p:cSld>
+    <p:spTree>
+      <p:nvGrpSpPr>
+        <p:cNvPr id="1" name=""/>
+        <p:cNvGrpSpPr/>
+        <p:nvPr/>
+      </p:nvGrpSpPr>
+      <p:grpSpPr>
+        <a:xfrm>
+          <a:off x="0" y="0"/>
+          <a:ext cx="0" cy="0"/>
+          <a:chOff x="0" y="0"/>
+          <a:chExt cx="0" cy="0"/>
+        </a:xfrm>
+      </p:grpSpPr>
+      <p:pic>
+        <p:nvPicPr>
+          <p:cNvPr id="8" name="그림 7">
+            <a:extLst>
+              <a:ext uri="{FF2B5EF4-FFF2-40B4-BE49-F238E27FC236}">
+                <a16:creationId xmlns:a16="http://schemas.microsoft.com/office/drawing/2014/main" id="{538F6B91-FEF8-4EB5-B611-B3CD1058A20D}"/>
+              </a:ext>
+            </a:extLst>
+          </p:cNvPr>
+          <p:cNvPicPr>
+            <a:picLocks noChangeAspect="1"/>
+          </p:cNvPicPr>
+          <p:nvPr/>
+        </p:nvPicPr>
+        <p:blipFill>
+          <a:blip r:embed="rId2"/>
+          <a:stretch>
+            <a:fillRect/>
+          </a:stretch>
+        </p:blipFill>
+        <p:spPr>
+          <a:xfrm>
+            <a:off x="0" y="-64880"/>
+            <a:ext cx="12191999" cy="1390443"/>
+          </a:xfrm>
+          <a:prstGeom prst="rect">
+            <a:avLst/>
+          </a:prstGeom>
+        </p:spPr>
+      </p:pic>
+      <p:sp>
+        <p:nvSpPr>
+          <p:cNvPr id="2" name="제목 1">
+            <a:extLst>
+              <a:ext uri="{FF2B5EF4-FFF2-40B4-BE49-F238E27FC236}">
+                <a16:creationId xmlns:a16="http://schemas.microsoft.com/office/drawing/2014/main" id="{DA9531EA-EF3E-47A1-A00A-C2553A61D457}"/>
+              </a:ext>
+            </a:extLst>
+          </p:cNvPr>
+          <p:cNvSpPr>
+            <a:spLocks noGrp="1"/>
+          </p:cNvSpPr>
+          <p:nvPr>
+            <p:ph type="title"/>
+          </p:nvPr>
+        </p:nvSpPr>
+        <p:spPr>
+          <a:xfrm>
+            <a:off x="-1" y="0"/>
+            <a:ext cx="12192000" cy="1325563"/>
+          </a:xfrm>
+          <a:noFill/>
+        </p:spPr>
+        <p:txBody>
+          <a:bodyPr/>
+          <a:lstStyle/>
+          <a:p>
+            <a:r>
+              <a:rPr lang="en-US" altLang="ko-KR" dirty="0">
+                <a:solidFill>
+                  <a:schemeClr val="accent2">
+                    <a:lumMod val="60000"/>
+                    <a:lumOff val="40000"/>
+                  </a:schemeClr>
+                </a:solidFill>
+              </a:rPr>
+              <a:t> JSP </a:t>
+            </a:r>
+            <a:r>
+              <a:rPr lang="ko-KR" altLang="en-US" dirty="0">
+                <a:solidFill>
+                  <a:schemeClr val="accent2">
+                    <a:lumMod val="60000"/>
+                    <a:lumOff val="40000"/>
+                  </a:schemeClr>
+                </a:solidFill>
+              </a:rPr>
+              <a:t>파일 업로드</a:t>
+            </a:r>
+          </a:p>
+        </p:txBody>
+      </p:sp>
+      <p:sp>
+        <p:nvSpPr>
+          <p:cNvPr id="6" name="제목 1">
+            <a:extLst>
+              <a:ext uri="{FF2B5EF4-FFF2-40B4-BE49-F238E27FC236}">
+                <a16:creationId xmlns:a16="http://schemas.microsoft.com/office/drawing/2014/main" id="{4776CCBD-0D1E-4452-A56C-E14F88C8E8F0}"/>
+              </a:ext>
+            </a:extLst>
+          </p:cNvPr>
+          <p:cNvSpPr txBox="1">
+            <a:spLocks/>
+          </p:cNvSpPr>
+          <p:nvPr/>
+        </p:nvSpPr>
+        <p:spPr>
+          <a:xfrm>
+            <a:off x="342530" y="992395"/>
+            <a:ext cx="10515600" cy="1325563"/>
+          </a:xfrm>
+          <a:prstGeom prst="rect">
+            <a:avLst/>
+          </a:prstGeom>
+        </p:spPr>
+        <p:txBody>
+          <a:bodyPr vert="horz" lIns="91440" tIns="45720" rIns="91440" bIns="45720" rtlCol="0" anchor="ctr">
+            <a:normAutofit/>
+          </a:bodyPr>
+          <a:lstStyle>
+            <a:lvl1pPr algn="l" defTabSz="914400" rtl="0" eaLnBrk="1" latinLnBrk="1" hangingPunct="1">
+              <a:lnSpc>
+                <a:spcPct val="90000"/>
+              </a:lnSpc>
+              <a:spcBef>
+                <a:spcPct val="0"/>
+              </a:spcBef>
+              <a:buNone/>
+              <a:defRPr sz="4400" kern="1200">
+                <a:solidFill>
+                  <a:schemeClr val="tx1"/>
+                </a:solidFill>
+                <a:latin typeface="+mj-lt"/>
+                <a:ea typeface="+mj-ea"/>
+                <a:cs typeface="+mj-cs"/>
+              </a:defRPr>
+            </a:lvl1pPr>
+          </a:lstStyle>
+          <a:p>
+            <a:r>
+              <a:rPr lang="en-US" altLang="ko-KR" sz="3200" dirty="0">
+                <a:solidFill>
+                  <a:schemeClr val="bg1"/>
+                </a:solidFill>
+              </a:rPr>
+              <a:t>※ JSP </a:t>
+            </a:r>
+            <a:r>
+              <a:rPr lang="ko-KR" altLang="en-US" sz="3200" dirty="0">
+                <a:solidFill>
+                  <a:schemeClr val="bg1"/>
+                </a:solidFill>
+              </a:rPr>
+              <a:t>파일 업로드</a:t>
+            </a:r>
+            <a:endParaRPr lang="en-US" altLang="ko-KR" sz="3200" dirty="0">
+              <a:solidFill>
+                <a:schemeClr val="bg1"/>
+              </a:solidFill>
+            </a:endParaRPr>
+          </a:p>
+        </p:txBody>
+      </p:sp>
+      <p:sp>
+        <p:nvSpPr>
+          <p:cNvPr id="12" name="제목 1">
+            <a:extLst>
+              <a:ext uri="{FF2B5EF4-FFF2-40B4-BE49-F238E27FC236}">
+                <a16:creationId xmlns:a16="http://schemas.microsoft.com/office/drawing/2014/main" id="{66312B01-818D-4B80-97A9-CF440FD79B27}"/>
+              </a:ext>
+            </a:extLst>
+          </p:cNvPr>
+          <p:cNvSpPr txBox="1">
+            <a:spLocks/>
+          </p:cNvSpPr>
+          <p:nvPr/>
+        </p:nvSpPr>
+        <p:spPr>
+          <a:xfrm>
+            <a:off x="582226" y="1950127"/>
+            <a:ext cx="11609773" cy="1920537"/>
+          </a:xfrm>
+          <a:prstGeom prst="rect">
+            <a:avLst/>
+          </a:prstGeom>
+        </p:spPr>
+        <p:txBody>
+          <a:bodyPr vert="horz" lIns="91440" tIns="45720" rIns="91440" bIns="45720" rtlCol="0" anchor="ctr">
+            <a:normAutofit/>
+          </a:bodyPr>
+          <a:lstStyle>
+            <a:lvl1pPr algn="l" defTabSz="914400" rtl="0" eaLnBrk="1" latinLnBrk="1" hangingPunct="1">
+              <a:lnSpc>
+                <a:spcPct val="90000"/>
+              </a:lnSpc>
+              <a:spcBef>
+                <a:spcPct val="0"/>
+              </a:spcBef>
+              <a:buNone/>
+              <a:defRPr sz="4400" kern="1200">
+                <a:solidFill>
+                  <a:schemeClr val="tx1"/>
+                </a:solidFill>
+                <a:latin typeface="+mj-lt"/>
+                <a:ea typeface="+mj-ea"/>
+                <a:cs typeface="+mj-cs"/>
+              </a:defRPr>
+            </a:lvl1pPr>
+          </a:lstStyle>
+          <a:p>
+            <a:r>
+              <a:rPr lang="ko-KR" altLang="en-US" sz="1800" dirty="0">
+                <a:solidFill>
+                  <a:schemeClr val="bg1"/>
+                </a:solidFill>
+              </a:rPr>
+              <a:t>▶ </a:t>
+            </a:r>
+            <a:r>
+              <a:rPr lang="en-US" altLang="ko-KR" sz="1800" dirty="0">
+                <a:solidFill>
+                  <a:schemeClr val="bg1"/>
+                </a:solidFill>
+              </a:rPr>
+              <a:t>JSP</a:t>
+            </a:r>
+            <a:r>
+              <a:rPr lang="ko-KR" altLang="en-US" sz="1800" dirty="0">
+                <a:solidFill>
+                  <a:schemeClr val="bg1"/>
+                </a:solidFill>
+              </a:rPr>
+              <a:t>에서 파일 업로드를 위해서는 </a:t>
+            </a:r>
+            <a:r>
+              <a:rPr lang="en-US" altLang="ko-KR" sz="1800" dirty="0">
+                <a:solidFill>
+                  <a:schemeClr val="bg1"/>
+                </a:solidFill>
+              </a:rPr>
+              <a:t>COS </a:t>
+            </a:r>
+            <a:r>
+              <a:rPr lang="ko-KR" altLang="en-US" sz="1800" dirty="0">
+                <a:solidFill>
+                  <a:schemeClr val="bg1"/>
+                </a:solidFill>
+              </a:rPr>
+              <a:t>라이브러리가 필요합니다</a:t>
+            </a:r>
+            <a:r>
+              <a:rPr lang="en-US" altLang="ko-KR" sz="1800" dirty="0">
+                <a:solidFill>
+                  <a:schemeClr val="bg1"/>
+                </a:solidFill>
+              </a:rPr>
+              <a:t>.</a:t>
+            </a:r>
+          </a:p>
+          <a:p>
+            <a:endParaRPr lang="en-US" altLang="ko-KR" sz="1800" dirty="0">
+              <a:solidFill>
+                <a:schemeClr val="bg1"/>
+              </a:solidFill>
+            </a:endParaRPr>
+          </a:p>
+          <a:p>
+            <a:r>
+              <a:rPr lang="ko-KR" altLang="en-US" sz="1800" dirty="0">
+                <a:solidFill>
+                  <a:schemeClr val="bg1"/>
+                </a:solidFill>
+              </a:rPr>
+              <a:t>▶ </a:t>
+            </a:r>
+            <a:r>
+              <a:rPr lang="en-US" altLang="ko-KR" sz="1800" dirty="0">
+                <a:solidFill>
+                  <a:schemeClr val="bg1"/>
+                </a:solidFill>
+              </a:rPr>
+              <a:t>COS </a:t>
+            </a:r>
+            <a:r>
+              <a:rPr lang="ko-KR" altLang="en-US" sz="1800" dirty="0">
+                <a:solidFill>
+                  <a:schemeClr val="bg1"/>
+                </a:solidFill>
+              </a:rPr>
+              <a:t>라이브러리의 </a:t>
+            </a:r>
+            <a:r>
+              <a:rPr lang="en-US" altLang="ko-KR" sz="1800" dirty="0" err="1">
+                <a:solidFill>
+                  <a:schemeClr val="bg1"/>
+                </a:solidFill>
+              </a:rPr>
+              <a:t>Mutipart</a:t>
+            </a:r>
+            <a:r>
+              <a:rPr lang="en-US" altLang="ko-KR" sz="1800" dirty="0">
+                <a:solidFill>
+                  <a:schemeClr val="bg1"/>
+                </a:solidFill>
+              </a:rPr>
+              <a:t> Request </a:t>
+            </a:r>
+            <a:r>
+              <a:rPr lang="ko-KR" altLang="en-US" sz="1800" dirty="0">
+                <a:solidFill>
+                  <a:schemeClr val="bg1"/>
+                </a:solidFill>
+              </a:rPr>
+              <a:t>클래스를 사용합니다</a:t>
+            </a:r>
+            <a:r>
+              <a:rPr lang="en-US" altLang="ko-KR" sz="1800" dirty="0">
+                <a:solidFill>
+                  <a:schemeClr val="bg1"/>
+                </a:solidFill>
+              </a:rPr>
+              <a:t>.</a:t>
+            </a:r>
+          </a:p>
+          <a:p>
+            <a:endParaRPr lang="en-US" altLang="ko-KR" sz="1800" dirty="0">
+              <a:solidFill>
+                <a:schemeClr val="bg1"/>
+              </a:solidFill>
+            </a:endParaRPr>
+          </a:p>
+          <a:p>
+            <a:r>
+              <a:rPr lang="ko-KR" altLang="en-US" sz="1800" dirty="0">
+                <a:solidFill>
+                  <a:schemeClr val="bg1"/>
+                </a:solidFill>
+              </a:rPr>
+              <a:t>▶</a:t>
+            </a:r>
+            <a:r>
+              <a:rPr lang="en-US" altLang="ko-KR" sz="1800" dirty="0">
+                <a:solidFill>
+                  <a:schemeClr val="bg1"/>
+                </a:solidFill>
+              </a:rPr>
+              <a:t> </a:t>
+            </a:r>
+            <a:r>
+              <a:rPr lang="ko-KR" altLang="en-US" sz="1800" dirty="0">
+                <a:solidFill>
+                  <a:schemeClr val="bg1"/>
+                </a:solidFill>
+              </a:rPr>
+              <a:t>설치경로</a:t>
+            </a:r>
+            <a:r>
+              <a:rPr lang="en-US" altLang="ko-KR" sz="1800" dirty="0">
+                <a:solidFill>
+                  <a:schemeClr val="bg1"/>
+                </a:solidFill>
+              </a:rPr>
+              <a:t>: </a:t>
+            </a:r>
+            <a:r>
+              <a:rPr lang="en-US" altLang="ko-KR" sz="1800" dirty="0">
+                <a:hlinkClick r:id="rId3"/>
+              </a:rPr>
+              <a:t>http://www.servlets.com/cos/</a:t>
+            </a:r>
+            <a:endParaRPr lang="en-US" altLang="ko-KR" sz="1800" dirty="0">
+              <a:solidFill>
+                <a:schemeClr val="bg1"/>
+              </a:solidFill>
+            </a:endParaRPr>
+          </a:p>
+        </p:txBody>
+      </p:sp>
+      <p:pic>
+        <p:nvPicPr>
+          <p:cNvPr id="4" name="그림 3">
+            <a:extLst>
+              <a:ext uri="{FF2B5EF4-FFF2-40B4-BE49-F238E27FC236}">
+                <a16:creationId xmlns:a16="http://schemas.microsoft.com/office/drawing/2014/main" id="{B3BAB147-5920-4EBE-BDAA-476675C8F130}"/>
+              </a:ext>
+            </a:extLst>
+          </p:cNvPr>
+          <p:cNvPicPr>
+            <a:picLocks noChangeAspect="1"/>
+          </p:cNvPicPr>
+          <p:nvPr/>
+        </p:nvPicPr>
+        <p:blipFill>
+          <a:blip r:embed="rId4" cstate="print">
+            <a:extLst>
+              <a:ext uri="{28A0092B-C50C-407E-A947-70E740481C1C}">
+                <a14:useLocalDpi xmlns:a14="http://schemas.microsoft.com/office/drawing/2010/main" val="0"/>
+              </a:ext>
+            </a:extLst>
+          </a:blip>
+          <a:stretch>
+            <a:fillRect/>
+          </a:stretch>
+        </p:blipFill>
+        <p:spPr>
+          <a:xfrm>
+            <a:off x="804289" y="3630967"/>
+            <a:ext cx="3722513" cy="3084990"/>
+          </a:xfrm>
+          <a:prstGeom prst="rect">
+            <a:avLst/>
+          </a:prstGeom>
+        </p:spPr>
+      </p:pic>
+      <p:pic>
+        <p:nvPicPr>
+          <p:cNvPr id="7" name="그림 6">
+            <a:extLst>
+              <a:ext uri="{FF2B5EF4-FFF2-40B4-BE49-F238E27FC236}">
+                <a16:creationId xmlns:a16="http://schemas.microsoft.com/office/drawing/2014/main" id="{474F5163-042A-4E63-A794-3F993CFE05BB}"/>
+              </a:ext>
+            </a:extLst>
+          </p:cNvPr>
+          <p:cNvPicPr>
+            <a:picLocks noChangeAspect="1"/>
+          </p:cNvPicPr>
+          <p:nvPr/>
+        </p:nvPicPr>
+        <p:blipFill>
+          <a:blip r:embed="rId5" cstate="print">
+            <a:extLst>
+              <a:ext uri="{28A0092B-C50C-407E-A947-70E740481C1C}">
+                <a14:useLocalDpi xmlns:a14="http://schemas.microsoft.com/office/drawing/2010/main" val="0"/>
+              </a:ext>
+            </a:extLst>
+          </a:blip>
+          <a:stretch>
+            <a:fillRect/>
+          </a:stretch>
+        </p:blipFill>
+        <p:spPr>
+          <a:xfrm>
+            <a:off x="4748865" y="3630967"/>
+            <a:ext cx="3760424" cy="3110125"/>
+          </a:xfrm>
+          <a:prstGeom prst="rect">
+            <a:avLst/>
+          </a:prstGeom>
+        </p:spPr>
+      </p:pic>
+    </p:spTree>
+    <p:extLst>
+      <p:ext uri="{BB962C8B-B14F-4D97-AF65-F5344CB8AC3E}">
+        <p14:creationId xmlns:p14="http://schemas.microsoft.com/office/powerpoint/2010/main" val="1021958357"/>
+      </p:ext>
+    </p:extLst>
+  </p:cSld>
+  <p:clrMapOvr>
+    <a:masterClrMapping/>
+  </p:clrMapOvr>
+</p:sld>
+</file>
+
+<file path=ppt/slides/slide30.xml><?xml version="1.0" encoding="utf-8"?>
+<p:sld xmlns:a="http://schemas.openxmlformats.org/drawingml/2006/main" xmlns:r="http://schemas.openxmlformats.org/officeDocument/2006/relationships" xmlns:p="http://schemas.openxmlformats.org/presentationml/2006/main">
+  <p:cSld>
+    <p:spTree>
+      <p:nvGrpSpPr>
+        <p:cNvPr id="1" name=""/>
+        <p:cNvGrpSpPr/>
+        <p:nvPr/>
+      </p:nvGrpSpPr>
+      <p:grpSpPr>
+        <a:xfrm>
+          <a:off x="0" y="0"/>
+          <a:ext cx="0" cy="0"/>
+          <a:chOff x="0" y="0"/>
+          <a:chExt cx="0" cy="0"/>
+        </a:xfrm>
+      </p:grpSpPr>
+      <p:pic>
+        <p:nvPicPr>
+          <p:cNvPr id="8" name="그림 7">
+            <a:extLst>
+              <a:ext uri="{FF2B5EF4-FFF2-40B4-BE49-F238E27FC236}">
+                <a16:creationId xmlns:a16="http://schemas.microsoft.com/office/drawing/2014/main" id="{538F6B91-FEF8-4EB5-B611-B3CD1058A20D}"/>
+              </a:ext>
+            </a:extLst>
+          </p:cNvPr>
+          <p:cNvPicPr>
+            <a:picLocks noChangeAspect="1"/>
+          </p:cNvPicPr>
+          <p:nvPr/>
+        </p:nvPicPr>
+        <p:blipFill>
+          <a:blip r:embed="rId2"/>
+          <a:stretch>
+            <a:fillRect/>
+          </a:stretch>
+        </p:blipFill>
+        <p:spPr>
+          <a:xfrm>
+            <a:off x="0" y="-64880"/>
+            <a:ext cx="12191999" cy="1390443"/>
+          </a:xfrm>
+          <a:prstGeom prst="rect">
+            <a:avLst/>
+          </a:prstGeom>
+        </p:spPr>
+      </p:pic>
+      <p:sp>
+        <p:nvSpPr>
+          <p:cNvPr id="2" name="제목 1">
+            <a:extLst>
+              <a:ext uri="{FF2B5EF4-FFF2-40B4-BE49-F238E27FC236}">
+                <a16:creationId xmlns:a16="http://schemas.microsoft.com/office/drawing/2014/main" id="{DA9531EA-EF3E-47A1-A00A-C2553A61D457}"/>
+              </a:ext>
+            </a:extLst>
+          </p:cNvPr>
+          <p:cNvSpPr>
+            <a:spLocks noGrp="1"/>
+          </p:cNvSpPr>
+          <p:nvPr>
+            <p:ph type="title"/>
+          </p:nvPr>
+        </p:nvSpPr>
+        <p:spPr>
+          <a:xfrm>
+            <a:off x="-1" y="0"/>
+            <a:ext cx="12192000" cy="1325563"/>
+          </a:xfrm>
+          <a:noFill/>
+        </p:spPr>
+        <p:txBody>
+          <a:bodyPr/>
+          <a:lstStyle/>
+          <a:p>
+            <a:r>
+              <a:rPr lang="en-US" altLang="ko-KR" dirty="0">
+                <a:solidFill>
+                  <a:schemeClr val="accent2">
+                    <a:lumMod val="60000"/>
+                    <a:lumOff val="40000"/>
+                  </a:schemeClr>
+                </a:solidFill>
+              </a:rPr>
+              <a:t> </a:t>
+            </a:r>
+            <a:r>
+              <a:rPr lang="ko-KR" altLang="en-US" dirty="0">
+                <a:solidFill>
+                  <a:schemeClr val="accent2">
+                    <a:lumMod val="60000"/>
+                    <a:lumOff val="40000"/>
+                  </a:schemeClr>
+                </a:solidFill>
+              </a:rPr>
+              <a:t>이번 시간에 배운 내용</a:t>
+            </a:r>
+          </a:p>
+        </p:txBody>
+      </p:sp>
+      <p:sp>
+        <p:nvSpPr>
+          <p:cNvPr id="4" name="제목 1">
+            <a:extLst>
+              <a:ext uri="{FF2B5EF4-FFF2-40B4-BE49-F238E27FC236}">
+                <a16:creationId xmlns:a16="http://schemas.microsoft.com/office/drawing/2014/main" id="{E5114744-E6CB-484A-A53B-B70C88B866A0}"/>
+              </a:ext>
+            </a:extLst>
+          </p:cNvPr>
+          <p:cNvSpPr txBox="1">
+            <a:spLocks/>
+          </p:cNvSpPr>
+          <p:nvPr/>
+        </p:nvSpPr>
+        <p:spPr>
+          <a:xfrm>
+            <a:off x="582226" y="1933732"/>
+            <a:ext cx="11609773" cy="3931874"/>
+          </a:xfrm>
+          <a:prstGeom prst="rect">
+            <a:avLst/>
+          </a:prstGeom>
+        </p:spPr>
+        <p:txBody>
+          <a:bodyPr vert="horz" lIns="91440" tIns="45720" rIns="91440" bIns="45720" rtlCol="0" anchor="ctr">
+            <a:normAutofit/>
+          </a:bodyPr>
+          <a:lstStyle>
+            <a:lvl1pPr algn="l" defTabSz="914400" rtl="0" eaLnBrk="1" latinLnBrk="1" hangingPunct="1">
+              <a:lnSpc>
+                <a:spcPct val="90000"/>
+              </a:lnSpc>
+              <a:spcBef>
+                <a:spcPct val="0"/>
+              </a:spcBef>
+              <a:buNone/>
+              <a:defRPr sz="4400" kern="1200">
+                <a:solidFill>
+                  <a:schemeClr val="tx1"/>
+                </a:solidFill>
+                <a:latin typeface="+mj-lt"/>
+                <a:ea typeface="+mj-ea"/>
+                <a:cs typeface="+mj-cs"/>
+              </a:defRPr>
+            </a:lvl1pPr>
+          </a:lstStyle>
+          <a:p>
+            <a:r>
+              <a:rPr lang="ko-KR" altLang="en-US" sz="1800" dirty="0">
+                <a:solidFill>
+                  <a:schemeClr val="bg1"/>
+                </a:solidFill>
+              </a:rPr>
+              <a:t>▶ </a:t>
+            </a:r>
+            <a:r>
+              <a:rPr lang="en-US" altLang="ko-KR" sz="1800" dirty="0">
+                <a:solidFill>
+                  <a:schemeClr val="bg1"/>
+                </a:solidFill>
+              </a:rPr>
+              <a:t>JSP </a:t>
+            </a:r>
+            <a:r>
+              <a:rPr lang="ko-KR" altLang="en-US" sz="1800" dirty="0">
+                <a:solidFill>
+                  <a:schemeClr val="bg1"/>
+                </a:solidFill>
+              </a:rPr>
+              <a:t>파일 업로드 기본 기능 구현</a:t>
+            </a:r>
+            <a:endParaRPr lang="en-US" altLang="ko-KR" sz="1800" dirty="0">
+              <a:solidFill>
+                <a:schemeClr val="bg1"/>
+              </a:solidFill>
+            </a:endParaRPr>
+          </a:p>
+          <a:p>
+            <a:r>
+              <a:rPr lang="en-US" altLang="ko-KR" sz="1800" dirty="0">
+                <a:solidFill>
+                  <a:schemeClr val="bg1"/>
+                </a:solidFill>
+              </a:rPr>
+              <a:t>	</a:t>
+            </a:r>
+          </a:p>
+          <a:p>
+            <a:r>
+              <a:rPr lang="en-US" altLang="ko-KR" sz="1800" dirty="0">
+                <a:solidFill>
+                  <a:schemeClr val="bg1"/>
+                </a:solidFill>
+              </a:rPr>
+              <a:t>	1) </a:t>
+            </a:r>
+            <a:r>
+              <a:rPr lang="ko-KR" altLang="en-US" sz="1800" dirty="0">
+                <a:solidFill>
+                  <a:schemeClr val="bg1"/>
+                </a:solidFill>
+              </a:rPr>
+              <a:t>데이터베이스 구축하기</a:t>
+            </a:r>
+            <a:endParaRPr lang="en-US" altLang="ko-KR" sz="1800" dirty="0">
+              <a:solidFill>
+                <a:schemeClr val="bg1"/>
+              </a:solidFill>
+            </a:endParaRPr>
+          </a:p>
+          <a:p>
+            <a:r>
+              <a:rPr lang="en-US" altLang="ko-KR" sz="1800" dirty="0">
+                <a:solidFill>
+                  <a:schemeClr val="bg1"/>
+                </a:solidFill>
+              </a:rPr>
+              <a:t>	2) </a:t>
+            </a:r>
+            <a:r>
+              <a:rPr lang="ko-KR" altLang="en-US" sz="1800" dirty="0">
+                <a:solidFill>
+                  <a:schemeClr val="bg1"/>
+                </a:solidFill>
+              </a:rPr>
+              <a:t>업로드 양식 페이지 작성하기</a:t>
+            </a:r>
+            <a:endParaRPr lang="en-US" altLang="ko-KR" sz="1800" dirty="0">
+              <a:solidFill>
+                <a:schemeClr val="bg1"/>
+              </a:solidFill>
+            </a:endParaRPr>
+          </a:p>
+          <a:p>
+            <a:r>
+              <a:rPr lang="en-US" altLang="ko-KR" sz="1800" dirty="0">
+                <a:solidFill>
+                  <a:schemeClr val="bg1"/>
+                </a:solidFill>
+              </a:rPr>
+              <a:t>	3) </a:t>
+            </a:r>
+            <a:r>
+              <a:rPr lang="ko-KR" altLang="en-US" sz="1800" dirty="0">
+                <a:solidFill>
+                  <a:schemeClr val="bg1"/>
+                </a:solidFill>
+              </a:rPr>
+              <a:t>데이터베이스 연동 클래스 작성하기</a:t>
+            </a:r>
+            <a:endParaRPr lang="en-US" altLang="ko-KR" sz="1800" dirty="0">
+              <a:solidFill>
+                <a:schemeClr val="bg1"/>
+              </a:solidFill>
+            </a:endParaRPr>
+          </a:p>
+          <a:p>
+            <a:r>
+              <a:rPr lang="en-US" altLang="ko-KR" sz="1800" dirty="0">
+                <a:solidFill>
+                  <a:schemeClr val="bg1"/>
+                </a:solidFill>
+              </a:rPr>
+              <a:t>	4) </a:t>
+            </a:r>
+            <a:r>
+              <a:rPr lang="ko-KR" altLang="en-US" sz="1800" dirty="0">
+                <a:solidFill>
+                  <a:schemeClr val="bg1"/>
+                </a:solidFill>
+              </a:rPr>
+              <a:t>업로드 처리 페이지 작성하기</a:t>
+            </a:r>
+            <a:endParaRPr lang="en-US" altLang="ko-KR" sz="1800" dirty="0">
+              <a:solidFill>
+                <a:schemeClr val="bg1"/>
+              </a:solidFill>
+            </a:endParaRPr>
+          </a:p>
+          <a:p>
+            <a:r>
+              <a:rPr lang="en-US" altLang="ko-KR" sz="1800" dirty="0">
+                <a:solidFill>
+                  <a:schemeClr val="bg1"/>
+                </a:solidFill>
+              </a:rPr>
+              <a:t>	5) </a:t>
+            </a:r>
+            <a:r>
+              <a:rPr lang="ko-KR" altLang="en-US" sz="1800" dirty="0">
+                <a:solidFill>
+                  <a:schemeClr val="bg1"/>
+                </a:solidFill>
+              </a:rPr>
+              <a:t>파일 다운로드 페이지 작성하기</a:t>
+            </a:r>
+            <a:endParaRPr lang="en-US" altLang="ko-KR" sz="1800" dirty="0">
+              <a:solidFill>
+                <a:schemeClr val="bg1"/>
+              </a:solidFill>
+            </a:endParaRPr>
+          </a:p>
+          <a:p>
+            <a:r>
+              <a:rPr lang="en-US" altLang="ko-KR" sz="1800" dirty="0">
+                <a:solidFill>
+                  <a:schemeClr val="bg1"/>
+                </a:solidFill>
+              </a:rPr>
+              <a:t>	6) </a:t>
+            </a:r>
+            <a:r>
+              <a:rPr lang="ko-KR" altLang="en-US" sz="1800" dirty="0">
+                <a:solidFill>
+                  <a:schemeClr val="bg1"/>
+                </a:solidFill>
+              </a:rPr>
+              <a:t>보안 코딩 적용하기</a:t>
+            </a:r>
+            <a:endParaRPr lang="en-US" altLang="ko-KR" sz="1800" dirty="0">
+              <a:solidFill>
+                <a:schemeClr val="bg1"/>
+              </a:solidFill>
+            </a:endParaRPr>
+          </a:p>
+          <a:p>
+            <a:endParaRPr lang="en-US" altLang="ko-KR" sz="1800" dirty="0">
+              <a:solidFill>
+                <a:schemeClr val="bg1"/>
+              </a:solidFill>
+            </a:endParaRPr>
+          </a:p>
+          <a:p>
+            <a:r>
+              <a:rPr lang="ko-KR" altLang="en-US" sz="1800" dirty="0">
+                <a:solidFill>
+                  <a:schemeClr val="bg1"/>
+                </a:solidFill>
+              </a:rPr>
+              <a:t>▶ </a:t>
+            </a:r>
+            <a:r>
+              <a:rPr lang="en-US" altLang="ko-KR" sz="1800" dirty="0">
+                <a:solidFill>
+                  <a:schemeClr val="bg1"/>
+                </a:solidFill>
+              </a:rPr>
+              <a:t>JSP </a:t>
+            </a:r>
+            <a:r>
+              <a:rPr lang="ko-KR" altLang="en-US" sz="1800" dirty="0">
+                <a:solidFill>
+                  <a:schemeClr val="bg1"/>
+                </a:solidFill>
+              </a:rPr>
+              <a:t>파일 업로드 심화 기능 구현</a:t>
+            </a:r>
+            <a:endParaRPr lang="en-US" altLang="ko-KR" sz="1800" dirty="0">
+              <a:solidFill>
+                <a:schemeClr val="bg1"/>
+              </a:solidFill>
+            </a:endParaRPr>
+          </a:p>
+          <a:p>
+            <a:endParaRPr lang="en-US" altLang="ko-KR" sz="1800" dirty="0">
+              <a:solidFill>
+                <a:schemeClr val="bg1"/>
+              </a:solidFill>
+            </a:endParaRPr>
+          </a:p>
+          <a:p>
+            <a:r>
+              <a:rPr lang="en-US" altLang="ko-KR" sz="1800" dirty="0">
+                <a:solidFill>
+                  <a:schemeClr val="bg1"/>
+                </a:solidFill>
+              </a:rPr>
+              <a:t>	1) </a:t>
+            </a:r>
+            <a:r>
+              <a:rPr lang="ko-KR" altLang="en-US" sz="1800" dirty="0">
+                <a:solidFill>
+                  <a:schemeClr val="bg1"/>
+                </a:solidFill>
+              </a:rPr>
+              <a:t>파일을 다운로드 한 횟수 지정하기</a:t>
+            </a:r>
+            <a:endParaRPr lang="en-US" altLang="ko-KR" sz="1800" dirty="0">
+              <a:solidFill>
+                <a:schemeClr val="bg1"/>
+              </a:solidFill>
+            </a:endParaRPr>
+          </a:p>
+          <a:p>
+            <a:r>
+              <a:rPr lang="en-US" altLang="ko-KR" sz="1800" dirty="0">
+                <a:solidFill>
+                  <a:schemeClr val="bg1"/>
+                </a:solidFill>
+              </a:rPr>
+              <a:t>	2) </a:t>
+            </a:r>
+            <a:r>
+              <a:rPr lang="ko-KR" altLang="en-US" sz="1800" dirty="0">
+                <a:solidFill>
+                  <a:schemeClr val="bg1"/>
+                </a:solidFill>
+              </a:rPr>
+              <a:t>다중 파일 업로드 구현하기</a:t>
+            </a:r>
+            <a:endParaRPr lang="en-US" altLang="ko-KR" sz="1800" dirty="0">
+              <a:solidFill>
+                <a:schemeClr val="bg1"/>
+              </a:solidFill>
+            </a:endParaRPr>
+          </a:p>
+        </p:txBody>
+      </p:sp>
+      <p:sp>
+        <p:nvSpPr>
+          <p:cNvPr id="6" name="제목 1">
+            <a:extLst>
+              <a:ext uri="{FF2B5EF4-FFF2-40B4-BE49-F238E27FC236}">
+                <a16:creationId xmlns:a16="http://schemas.microsoft.com/office/drawing/2014/main" id="{4776CCBD-0D1E-4452-A56C-E14F88C8E8F0}"/>
+              </a:ext>
+            </a:extLst>
+          </p:cNvPr>
+          <p:cNvSpPr txBox="1">
+            <a:spLocks/>
+          </p:cNvSpPr>
+          <p:nvPr/>
+        </p:nvSpPr>
+        <p:spPr>
+          <a:xfrm>
+            <a:off x="342530" y="992395"/>
+            <a:ext cx="10515600" cy="1325563"/>
+          </a:xfrm>
+          <a:prstGeom prst="rect">
+            <a:avLst/>
+          </a:prstGeom>
+        </p:spPr>
+        <p:txBody>
+          <a:bodyPr vert="horz" lIns="91440" tIns="45720" rIns="91440" bIns="45720" rtlCol="0" anchor="ctr">
+            <a:normAutofit/>
+          </a:bodyPr>
+          <a:lstStyle>
+            <a:lvl1pPr algn="l" defTabSz="914400" rtl="0" eaLnBrk="1" latinLnBrk="1" hangingPunct="1">
+              <a:lnSpc>
+                <a:spcPct val="90000"/>
+              </a:lnSpc>
+              <a:spcBef>
+                <a:spcPct val="0"/>
+              </a:spcBef>
+              <a:buNone/>
+              <a:defRPr sz="4400" kern="1200">
+                <a:solidFill>
+                  <a:schemeClr val="tx1"/>
+                </a:solidFill>
+                <a:latin typeface="+mj-lt"/>
+                <a:ea typeface="+mj-ea"/>
+                <a:cs typeface="+mj-cs"/>
+              </a:defRPr>
+            </a:lvl1pPr>
+          </a:lstStyle>
+          <a:p>
+            <a:r>
+              <a:rPr lang="en-US" altLang="ko-KR" sz="3200" dirty="0">
+                <a:solidFill>
+                  <a:schemeClr val="bg1"/>
+                </a:solidFill>
+              </a:rPr>
+              <a:t>※ JSP </a:t>
+            </a:r>
+            <a:r>
+              <a:rPr lang="ko-KR" altLang="en-US" sz="3200" dirty="0">
+                <a:solidFill>
+                  <a:schemeClr val="bg1"/>
+                </a:solidFill>
+              </a:rPr>
+              <a:t>파일 업로드</a:t>
+            </a:r>
+            <a:endParaRPr lang="en-US" altLang="ko-KR" sz="3200" dirty="0">
+              <a:solidFill>
+                <a:schemeClr val="bg1"/>
+              </a:solidFill>
+            </a:endParaRPr>
+          </a:p>
+        </p:txBody>
+      </p:sp>
+    </p:spTree>
+    <p:extLst>
+      <p:ext uri="{BB962C8B-B14F-4D97-AF65-F5344CB8AC3E}">
+        <p14:creationId xmlns:p14="http://schemas.microsoft.com/office/powerpoint/2010/main" val="840449363"/>
+      </p:ext>
+    </p:extLst>
+  </p:cSld>
+  <p:clrMapOvr>
+    <a:masterClrMapping/>
+  </p:clrMapOvr>
+</p:sld>
+</file>
+
+<file path=ppt/slides/slide31.xml><?xml version="1.0" encoding="utf-8"?>
+<p:sld xmlns:a="http://schemas.openxmlformats.org/drawingml/2006/main" xmlns:r="http://schemas.openxmlformats.org/officeDocument/2006/relationships" xmlns:p="http://schemas.openxmlformats.org/presentationml/2006/main">
+  <p:cSld>
+    <p:spTree>
+      <p:nvGrpSpPr>
+        <p:cNvPr id="1" name=""/>
+        <p:cNvGrpSpPr/>
+        <p:nvPr/>
+      </p:nvGrpSpPr>
+      <p:grpSpPr>
+        <a:xfrm>
+          <a:off x="0" y="0"/>
+          <a:ext cx="0" cy="0"/>
+          <a:chOff x="0" y="0"/>
+          <a:chExt cx="0" cy="0"/>
+        </a:xfrm>
+      </p:grpSpPr>
       <p:sp>
         <p:nvSpPr>
           <p:cNvPr id="2" name="직사각형 1"/>
@@ -7645,839 +12469,6 @@
 </p:sld>
 </file>
 
-<file path=ppt/slides/slide2.xml><?xml version="1.0" encoding="utf-8"?>
-<p:sld xmlns:a="http://schemas.openxmlformats.org/drawingml/2006/main" xmlns:r="http://schemas.openxmlformats.org/officeDocument/2006/relationships" xmlns:p="http://schemas.openxmlformats.org/presentationml/2006/main">
-  <p:cSld>
-    <p:spTree>
-      <p:nvGrpSpPr>
-        <p:cNvPr id="1" name=""/>
-        <p:cNvGrpSpPr/>
-        <p:nvPr/>
-      </p:nvGrpSpPr>
-      <p:grpSpPr>
-        <a:xfrm>
-          <a:off x="0" y="0"/>
-          <a:ext cx="0" cy="0"/>
-          <a:chOff x="0" y="0"/>
-          <a:chExt cx="0" cy="0"/>
-        </a:xfrm>
-      </p:grpSpPr>
-      <p:pic>
-        <p:nvPicPr>
-          <p:cNvPr id="8" name="그림 7">
-            <a:extLst>
-              <a:ext uri="{FF2B5EF4-FFF2-40B4-BE49-F238E27FC236}">
-                <a16:creationId xmlns:a16="http://schemas.microsoft.com/office/drawing/2014/main" id="{538F6B91-FEF8-4EB5-B611-B3CD1058A20D}"/>
-              </a:ext>
-            </a:extLst>
-          </p:cNvPr>
-          <p:cNvPicPr>
-            <a:picLocks noChangeAspect="1"/>
-          </p:cNvPicPr>
-          <p:nvPr/>
-        </p:nvPicPr>
-        <p:blipFill>
-          <a:blip r:embed="rId2"/>
-          <a:stretch>
-            <a:fillRect/>
-          </a:stretch>
-        </p:blipFill>
-        <p:spPr>
-          <a:xfrm>
-            <a:off x="0" y="-64880"/>
-            <a:ext cx="12191999" cy="1390443"/>
-          </a:xfrm>
-          <a:prstGeom prst="rect">
-            <a:avLst/>
-          </a:prstGeom>
-        </p:spPr>
-      </p:pic>
-      <p:sp>
-        <p:nvSpPr>
-          <p:cNvPr id="2" name="제목 1">
-            <a:extLst>
-              <a:ext uri="{FF2B5EF4-FFF2-40B4-BE49-F238E27FC236}">
-                <a16:creationId xmlns:a16="http://schemas.microsoft.com/office/drawing/2014/main" id="{DA9531EA-EF3E-47A1-A00A-C2553A61D457}"/>
-              </a:ext>
-            </a:extLst>
-          </p:cNvPr>
-          <p:cNvSpPr>
-            <a:spLocks noGrp="1"/>
-          </p:cNvSpPr>
-          <p:nvPr>
-            <p:ph type="title"/>
-          </p:nvPr>
-        </p:nvSpPr>
-        <p:spPr>
-          <a:xfrm>
-            <a:off x="-1" y="0"/>
-            <a:ext cx="12192000" cy="1325563"/>
-          </a:xfrm>
-          <a:noFill/>
-        </p:spPr>
-        <p:txBody>
-          <a:bodyPr/>
-          <a:lstStyle/>
-          <a:p>
-            <a:r>
-              <a:rPr lang="en-US" altLang="ko-KR" dirty="0">
-                <a:solidFill>
-                  <a:schemeClr val="accent2">
-                    <a:lumMod val="60000"/>
-                    <a:lumOff val="40000"/>
-                  </a:schemeClr>
-                </a:solidFill>
-              </a:rPr>
-              <a:t> JSP </a:t>
-            </a:r>
-            <a:r>
-              <a:rPr lang="ko-KR" altLang="en-US" dirty="0">
-                <a:solidFill>
-                  <a:schemeClr val="accent2">
-                    <a:lumMod val="60000"/>
-                    <a:lumOff val="40000"/>
-                  </a:schemeClr>
-                </a:solidFill>
-              </a:rPr>
-              <a:t>파일 업로드</a:t>
-            </a:r>
-          </a:p>
-        </p:txBody>
-      </p:sp>
-      <p:sp>
-        <p:nvSpPr>
-          <p:cNvPr id="4" name="제목 1">
-            <a:extLst>
-              <a:ext uri="{FF2B5EF4-FFF2-40B4-BE49-F238E27FC236}">
-                <a16:creationId xmlns:a16="http://schemas.microsoft.com/office/drawing/2014/main" id="{E5114744-E6CB-484A-A53B-B70C88B866A0}"/>
-              </a:ext>
-            </a:extLst>
-          </p:cNvPr>
-          <p:cNvSpPr txBox="1">
-            <a:spLocks/>
-          </p:cNvSpPr>
-          <p:nvPr/>
-        </p:nvSpPr>
-        <p:spPr>
-          <a:xfrm>
-            <a:off x="582226" y="1950127"/>
-            <a:ext cx="11609773" cy="1920537"/>
-          </a:xfrm>
-          <a:prstGeom prst="rect">
-            <a:avLst/>
-          </a:prstGeom>
-        </p:spPr>
-        <p:txBody>
-          <a:bodyPr vert="horz" lIns="91440" tIns="45720" rIns="91440" bIns="45720" rtlCol="0" anchor="ctr">
-            <a:normAutofit/>
-          </a:bodyPr>
-          <a:lstStyle>
-            <a:lvl1pPr algn="l" defTabSz="914400" rtl="0" eaLnBrk="1" latinLnBrk="1" hangingPunct="1">
-              <a:lnSpc>
-                <a:spcPct val="90000"/>
-              </a:lnSpc>
-              <a:spcBef>
-                <a:spcPct val="0"/>
-              </a:spcBef>
-              <a:buNone/>
-              <a:defRPr sz="4400" kern="1200">
-                <a:solidFill>
-                  <a:schemeClr val="tx1"/>
-                </a:solidFill>
-                <a:latin typeface="+mj-lt"/>
-                <a:ea typeface="+mj-ea"/>
-                <a:cs typeface="+mj-cs"/>
-              </a:defRPr>
-            </a:lvl1pPr>
-          </a:lstStyle>
-          <a:p>
-            <a:r>
-              <a:rPr lang="ko-KR" altLang="en-US" sz="1800" dirty="0">
-                <a:solidFill>
-                  <a:schemeClr val="bg1"/>
-                </a:solidFill>
-              </a:rPr>
-              <a:t>▶ 파일 업로드 기능이란 게시판</a:t>
-            </a:r>
-            <a:r>
-              <a:rPr lang="en-US" altLang="ko-KR" sz="1800" dirty="0">
-                <a:solidFill>
-                  <a:schemeClr val="bg1"/>
-                </a:solidFill>
-              </a:rPr>
-              <a:t>, </a:t>
-            </a:r>
-            <a:r>
-              <a:rPr lang="ko-KR" altLang="en-US" sz="1800" dirty="0">
-                <a:solidFill>
-                  <a:schemeClr val="bg1"/>
-                </a:solidFill>
-              </a:rPr>
-              <a:t>프로필 사진 설정 등으로 웹 서버에 파일을 업로드 하는 기능입니다</a:t>
-            </a:r>
-            <a:r>
-              <a:rPr lang="en-US" altLang="ko-KR" sz="1800" dirty="0">
-                <a:solidFill>
-                  <a:schemeClr val="bg1"/>
-                </a:solidFill>
-              </a:rPr>
-              <a:t>.</a:t>
-            </a:r>
-          </a:p>
-          <a:p>
-            <a:endParaRPr lang="en-US" altLang="ko-KR" sz="1800" dirty="0">
-              <a:solidFill>
-                <a:schemeClr val="bg1"/>
-              </a:solidFill>
-            </a:endParaRPr>
-          </a:p>
-          <a:p>
-            <a:r>
-              <a:rPr lang="ko-KR" altLang="en-US" sz="1800" dirty="0">
-                <a:solidFill>
-                  <a:schemeClr val="bg1"/>
-                </a:solidFill>
-              </a:rPr>
-              <a:t>▶ </a:t>
-            </a:r>
-            <a:r>
-              <a:rPr lang="en-US" altLang="ko-KR" sz="1800" dirty="0">
-                <a:solidFill>
-                  <a:schemeClr val="bg1"/>
-                </a:solidFill>
-              </a:rPr>
-              <a:t>DB </a:t>
-            </a:r>
-            <a:r>
-              <a:rPr lang="ko-KR" altLang="en-US" sz="1800" dirty="0">
-                <a:solidFill>
-                  <a:schemeClr val="bg1"/>
-                </a:solidFill>
-              </a:rPr>
-              <a:t>연동</a:t>
-            </a:r>
-            <a:r>
-              <a:rPr lang="en-US" altLang="ko-KR" sz="1800" dirty="0">
-                <a:solidFill>
-                  <a:schemeClr val="bg1"/>
-                </a:solidFill>
-              </a:rPr>
-              <a:t>, </a:t>
-            </a:r>
-            <a:r>
-              <a:rPr lang="ko-KR" altLang="en-US" sz="1800" dirty="0">
-                <a:solidFill>
-                  <a:schemeClr val="bg1"/>
-                </a:solidFill>
-              </a:rPr>
-              <a:t>웹 서버의 디스크 차지 등 다양한 기능이 수행됩니다</a:t>
-            </a:r>
-            <a:r>
-              <a:rPr lang="en-US" altLang="ko-KR" sz="1800" dirty="0">
-                <a:solidFill>
-                  <a:schemeClr val="bg1"/>
-                </a:solidFill>
-              </a:rPr>
-              <a:t>.</a:t>
-            </a:r>
-          </a:p>
-          <a:p>
-            <a:endParaRPr lang="en-US" altLang="ko-KR" sz="1800" dirty="0">
-              <a:solidFill>
-                <a:schemeClr val="bg1"/>
-              </a:solidFill>
-            </a:endParaRPr>
-          </a:p>
-          <a:p>
-            <a:r>
-              <a:rPr lang="ko-KR" altLang="en-US" sz="1800" dirty="0">
-                <a:solidFill>
-                  <a:schemeClr val="bg1"/>
-                </a:solidFill>
-              </a:rPr>
-              <a:t>▶</a:t>
-            </a:r>
-            <a:r>
-              <a:rPr lang="en-US" altLang="ko-KR" sz="1800" dirty="0">
-                <a:solidFill>
-                  <a:schemeClr val="bg1"/>
-                </a:solidFill>
-              </a:rPr>
-              <a:t> </a:t>
-            </a:r>
-            <a:r>
-              <a:rPr lang="ko-KR" altLang="en-US" sz="1800" dirty="0">
-                <a:solidFill>
-                  <a:schemeClr val="bg1"/>
-                </a:solidFill>
-              </a:rPr>
-              <a:t>파일 업로드는 실제로 취약점이나 오류가 제일 많이 발생하는 부분입니다</a:t>
-            </a:r>
-            <a:r>
-              <a:rPr lang="en-US" altLang="ko-KR" sz="1800" dirty="0">
-                <a:solidFill>
-                  <a:schemeClr val="bg1"/>
-                </a:solidFill>
-              </a:rPr>
-              <a:t>.</a:t>
-            </a:r>
-          </a:p>
-        </p:txBody>
-      </p:sp>
-      <p:sp>
-        <p:nvSpPr>
-          <p:cNvPr id="6" name="제목 1">
-            <a:extLst>
-              <a:ext uri="{FF2B5EF4-FFF2-40B4-BE49-F238E27FC236}">
-                <a16:creationId xmlns:a16="http://schemas.microsoft.com/office/drawing/2014/main" id="{4776CCBD-0D1E-4452-A56C-E14F88C8E8F0}"/>
-              </a:ext>
-            </a:extLst>
-          </p:cNvPr>
-          <p:cNvSpPr txBox="1">
-            <a:spLocks/>
-          </p:cNvSpPr>
-          <p:nvPr/>
-        </p:nvSpPr>
-        <p:spPr>
-          <a:xfrm>
-            <a:off x="342530" y="992395"/>
-            <a:ext cx="10515600" cy="1325563"/>
-          </a:xfrm>
-          <a:prstGeom prst="rect">
-            <a:avLst/>
-          </a:prstGeom>
-        </p:spPr>
-        <p:txBody>
-          <a:bodyPr vert="horz" lIns="91440" tIns="45720" rIns="91440" bIns="45720" rtlCol="0" anchor="ctr">
-            <a:normAutofit/>
-          </a:bodyPr>
-          <a:lstStyle>
-            <a:lvl1pPr algn="l" defTabSz="914400" rtl="0" eaLnBrk="1" latinLnBrk="1" hangingPunct="1">
-              <a:lnSpc>
-                <a:spcPct val="90000"/>
-              </a:lnSpc>
-              <a:spcBef>
-                <a:spcPct val="0"/>
-              </a:spcBef>
-              <a:buNone/>
-              <a:defRPr sz="4400" kern="1200">
-                <a:solidFill>
-                  <a:schemeClr val="tx1"/>
-                </a:solidFill>
-                <a:latin typeface="+mj-lt"/>
-                <a:ea typeface="+mj-ea"/>
-                <a:cs typeface="+mj-cs"/>
-              </a:defRPr>
-            </a:lvl1pPr>
-          </a:lstStyle>
-          <a:p>
-            <a:r>
-              <a:rPr lang="en-US" altLang="ko-KR" sz="3200" dirty="0">
-                <a:solidFill>
-                  <a:schemeClr val="bg1"/>
-                </a:solidFill>
-              </a:rPr>
-              <a:t>※ JSP </a:t>
-            </a:r>
-            <a:r>
-              <a:rPr lang="ko-KR" altLang="en-US" sz="3200" dirty="0">
-                <a:solidFill>
-                  <a:schemeClr val="bg1"/>
-                </a:solidFill>
-              </a:rPr>
-              <a:t>파일 업로드</a:t>
-            </a:r>
-            <a:endParaRPr lang="en-US" altLang="ko-KR" sz="3200" dirty="0">
-              <a:solidFill>
-                <a:schemeClr val="bg1"/>
-              </a:solidFill>
-            </a:endParaRPr>
-          </a:p>
-        </p:txBody>
-      </p:sp>
-    </p:spTree>
-    <p:extLst>
-      <p:ext uri="{BB962C8B-B14F-4D97-AF65-F5344CB8AC3E}">
-        <p14:creationId xmlns:p14="http://schemas.microsoft.com/office/powerpoint/2010/main" val="3595903108"/>
-      </p:ext>
-    </p:extLst>
-  </p:cSld>
-  <p:clrMapOvr>
-    <a:masterClrMapping/>
-  </p:clrMapOvr>
-</p:sld>
-</file>
-
-<file path=ppt/slides/slide3.xml><?xml version="1.0" encoding="utf-8"?>
-<p:sld xmlns:a="http://schemas.openxmlformats.org/drawingml/2006/main" xmlns:r="http://schemas.openxmlformats.org/officeDocument/2006/relationships" xmlns:p="http://schemas.openxmlformats.org/presentationml/2006/main">
-  <p:cSld>
-    <p:spTree>
-      <p:nvGrpSpPr>
-        <p:cNvPr id="1" name=""/>
-        <p:cNvGrpSpPr/>
-        <p:nvPr/>
-      </p:nvGrpSpPr>
-      <p:grpSpPr>
-        <a:xfrm>
-          <a:off x="0" y="0"/>
-          <a:ext cx="0" cy="0"/>
-          <a:chOff x="0" y="0"/>
-          <a:chExt cx="0" cy="0"/>
-        </a:xfrm>
-      </p:grpSpPr>
-      <p:pic>
-        <p:nvPicPr>
-          <p:cNvPr id="8" name="그림 7">
-            <a:extLst>
-              <a:ext uri="{FF2B5EF4-FFF2-40B4-BE49-F238E27FC236}">
-                <a16:creationId xmlns:a16="http://schemas.microsoft.com/office/drawing/2014/main" id="{538F6B91-FEF8-4EB5-B611-B3CD1058A20D}"/>
-              </a:ext>
-            </a:extLst>
-          </p:cNvPr>
-          <p:cNvPicPr>
-            <a:picLocks noChangeAspect="1"/>
-          </p:cNvPicPr>
-          <p:nvPr/>
-        </p:nvPicPr>
-        <p:blipFill>
-          <a:blip r:embed="rId2"/>
-          <a:stretch>
-            <a:fillRect/>
-          </a:stretch>
-        </p:blipFill>
-        <p:spPr>
-          <a:xfrm>
-            <a:off x="0" y="-64880"/>
-            <a:ext cx="12191999" cy="1390443"/>
-          </a:xfrm>
-          <a:prstGeom prst="rect">
-            <a:avLst/>
-          </a:prstGeom>
-        </p:spPr>
-      </p:pic>
-      <p:sp>
-        <p:nvSpPr>
-          <p:cNvPr id="2" name="제목 1">
-            <a:extLst>
-              <a:ext uri="{FF2B5EF4-FFF2-40B4-BE49-F238E27FC236}">
-                <a16:creationId xmlns:a16="http://schemas.microsoft.com/office/drawing/2014/main" id="{DA9531EA-EF3E-47A1-A00A-C2553A61D457}"/>
-              </a:ext>
-            </a:extLst>
-          </p:cNvPr>
-          <p:cNvSpPr>
-            <a:spLocks noGrp="1"/>
-          </p:cNvSpPr>
-          <p:nvPr>
-            <p:ph type="title"/>
-          </p:nvPr>
-        </p:nvSpPr>
-        <p:spPr>
-          <a:xfrm>
-            <a:off x="-1" y="0"/>
-            <a:ext cx="12192000" cy="1325563"/>
-          </a:xfrm>
-          <a:noFill/>
-        </p:spPr>
-        <p:txBody>
-          <a:bodyPr/>
-          <a:lstStyle/>
-          <a:p>
-            <a:r>
-              <a:rPr lang="en-US" altLang="ko-KR" dirty="0">
-                <a:solidFill>
-                  <a:schemeClr val="accent2">
-                    <a:lumMod val="60000"/>
-                    <a:lumOff val="40000"/>
-                  </a:schemeClr>
-                </a:solidFill>
-              </a:rPr>
-              <a:t> JSP </a:t>
-            </a:r>
-            <a:r>
-              <a:rPr lang="ko-KR" altLang="en-US" dirty="0">
-                <a:solidFill>
-                  <a:schemeClr val="accent2">
-                    <a:lumMod val="60000"/>
-                    <a:lumOff val="40000"/>
-                  </a:schemeClr>
-                </a:solidFill>
-              </a:rPr>
-              <a:t>파일 업로드</a:t>
-            </a:r>
-          </a:p>
-        </p:txBody>
-      </p:sp>
-      <p:sp>
-        <p:nvSpPr>
-          <p:cNvPr id="6" name="제목 1">
-            <a:extLst>
-              <a:ext uri="{FF2B5EF4-FFF2-40B4-BE49-F238E27FC236}">
-                <a16:creationId xmlns:a16="http://schemas.microsoft.com/office/drawing/2014/main" id="{4776CCBD-0D1E-4452-A56C-E14F88C8E8F0}"/>
-              </a:ext>
-            </a:extLst>
-          </p:cNvPr>
-          <p:cNvSpPr txBox="1">
-            <a:spLocks/>
-          </p:cNvSpPr>
-          <p:nvPr/>
-        </p:nvSpPr>
-        <p:spPr>
-          <a:xfrm>
-            <a:off x="342530" y="992395"/>
-            <a:ext cx="10515600" cy="1325563"/>
-          </a:xfrm>
-          <a:prstGeom prst="rect">
-            <a:avLst/>
-          </a:prstGeom>
-        </p:spPr>
-        <p:txBody>
-          <a:bodyPr vert="horz" lIns="91440" tIns="45720" rIns="91440" bIns="45720" rtlCol="0" anchor="ctr">
-            <a:normAutofit/>
-          </a:bodyPr>
-          <a:lstStyle>
-            <a:lvl1pPr algn="l" defTabSz="914400" rtl="0" eaLnBrk="1" latinLnBrk="1" hangingPunct="1">
-              <a:lnSpc>
-                <a:spcPct val="90000"/>
-              </a:lnSpc>
-              <a:spcBef>
-                <a:spcPct val="0"/>
-              </a:spcBef>
-              <a:buNone/>
-              <a:defRPr sz="4400" kern="1200">
-                <a:solidFill>
-                  <a:schemeClr val="tx1"/>
-                </a:solidFill>
-                <a:latin typeface="+mj-lt"/>
-                <a:ea typeface="+mj-ea"/>
-                <a:cs typeface="+mj-cs"/>
-              </a:defRPr>
-            </a:lvl1pPr>
-          </a:lstStyle>
-          <a:p>
-            <a:r>
-              <a:rPr lang="en-US" altLang="ko-KR" sz="3200" dirty="0">
-                <a:solidFill>
-                  <a:schemeClr val="bg1"/>
-                </a:solidFill>
-              </a:rPr>
-              <a:t>※ JSP </a:t>
-            </a:r>
-            <a:r>
-              <a:rPr lang="ko-KR" altLang="en-US" sz="3200" dirty="0">
-                <a:solidFill>
-                  <a:schemeClr val="bg1"/>
-                </a:solidFill>
-              </a:rPr>
-              <a:t>파일 업로드</a:t>
-            </a:r>
-            <a:endParaRPr lang="en-US" altLang="ko-KR" sz="3200" dirty="0">
-              <a:solidFill>
-                <a:schemeClr val="bg1"/>
-              </a:solidFill>
-            </a:endParaRPr>
-          </a:p>
-        </p:txBody>
-      </p:sp>
-      <p:sp>
-        <p:nvSpPr>
-          <p:cNvPr id="12" name="제목 1">
-            <a:extLst>
-              <a:ext uri="{FF2B5EF4-FFF2-40B4-BE49-F238E27FC236}">
-                <a16:creationId xmlns:a16="http://schemas.microsoft.com/office/drawing/2014/main" id="{66312B01-818D-4B80-97A9-CF440FD79B27}"/>
-              </a:ext>
-            </a:extLst>
-          </p:cNvPr>
-          <p:cNvSpPr txBox="1">
-            <a:spLocks/>
-          </p:cNvSpPr>
-          <p:nvPr/>
-        </p:nvSpPr>
-        <p:spPr>
-          <a:xfrm>
-            <a:off x="582226" y="1950127"/>
-            <a:ext cx="11609773" cy="1920537"/>
-          </a:xfrm>
-          <a:prstGeom prst="rect">
-            <a:avLst/>
-          </a:prstGeom>
-        </p:spPr>
-        <p:txBody>
-          <a:bodyPr vert="horz" lIns="91440" tIns="45720" rIns="91440" bIns="45720" rtlCol="0" anchor="ctr">
-            <a:normAutofit/>
-          </a:bodyPr>
-          <a:lstStyle>
-            <a:lvl1pPr algn="l" defTabSz="914400" rtl="0" eaLnBrk="1" latinLnBrk="1" hangingPunct="1">
-              <a:lnSpc>
-                <a:spcPct val="90000"/>
-              </a:lnSpc>
-              <a:spcBef>
-                <a:spcPct val="0"/>
-              </a:spcBef>
-              <a:buNone/>
-              <a:defRPr sz="4400" kern="1200">
-                <a:solidFill>
-                  <a:schemeClr val="tx1"/>
-                </a:solidFill>
-                <a:latin typeface="+mj-lt"/>
-                <a:ea typeface="+mj-ea"/>
-                <a:cs typeface="+mj-cs"/>
-              </a:defRPr>
-            </a:lvl1pPr>
-          </a:lstStyle>
-          <a:p>
-            <a:r>
-              <a:rPr lang="ko-KR" altLang="en-US" sz="1800" dirty="0">
-                <a:solidFill>
-                  <a:schemeClr val="bg1"/>
-                </a:solidFill>
-              </a:rPr>
-              <a:t>▶ </a:t>
-            </a:r>
-            <a:r>
-              <a:rPr lang="en-US" altLang="ko-KR" sz="1800" dirty="0">
-                <a:solidFill>
-                  <a:schemeClr val="bg1"/>
-                </a:solidFill>
-              </a:rPr>
-              <a:t>JSP</a:t>
-            </a:r>
-            <a:r>
-              <a:rPr lang="ko-KR" altLang="en-US" sz="1800" dirty="0">
-                <a:solidFill>
-                  <a:schemeClr val="bg1"/>
-                </a:solidFill>
-              </a:rPr>
-              <a:t>에서 파일 업로드를 위해서는 </a:t>
-            </a:r>
-            <a:r>
-              <a:rPr lang="en-US" altLang="ko-KR" sz="1800" dirty="0">
-                <a:solidFill>
-                  <a:schemeClr val="bg1"/>
-                </a:solidFill>
-              </a:rPr>
-              <a:t>COS </a:t>
-            </a:r>
-            <a:r>
-              <a:rPr lang="ko-KR" altLang="en-US" sz="1800" dirty="0">
-                <a:solidFill>
-                  <a:schemeClr val="bg1"/>
-                </a:solidFill>
-              </a:rPr>
-              <a:t>라이브러리가 필요합니다</a:t>
-            </a:r>
-            <a:r>
-              <a:rPr lang="en-US" altLang="ko-KR" sz="1800" dirty="0">
-                <a:solidFill>
-                  <a:schemeClr val="bg1"/>
-                </a:solidFill>
-              </a:rPr>
-              <a:t>.</a:t>
-            </a:r>
-          </a:p>
-          <a:p>
-            <a:endParaRPr lang="en-US" altLang="ko-KR" sz="1800" dirty="0">
-              <a:solidFill>
-                <a:schemeClr val="bg1"/>
-              </a:solidFill>
-            </a:endParaRPr>
-          </a:p>
-          <a:p>
-            <a:r>
-              <a:rPr lang="ko-KR" altLang="en-US" sz="1800" dirty="0">
-                <a:solidFill>
-                  <a:schemeClr val="bg1"/>
-                </a:solidFill>
-              </a:rPr>
-              <a:t>▶ </a:t>
-            </a:r>
-            <a:r>
-              <a:rPr lang="en-US" altLang="ko-KR" sz="1800" dirty="0">
-                <a:solidFill>
-                  <a:schemeClr val="bg1"/>
-                </a:solidFill>
-              </a:rPr>
-              <a:t>COS </a:t>
-            </a:r>
-            <a:r>
-              <a:rPr lang="ko-KR" altLang="en-US" sz="1800" dirty="0">
-                <a:solidFill>
-                  <a:schemeClr val="bg1"/>
-                </a:solidFill>
-              </a:rPr>
-              <a:t>라이브러리의 </a:t>
-            </a:r>
-            <a:r>
-              <a:rPr lang="en-US" altLang="ko-KR" sz="1800" dirty="0" err="1">
-                <a:solidFill>
-                  <a:schemeClr val="bg1"/>
-                </a:solidFill>
-              </a:rPr>
-              <a:t>Mutipart</a:t>
-            </a:r>
-            <a:r>
-              <a:rPr lang="en-US" altLang="ko-KR" sz="1800" dirty="0">
-                <a:solidFill>
-                  <a:schemeClr val="bg1"/>
-                </a:solidFill>
-              </a:rPr>
-              <a:t> Request </a:t>
-            </a:r>
-            <a:r>
-              <a:rPr lang="ko-KR" altLang="en-US" sz="1800" dirty="0">
-                <a:solidFill>
-                  <a:schemeClr val="bg1"/>
-                </a:solidFill>
-              </a:rPr>
-              <a:t>클래스를 사용합니다</a:t>
-            </a:r>
-            <a:r>
-              <a:rPr lang="en-US" altLang="ko-KR" sz="1800" dirty="0">
-                <a:solidFill>
-                  <a:schemeClr val="bg1"/>
-                </a:solidFill>
-              </a:rPr>
-              <a:t>.</a:t>
-            </a:r>
-          </a:p>
-          <a:p>
-            <a:endParaRPr lang="en-US" altLang="ko-KR" sz="1800" dirty="0">
-              <a:solidFill>
-                <a:schemeClr val="bg1"/>
-              </a:solidFill>
-            </a:endParaRPr>
-          </a:p>
-          <a:p>
-            <a:r>
-              <a:rPr lang="ko-KR" altLang="en-US" sz="1800" dirty="0">
-                <a:solidFill>
-                  <a:schemeClr val="bg1"/>
-                </a:solidFill>
-              </a:rPr>
-              <a:t>▶</a:t>
-            </a:r>
-            <a:r>
-              <a:rPr lang="en-US" altLang="ko-KR" sz="1800" dirty="0">
-                <a:solidFill>
-                  <a:schemeClr val="bg1"/>
-                </a:solidFill>
-              </a:rPr>
-              <a:t> </a:t>
-            </a:r>
-            <a:r>
-              <a:rPr lang="ko-KR" altLang="en-US" sz="1800" dirty="0">
-                <a:solidFill>
-                  <a:schemeClr val="bg1"/>
-                </a:solidFill>
-              </a:rPr>
-              <a:t>설치경로</a:t>
-            </a:r>
-            <a:r>
-              <a:rPr lang="en-US" altLang="ko-KR" sz="1800" dirty="0">
-                <a:solidFill>
-                  <a:schemeClr val="bg1"/>
-                </a:solidFill>
-              </a:rPr>
-              <a:t>: </a:t>
-            </a:r>
-            <a:r>
-              <a:rPr lang="en-US" altLang="ko-KR" sz="1800" dirty="0">
-                <a:hlinkClick r:id="rId3"/>
-              </a:rPr>
-              <a:t>http://www.servlets.com/cos/</a:t>
-            </a:r>
-            <a:endParaRPr lang="en-US" altLang="ko-KR" sz="1800" dirty="0">
-              <a:solidFill>
-                <a:schemeClr val="bg1"/>
-              </a:solidFill>
-            </a:endParaRPr>
-          </a:p>
-        </p:txBody>
-      </p:sp>
-      <p:pic>
-        <p:nvPicPr>
-          <p:cNvPr id="4" name="그림 3">
-            <a:extLst>
-              <a:ext uri="{FF2B5EF4-FFF2-40B4-BE49-F238E27FC236}">
-                <a16:creationId xmlns:a16="http://schemas.microsoft.com/office/drawing/2014/main" id="{B3BAB147-5920-4EBE-BDAA-476675C8F130}"/>
-              </a:ext>
-            </a:extLst>
-          </p:cNvPr>
-          <p:cNvPicPr>
-            <a:picLocks noChangeAspect="1"/>
-          </p:cNvPicPr>
-          <p:nvPr/>
-        </p:nvPicPr>
-        <p:blipFill>
-          <a:blip r:embed="rId4" cstate="print">
-            <a:extLst>
-              <a:ext uri="{28A0092B-C50C-407E-A947-70E740481C1C}">
-                <a14:useLocalDpi xmlns:a14="http://schemas.microsoft.com/office/drawing/2010/main" val="0"/>
-              </a:ext>
-            </a:extLst>
-          </a:blip>
-          <a:stretch>
-            <a:fillRect/>
-          </a:stretch>
-        </p:blipFill>
-        <p:spPr>
-          <a:xfrm>
-            <a:off x="804289" y="3630967"/>
-            <a:ext cx="3722513" cy="3084990"/>
-          </a:xfrm>
-          <a:prstGeom prst="rect">
-            <a:avLst/>
-          </a:prstGeom>
-        </p:spPr>
-      </p:pic>
-      <p:pic>
-        <p:nvPicPr>
-          <p:cNvPr id="7" name="그림 6">
-            <a:extLst>
-              <a:ext uri="{FF2B5EF4-FFF2-40B4-BE49-F238E27FC236}">
-                <a16:creationId xmlns:a16="http://schemas.microsoft.com/office/drawing/2014/main" id="{474F5163-042A-4E63-A794-3F993CFE05BB}"/>
-              </a:ext>
-            </a:extLst>
-          </p:cNvPr>
-          <p:cNvPicPr>
-            <a:picLocks noChangeAspect="1"/>
-          </p:cNvPicPr>
-          <p:nvPr/>
-        </p:nvPicPr>
-        <p:blipFill>
-          <a:blip r:embed="rId5" cstate="print">
-            <a:extLst>
-              <a:ext uri="{28A0092B-C50C-407E-A947-70E740481C1C}">
-                <a14:useLocalDpi xmlns:a14="http://schemas.microsoft.com/office/drawing/2010/main" val="0"/>
-              </a:ext>
-            </a:extLst>
-          </a:blip>
-          <a:stretch>
-            <a:fillRect/>
-          </a:stretch>
-        </p:blipFill>
-        <p:spPr>
-          <a:xfrm>
-            <a:off x="4748865" y="3630967"/>
-            <a:ext cx="3760424" cy="3110125"/>
-          </a:xfrm>
-          <a:prstGeom prst="rect">
-            <a:avLst/>
-          </a:prstGeom>
-        </p:spPr>
-      </p:pic>
-    </p:spTree>
-    <p:extLst>
-      <p:ext uri="{BB962C8B-B14F-4D97-AF65-F5344CB8AC3E}">
-        <p14:creationId xmlns:p14="http://schemas.microsoft.com/office/powerpoint/2010/main" val="1021958357"/>
-      </p:ext>
-    </p:extLst>
-  </p:cSld>
-  <p:clrMapOvr>
-    <a:masterClrMapping/>
-  </p:clrMapOvr>
-</p:sld>
-</file>
-
 <file path=ppt/slides/slide4.xml><?xml version="1.0" encoding="utf-8"?>
 <p:sld xmlns:a="http://schemas.openxmlformats.org/drawingml/2006/main" xmlns:r="http://schemas.openxmlformats.org/officeDocument/2006/relationships" xmlns:p="http://schemas.openxmlformats.org/presentationml/2006/main">
   <p:cSld>
